--- a/images/msa-event-market.pptx
+++ b/images/msa-event-market.pptx
@@ -5,13 +5,14 @@
     <p:sldMasterId id="2147483648" r:id="rId1"/>
   </p:sldMasterIdLst>
   <p:notesMasterIdLst>
-    <p:notesMasterId r:id="rId6"/>
+    <p:notesMasterId r:id="rId7"/>
   </p:notesMasterIdLst>
   <p:sldIdLst>
-    <p:sldId id="445" r:id="rId2"/>
+    <p:sldId id="449" r:id="rId2"/>
     <p:sldId id="447" r:id="rId3"/>
-    <p:sldId id="448" r:id="rId4"/>
-    <p:sldId id="446" r:id="rId5"/>
+    <p:sldId id="445" r:id="rId4"/>
+    <p:sldId id="448" r:id="rId5"/>
+    <p:sldId id="446" r:id="rId6"/>
   </p:sldIdLst>
   <p:sldSz cx="9144000" cy="5143500" type="screen16x9"/>
   <p:notesSz cx="6858000" cy="9144000"/>
@@ -216,7 +217,7 @@
           <a:p>
             <a:fld id="{6CD5550B-26C4-49A9-A5BA-636EF7BE6CE9}" type="datetimeFigureOut">
               <a:rPr lang="ko-KR" altLang="en-US" smtClean="0"/>
-              <a:t>2024. 3. 1.</a:t>
+              <a:t>2024. 3. 3.</a:t>
             </a:fld>
             <a:endParaRPr lang="ko-KR" altLang="en-US"/>
           </a:p>
@@ -662,7 +663,7 @@
           <a:p>
             <a:fld id="{FB30EDBD-1C2D-4C1E-B459-B60219FAB484}" type="datetimeFigureOut">
               <a:rPr lang="ko-KR" altLang="en-US" smtClean="0"/>
-              <a:t>2024. 3. 1.</a:t>
+              <a:t>2024. 3. 3.</a:t>
             </a:fld>
             <a:endParaRPr lang="ko-KR" altLang="en-US"/>
           </a:p>
@@ -825,7 +826,7 @@
           <a:p>
             <a:fld id="{FB30EDBD-1C2D-4C1E-B459-B60219FAB484}" type="datetimeFigureOut">
               <a:rPr lang="ko-KR" altLang="en-US" smtClean="0"/>
-              <a:t>2024. 3. 1.</a:t>
+              <a:t>2024. 3. 3.</a:t>
             </a:fld>
             <a:endParaRPr lang="ko-KR" altLang="en-US"/>
           </a:p>
@@ -998,7 +999,7 @@
           <a:p>
             <a:fld id="{FB30EDBD-1C2D-4C1E-B459-B60219FAB484}" type="datetimeFigureOut">
               <a:rPr lang="ko-KR" altLang="en-US" smtClean="0"/>
-              <a:t>2024. 3. 1.</a:t>
+              <a:t>2024. 3. 3.</a:t>
             </a:fld>
             <a:endParaRPr lang="ko-KR" altLang="en-US"/>
           </a:p>
@@ -1161,7 +1162,7 @@
           <a:p>
             <a:fld id="{FB30EDBD-1C2D-4C1E-B459-B60219FAB484}" type="datetimeFigureOut">
               <a:rPr lang="ko-KR" altLang="en-US" smtClean="0"/>
-              <a:t>2024. 3. 1.</a:t>
+              <a:t>2024. 3. 3.</a:t>
             </a:fld>
             <a:endParaRPr lang="ko-KR" altLang="en-US"/>
           </a:p>
@@ -1401,7 +1402,7 @@
           <a:p>
             <a:fld id="{FB30EDBD-1C2D-4C1E-B459-B60219FAB484}" type="datetimeFigureOut">
               <a:rPr lang="ko-KR" altLang="en-US" smtClean="0"/>
-              <a:t>2024. 3. 1.</a:t>
+              <a:t>2024. 3. 3.</a:t>
             </a:fld>
             <a:endParaRPr lang="ko-KR" altLang="en-US"/>
           </a:p>
@@ -1681,7 +1682,7 @@
           <a:p>
             <a:fld id="{FB30EDBD-1C2D-4C1E-B459-B60219FAB484}" type="datetimeFigureOut">
               <a:rPr lang="ko-KR" altLang="en-US" smtClean="0"/>
-              <a:t>2024. 3. 1.</a:t>
+              <a:t>2024. 3. 3.</a:t>
             </a:fld>
             <a:endParaRPr lang="ko-KR" altLang="en-US"/>
           </a:p>
@@ -2095,7 +2096,7 @@
           <a:p>
             <a:fld id="{FB30EDBD-1C2D-4C1E-B459-B60219FAB484}" type="datetimeFigureOut">
               <a:rPr lang="ko-KR" altLang="en-US" smtClean="0"/>
-              <a:t>2024. 3. 1.</a:t>
+              <a:t>2024. 3. 3.</a:t>
             </a:fld>
             <a:endParaRPr lang="ko-KR" altLang="en-US"/>
           </a:p>
@@ -2207,7 +2208,7 @@
           <a:p>
             <a:fld id="{FB30EDBD-1C2D-4C1E-B459-B60219FAB484}" type="datetimeFigureOut">
               <a:rPr lang="ko-KR" altLang="en-US" smtClean="0"/>
-              <a:t>2024. 3. 1.</a:t>
+              <a:t>2024. 3. 3.</a:t>
             </a:fld>
             <a:endParaRPr lang="ko-KR" altLang="en-US"/>
           </a:p>
@@ -2297,7 +2298,7 @@
           <a:p>
             <a:fld id="{FB30EDBD-1C2D-4C1E-B459-B60219FAB484}" type="datetimeFigureOut">
               <a:rPr lang="ko-KR" altLang="en-US" smtClean="0"/>
-              <a:t>2024. 3. 1.</a:t>
+              <a:t>2024. 3. 3.</a:t>
             </a:fld>
             <a:endParaRPr lang="ko-KR" altLang="en-US"/>
           </a:p>
@@ -2567,7 +2568,7 @@
           <a:p>
             <a:fld id="{FB30EDBD-1C2D-4C1E-B459-B60219FAB484}" type="datetimeFigureOut">
               <a:rPr lang="ko-KR" altLang="en-US" smtClean="0"/>
-              <a:t>2024. 3. 1.</a:t>
+              <a:t>2024. 3. 3.</a:t>
             </a:fld>
             <a:endParaRPr lang="ko-KR" altLang="en-US"/>
           </a:p>
@@ -2814,7 +2815,7 @@
           <a:p>
             <a:fld id="{FB30EDBD-1C2D-4C1E-B459-B60219FAB484}" type="datetimeFigureOut">
               <a:rPr lang="ko-KR" altLang="en-US" smtClean="0"/>
-              <a:t>2024. 3. 1.</a:t>
+              <a:t>2024. 3. 3.</a:t>
             </a:fld>
             <a:endParaRPr lang="ko-KR" altLang="en-US"/>
           </a:p>
@@ -3020,7 +3021,7 @@
           <a:p>
             <a:fld id="{FB30EDBD-1C2D-4C1E-B459-B60219FAB484}" type="datetimeFigureOut">
               <a:rPr lang="ko-KR" altLang="en-US" smtClean="0"/>
-              <a:t>2024. 3. 1.</a:t>
+              <a:t>2024. 3. 3.</a:t>
             </a:fld>
             <a:endParaRPr lang="ko-KR" altLang="en-US"/>
           </a:p>
@@ -4451,261 +4452,232 @@
           <a:p>
             <a:r>
               <a:rPr lang="en-US" altLang="ko-KR" sz="1100" b="1"/>
-              <a:t>Services</a:t>
-            </a:r>
-          </a:p>
-        </p:txBody>
-      </p:sp>
-      <p:sp>
-        <p:nvSpPr>
-          <p:cNvPr id="67" name="사각형: 둥근 모서리 66">
-            <a:extLst>
-              <a:ext uri="{FF2B5EF4-FFF2-40B4-BE49-F238E27FC236}">
-                <a16:creationId xmlns:a16="http://schemas.microsoft.com/office/drawing/2014/main" id="{23C4E96A-7668-4F5F-AEB7-81E66E4D1208}"/>
-              </a:ext>
-            </a:extLst>
-          </p:cNvPr>
-          <p:cNvSpPr/>
-          <p:nvPr/>
-        </p:nvSpPr>
-        <p:spPr>
-          <a:xfrm>
-            <a:off x="3932254" y="1228183"/>
-            <a:ext cx="504056" cy="363838"/>
-          </a:xfrm>
-          <a:prstGeom prst="roundRect">
-            <a:avLst>
-              <a:gd name="adj" fmla="val 15232"/>
-            </a:avLst>
-          </a:prstGeom>
-          <a:ln w="19050"/>
-        </p:spPr>
-        <p:style>
-          <a:lnRef idx="2">
-            <a:schemeClr val="dk1"/>
-          </a:lnRef>
-          <a:fillRef idx="1">
-            <a:schemeClr val="lt1"/>
-          </a:fillRef>
-          <a:effectRef idx="0">
-            <a:schemeClr val="dk1"/>
-          </a:effectRef>
-          <a:fontRef idx="minor">
-            <a:schemeClr val="dk1"/>
-          </a:fontRef>
-        </p:style>
-        <p:txBody>
-          <a:bodyPr rtlCol="0" anchor="ctr"/>
-          <a:lstStyle/>
-          <a:p>
-            <a:pPr algn="ctr"/>
-            <a:r>
-              <a:rPr lang="en-US" altLang="ko-KR" sz="1000"/>
-              <a:t>Web</a:t>
-            </a:r>
-          </a:p>
-        </p:txBody>
-      </p:sp>
-      <p:sp>
-        <p:nvSpPr>
-          <p:cNvPr id="68" name="사각형: 둥근 모서리 67">
-            <a:extLst>
-              <a:ext uri="{FF2B5EF4-FFF2-40B4-BE49-F238E27FC236}">
-                <a16:creationId xmlns:a16="http://schemas.microsoft.com/office/drawing/2014/main" id="{B6149686-F921-46D3-8BFA-292F3EE1F948}"/>
-              </a:ext>
-            </a:extLst>
-          </p:cNvPr>
-          <p:cNvSpPr/>
-          <p:nvPr/>
-        </p:nvSpPr>
-        <p:spPr>
-          <a:xfrm>
-            <a:off x="4549275" y="1228183"/>
-            <a:ext cx="504056" cy="363838"/>
-          </a:xfrm>
-          <a:prstGeom prst="roundRect">
-            <a:avLst>
-              <a:gd name="adj" fmla="val 15232"/>
-            </a:avLst>
-          </a:prstGeom>
-          <a:ln w="19050"/>
-        </p:spPr>
-        <p:style>
-          <a:lnRef idx="2">
-            <a:schemeClr val="dk1"/>
-          </a:lnRef>
-          <a:fillRef idx="1">
-            <a:schemeClr val="lt1"/>
-          </a:fillRef>
-          <a:effectRef idx="0">
-            <a:schemeClr val="dk1"/>
-          </a:effectRef>
-          <a:fontRef idx="minor">
-            <a:schemeClr val="dk1"/>
-          </a:fontRef>
-        </p:style>
-        <p:txBody>
-          <a:bodyPr rtlCol="0" anchor="ctr"/>
-          <a:lstStyle/>
-          <a:p>
-            <a:pPr algn="ctr"/>
-            <a:r>
-              <a:rPr lang="en-US" altLang="ko-KR" sz="1000"/>
-              <a:t>Auth</a:t>
-            </a:r>
-          </a:p>
-        </p:txBody>
-      </p:sp>
-      <p:sp>
-        <p:nvSpPr>
-          <p:cNvPr id="69" name="사각형: 둥근 모서리 68">
-            <a:extLst>
-              <a:ext uri="{FF2B5EF4-FFF2-40B4-BE49-F238E27FC236}">
-                <a16:creationId xmlns:a16="http://schemas.microsoft.com/office/drawing/2014/main" id="{584E4FF2-9A4B-4E74-8EC8-D7F52DE2181F}"/>
-              </a:ext>
-            </a:extLst>
-          </p:cNvPr>
-          <p:cNvSpPr/>
-          <p:nvPr/>
-        </p:nvSpPr>
-        <p:spPr>
-          <a:xfrm>
-            <a:off x="5171796" y="1228183"/>
-            <a:ext cx="589914" cy="363838"/>
-          </a:xfrm>
-          <a:prstGeom prst="roundRect">
-            <a:avLst>
-              <a:gd name="adj" fmla="val 15232"/>
-            </a:avLst>
-          </a:prstGeom>
-          <a:ln w="19050"/>
-        </p:spPr>
-        <p:style>
-          <a:lnRef idx="2">
-            <a:schemeClr val="dk1"/>
-          </a:lnRef>
-          <a:fillRef idx="1">
-            <a:schemeClr val="lt1"/>
-          </a:fillRef>
-          <a:effectRef idx="0">
-            <a:schemeClr val="dk1"/>
-          </a:effectRef>
-          <a:fontRef idx="minor">
-            <a:schemeClr val="dk1"/>
-          </a:fontRef>
-        </p:style>
-        <p:txBody>
-          <a:bodyPr rtlCol="0" anchor="ctr"/>
-          <a:lstStyle/>
-          <a:p>
-            <a:pPr algn="ctr"/>
-            <a:r>
-              <a:rPr lang="en-US" altLang="ko-KR" sz="1000"/>
-              <a:t>Store</a:t>
-            </a:r>
-          </a:p>
-        </p:txBody>
-      </p:sp>
-      <p:sp>
-        <p:nvSpPr>
-          <p:cNvPr id="70" name="사각형: 둥근 모서리 69">
-            <a:extLst>
-              <a:ext uri="{FF2B5EF4-FFF2-40B4-BE49-F238E27FC236}">
-                <a16:creationId xmlns:a16="http://schemas.microsoft.com/office/drawing/2014/main" id="{43C9362A-DF78-4074-AA72-A32D59D5E080}"/>
-              </a:ext>
-            </a:extLst>
-          </p:cNvPr>
-          <p:cNvSpPr/>
-          <p:nvPr/>
-        </p:nvSpPr>
-        <p:spPr>
-          <a:xfrm>
-            <a:off x="5880175" y="1228183"/>
-            <a:ext cx="589914" cy="363838"/>
-          </a:xfrm>
-          <a:prstGeom prst="roundRect">
-            <a:avLst>
-              <a:gd name="adj" fmla="val 15232"/>
-            </a:avLst>
-          </a:prstGeom>
-          <a:ln w="19050"/>
-        </p:spPr>
-        <p:style>
-          <a:lnRef idx="2">
-            <a:schemeClr val="dk1"/>
-          </a:lnRef>
-          <a:fillRef idx="1">
-            <a:schemeClr val="lt1"/>
-          </a:fillRef>
-          <a:effectRef idx="0">
-            <a:schemeClr val="dk1"/>
-          </a:effectRef>
-          <a:fontRef idx="minor">
-            <a:schemeClr val="dk1"/>
-          </a:fontRef>
-        </p:style>
-        <p:txBody>
-          <a:bodyPr rtlCol="0" anchor="ctr"/>
-          <a:lstStyle/>
-          <a:p>
-            <a:pPr algn="ctr"/>
-            <a:r>
-              <a:rPr lang="en-US" altLang="ko-KR" sz="1000"/>
-              <a:t>Order</a:t>
-            </a:r>
-          </a:p>
-        </p:txBody>
-      </p:sp>
-      <p:sp>
-        <p:nvSpPr>
-          <p:cNvPr id="71" name="사각형: 둥근 모서리 70">
-            <a:extLst>
-              <a:ext uri="{FF2B5EF4-FFF2-40B4-BE49-F238E27FC236}">
-                <a16:creationId xmlns:a16="http://schemas.microsoft.com/office/drawing/2014/main" id="{4778FB68-88F8-4A89-90D7-4B8C52C2965E}"/>
-              </a:ext>
-            </a:extLst>
-          </p:cNvPr>
-          <p:cNvSpPr/>
-          <p:nvPr/>
-        </p:nvSpPr>
-        <p:spPr>
-          <a:xfrm>
-            <a:off x="6588554" y="1228183"/>
-            <a:ext cx="800084" cy="363838"/>
-          </a:xfrm>
-          <a:prstGeom prst="roundRect">
-            <a:avLst>
-              <a:gd name="adj" fmla="val 15232"/>
-            </a:avLst>
-          </a:prstGeom>
-          <a:ln w="19050"/>
-        </p:spPr>
-        <p:style>
-          <a:lnRef idx="2">
-            <a:schemeClr val="dk1"/>
-          </a:lnRef>
-          <a:fillRef idx="1">
-            <a:schemeClr val="lt1"/>
-          </a:fillRef>
-          <a:effectRef idx="0">
-            <a:schemeClr val="dk1"/>
-          </a:effectRef>
-          <a:fontRef idx="minor">
-            <a:schemeClr val="dk1"/>
-          </a:fontRef>
-        </p:style>
-        <p:txBody>
-          <a:bodyPr rtlCol="0" anchor="ctr"/>
-          <a:lstStyle/>
-          <a:p>
-            <a:pPr algn="ctr"/>
-            <a:r>
-              <a:rPr lang="en-US" altLang="ko-KR" sz="1000"/>
-              <a:t>Payment</a:t>
-            </a:r>
-          </a:p>
-        </p:txBody>
-      </p:sp>
+              <a:t>Service</a:t>
+            </a:r>
+          </a:p>
+        </p:txBody>
+      </p:sp>
+      <p:grpSp>
+        <p:nvGrpSpPr>
+          <p:cNvPr id="3" name="Group 2">
+            <a:extLst>
+              <a:ext uri="{FF2B5EF4-FFF2-40B4-BE49-F238E27FC236}">
+                <a16:creationId xmlns:a16="http://schemas.microsoft.com/office/drawing/2014/main" id="{DFC09347-9BC9-BEAB-3B81-F61CB3BDCAF1}"/>
+              </a:ext>
+            </a:extLst>
+          </p:cNvPr>
+          <p:cNvGrpSpPr/>
+          <p:nvPr/>
+        </p:nvGrpSpPr>
+        <p:grpSpPr>
+          <a:xfrm>
+            <a:off x="3899051" y="1228183"/>
+            <a:ext cx="2537835" cy="363838"/>
+            <a:chOff x="3976368" y="1228183"/>
+            <a:chExt cx="2537835" cy="363838"/>
+          </a:xfrm>
+        </p:grpSpPr>
+        <p:sp>
+          <p:nvSpPr>
+            <p:cNvPr id="67" name="사각형: 둥근 모서리 66">
+              <a:extLst>
+                <a:ext uri="{FF2B5EF4-FFF2-40B4-BE49-F238E27FC236}">
+                  <a16:creationId xmlns:a16="http://schemas.microsoft.com/office/drawing/2014/main" id="{23C4E96A-7668-4F5F-AEB7-81E66E4D1208}"/>
+                </a:ext>
+              </a:extLst>
+            </p:cNvPr>
+            <p:cNvSpPr/>
+            <p:nvPr/>
+          </p:nvSpPr>
+          <p:spPr>
+            <a:xfrm>
+              <a:off x="3976368" y="1228183"/>
+              <a:ext cx="504056" cy="363838"/>
+            </a:xfrm>
+            <a:prstGeom prst="roundRect">
+              <a:avLst>
+                <a:gd name="adj" fmla="val 15232"/>
+              </a:avLst>
+            </a:prstGeom>
+            <a:ln w="19050"/>
+          </p:spPr>
+          <p:style>
+            <a:lnRef idx="2">
+              <a:schemeClr val="dk1"/>
+            </a:lnRef>
+            <a:fillRef idx="1">
+              <a:schemeClr val="lt1"/>
+            </a:fillRef>
+            <a:effectRef idx="0">
+              <a:schemeClr val="dk1"/>
+            </a:effectRef>
+            <a:fontRef idx="minor">
+              <a:schemeClr val="dk1"/>
+            </a:fontRef>
+          </p:style>
+          <p:txBody>
+            <a:bodyPr rtlCol="0" anchor="ctr"/>
+            <a:lstStyle/>
+            <a:p>
+              <a:pPr algn="ctr"/>
+              <a:r>
+                <a:rPr lang="en-US" altLang="ko-KR" sz="1000"/>
+                <a:t>Web</a:t>
+              </a:r>
+            </a:p>
+          </p:txBody>
+        </p:sp>
+        <p:sp>
+          <p:nvSpPr>
+            <p:cNvPr id="68" name="사각형: 둥근 모서리 67">
+              <a:extLst>
+                <a:ext uri="{FF2B5EF4-FFF2-40B4-BE49-F238E27FC236}">
+                  <a16:creationId xmlns:a16="http://schemas.microsoft.com/office/drawing/2014/main" id="{B6149686-F921-46D3-8BFA-292F3EE1F948}"/>
+                </a:ext>
+              </a:extLst>
+            </p:cNvPr>
+            <p:cNvSpPr/>
+            <p:nvPr/>
+          </p:nvSpPr>
+          <p:spPr>
+            <a:xfrm>
+              <a:off x="4593389" y="1228183"/>
+              <a:ext cx="504056" cy="363838"/>
+            </a:xfrm>
+            <a:prstGeom prst="roundRect">
+              <a:avLst>
+                <a:gd name="adj" fmla="val 15232"/>
+              </a:avLst>
+            </a:prstGeom>
+            <a:ln w="19050"/>
+          </p:spPr>
+          <p:style>
+            <a:lnRef idx="2">
+              <a:schemeClr val="dk1"/>
+            </a:lnRef>
+            <a:fillRef idx="1">
+              <a:schemeClr val="lt1"/>
+            </a:fillRef>
+            <a:effectRef idx="0">
+              <a:schemeClr val="dk1"/>
+            </a:effectRef>
+            <a:fontRef idx="minor">
+              <a:schemeClr val="dk1"/>
+            </a:fontRef>
+          </p:style>
+          <p:txBody>
+            <a:bodyPr rtlCol="0" anchor="ctr"/>
+            <a:lstStyle/>
+            <a:p>
+              <a:pPr algn="ctr"/>
+              <a:r>
+                <a:rPr lang="en-US" altLang="ko-KR" sz="1000"/>
+                <a:t>Auth</a:t>
+              </a:r>
+            </a:p>
+          </p:txBody>
+        </p:sp>
+        <p:sp>
+          <p:nvSpPr>
+            <p:cNvPr id="69" name="사각형: 둥근 모서리 68">
+              <a:extLst>
+                <a:ext uri="{FF2B5EF4-FFF2-40B4-BE49-F238E27FC236}">
+                  <a16:creationId xmlns:a16="http://schemas.microsoft.com/office/drawing/2014/main" id="{584E4FF2-9A4B-4E74-8EC8-D7F52DE2181F}"/>
+                </a:ext>
+              </a:extLst>
+            </p:cNvPr>
+            <p:cNvSpPr/>
+            <p:nvPr/>
+          </p:nvSpPr>
+          <p:spPr>
+            <a:xfrm>
+              <a:off x="5215910" y="1228183"/>
+              <a:ext cx="589914" cy="363838"/>
+            </a:xfrm>
+            <a:prstGeom prst="roundRect">
+              <a:avLst>
+                <a:gd name="adj" fmla="val 15232"/>
+              </a:avLst>
+            </a:prstGeom>
+            <a:ln w="19050"/>
+          </p:spPr>
+          <p:style>
+            <a:lnRef idx="2">
+              <a:schemeClr val="dk1"/>
+            </a:lnRef>
+            <a:fillRef idx="1">
+              <a:schemeClr val="lt1"/>
+            </a:fillRef>
+            <a:effectRef idx="0">
+              <a:schemeClr val="dk1"/>
+            </a:effectRef>
+            <a:fontRef idx="minor">
+              <a:schemeClr val="dk1"/>
+            </a:fontRef>
+          </p:style>
+          <p:txBody>
+            <a:bodyPr rtlCol="0" anchor="ctr"/>
+            <a:lstStyle/>
+            <a:p>
+              <a:pPr algn="ctr"/>
+              <a:r>
+                <a:rPr lang="en-US" altLang="ko-KR" sz="1000"/>
+                <a:t>Store</a:t>
+              </a:r>
+            </a:p>
+          </p:txBody>
+        </p:sp>
+        <p:sp>
+          <p:nvSpPr>
+            <p:cNvPr id="70" name="사각형: 둥근 모서리 69">
+              <a:extLst>
+                <a:ext uri="{FF2B5EF4-FFF2-40B4-BE49-F238E27FC236}">
+                  <a16:creationId xmlns:a16="http://schemas.microsoft.com/office/drawing/2014/main" id="{43C9362A-DF78-4074-AA72-A32D59D5E080}"/>
+                </a:ext>
+              </a:extLst>
+            </p:cNvPr>
+            <p:cNvSpPr/>
+            <p:nvPr/>
+          </p:nvSpPr>
+          <p:spPr>
+            <a:xfrm>
+              <a:off x="5924289" y="1228183"/>
+              <a:ext cx="589914" cy="363838"/>
+            </a:xfrm>
+            <a:prstGeom prst="roundRect">
+              <a:avLst>
+                <a:gd name="adj" fmla="val 15232"/>
+              </a:avLst>
+            </a:prstGeom>
+            <a:ln w="19050"/>
+          </p:spPr>
+          <p:style>
+            <a:lnRef idx="2">
+              <a:schemeClr val="dk1"/>
+            </a:lnRef>
+            <a:fillRef idx="1">
+              <a:schemeClr val="lt1"/>
+            </a:fillRef>
+            <a:effectRef idx="0">
+              <a:schemeClr val="dk1"/>
+            </a:effectRef>
+            <a:fontRef idx="minor">
+              <a:schemeClr val="dk1"/>
+            </a:fontRef>
+          </p:style>
+          <p:txBody>
+            <a:bodyPr rtlCol="0" anchor="ctr"/>
+            <a:lstStyle/>
+            <a:p>
+              <a:pPr algn="ctr"/>
+              <a:r>
+                <a:rPr lang="en-US" altLang="ko-KR" sz="1000"/>
+                <a:t>Order</a:t>
+              </a:r>
+            </a:p>
+          </p:txBody>
+        </p:sp>
+      </p:grpSp>
       <p:sp>
         <p:nvSpPr>
           <p:cNvPr id="74" name="사각형: 둥근 모서리 73">
@@ -5127,7 +5099,7 @@
     </p:spTree>
     <p:extLst>
       <p:ext uri="{BB962C8B-B14F-4D97-AF65-F5344CB8AC3E}">
-        <p14:creationId xmlns:p14="http://schemas.microsoft.com/office/powerpoint/2010/main" val="1105712950"/>
+        <p14:creationId xmlns:p14="http://schemas.microsoft.com/office/powerpoint/2010/main" val="315928997"/>
       </p:ext>
     </p:extLst>
   </p:cSld>
@@ -5309,6 +5281,1770 @@
             <a:pPr algn="ctr"/>
             <a:r>
               <a:rPr lang="en-US" altLang="ko-KR" sz="1100" b="1"/>
+              <a:t>AWS EKS Cluster</a:t>
+            </a:r>
+          </a:p>
+        </p:txBody>
+      </p:sp>
+      <p:sp>
+        <p:nvSpPr>
+          <p:cNvPr id="43" name="사각형: 둥근 모서리 42">
+            <a:extLst>
+              <a:ext uri="{FF2B5EF4-FFF2-40B4-BE49-F238E27FC236}">
+                <a16:creationId xmlns:a16="http://schemas.microsoft.com/office/drawing/2014/main" id="{CD00601A-DBDB-4E2C-B7DF-60E362B4D45B}"/>
+              </a:ext>
+            </a:extLst>
+          </p:cNvPr>
+          <p:cNvSpPr/>
+          <p:nvPr/>
+        </p:nvSpPr>
+        <p:spPr>
+          <a:xfrm>
+            <a:off x="3353401" y="2745193"/>
+            <a:ext cx="724628" cy="363838"/>
+          </a:xfrm>
+          <a:prstGeom prst="roundRect">
+            <a:avLst>
+              <a:gd name="adj" fmla="val 15232"/>
+            </a:avLst>
+          </a:prstGeom>
+          <a:ln w="19050"/>
+        </p:spPr>
+        <p:style>
+          <a:lnRef idx="2">
+            <a:schemeClr val="dk1"/>
+          </a:lnRef>
+          <a:fillRef idx="1">
+            <a:schemeClr val="lt1"/>
+          </a:fillRef>
+          <a:effectRef idx="0">
+            <a:schemeClr val="dk1"/>
+          </a:effectRef>
+          <a:fontRef idx="minor">
+            <a:schemeClr val="dk1"/>
+          </a:fontRef>
+        </p:style>
+        <p:txBody>
+          <a:bodyPr rtlCol="0" anchor="ctr"/>
+          <a:lstStyle/>
+          <a:p>
+            <a:pPr algn="ctr"/>
+            <a:r>
+              <a:rPr lang="en-US" altLang="ko-KR" sz="1000"/>
+              <a:t>MySQL</a:t>
+            </a:r>
+          </a:p>
+        </p:txBody>
+      </p:sp>
+      <p:sp>
+        <p:nvSpPr>
+          <p:cNvPr id="44" name="사각형: 둥근 모서리 43">
+            <a:extLst>
+              <a:ext uri="{FF2B5EF4-FFF2-40B4-BE49-F238E27FC236}">
+                <a16:creationId xmlns:a16="http://schemas.microsoft.com/office/drawing/2014/main" id="{7C76A323-75B4-4784-AADE-5469FD0EAF27}"/>
+              </a:ext>
+            </a:extLst>
+          </p:cNvPr>
+          <p:cNvSpPr/>
+          <p:nvPr/>
+        </p:nvSpPr>
+        <p:spPr>
+          <a:xfrm>
+            <a:off x="6611732" y="2740163"/>
+            <a:ext cx="724628" cy="363838"/>
+          </a:xfrm>
+          <a:prstGeom prst="roundRect">
+            <a:avLst>
+              <a:gd name="adj" fmla="val 15232"/>
+            </a:avLst>
+          </a:prstGeom>
+          <a:ln w="19050"/>
+        </p:spPr>
+        <p:style>
+          <a:lnRef idx="2">
+            <a:schemeClr val="dk1"/>
+          </a:lnRef>
+          <a:fillRef idx="1">
+            <a:schemeClr val="lt1"/>
+          </a:fillRef>
+          <a:effectRef idx="0">
+            <a:schemeClr val="dk1"/>
+          </a:effectRef>
+          <a:fontRef idx="minor">
+            <a:schemeClr val="dk1"/>
+          </a:fontRef>
+        </p:style>
+        <p:txBody>
+          <a:bodyPr rtlCol="0" anchor="ctr"/>
+          <a:lstStyle/>
+          <a:p>
+            <a:pPr algn="ctr"/>
+            <a:r>
+              <a:rPr lang="en-US" altLang="ko-KR" sz="1000"/>
+              <a:t>Kafka</a:t>
+            </a:r>
+          </a:p>
+        </p:txBody>
+      </p:sp>
+      <p:sp>
+        <p:nvSpPr>
+          <p:cNvPr id="47" name="사각형: 둥근 모서리 46">
+            <a:extLst>
+              <a:ext uri="{FF2B5EF4-FFF2-40B4-BE49-F238E27FC236}">
+                <a16:creationId xmlns:a16="http://schemas.microsoft.com/office/drawing/2014/main" id="{B602F9F6-8B75-4FEE-A862-BB74B983A354}"/>
+              </a:ext>
+            </a:extLst>
+          </p:cNvPr>
+          <p:cNvSpPr/>
+          <p:nvPr/>
+        </p:nvSpPr>
+        <p:spPr>
+          <a:xfrm>
+            <a:off x="4218956" y="2745192"/>
+            <a:ext cx="842310" cy="363838"/>
+          </a:xfrm>
+          <a:prstGeom prst="roundRect">
+            <a:avLst>
+              <a:gd name="adj" fmla="val 15232"/>
+            </a:avLst>
+          </a:prstGeom>
+          <a:ln w="19050"/>
+        </p:spPr>
+        <p:style>
+          <a:lnRef idx="2">
+            <a:schemeClr val="dk1"/>
+          </a:lnRef>
+          <a:fillRef idx="1">
+            <a:schemeClr val="lt1"/>
+          </a:fillRef>
+          <a:effectRef idx="0">
+            <a:schemeClr val="dk1"/>
+          </a:effectRef>
+          <a:fontRef idx="minor">
+            <a:schemeClr val="dk1"/>
+          </a:fontRef>
+        </p:style>
+        <p:txBody>
+          <a:bodyPr rtlCol="0" anchor="ctr"/>
+          <a:lstStyle/>
+          <a:p>
+            <a:pPr algn="ctr"/>
+            <a:r>
+              <a:rPr lang="en-US" altLang="ko-KR" sz="1000"/>
+              <a:t>MongoDB</a:t>
+            </a:r>
+          </a:p>
+        </p:txBody>
+      </p:sp>
+      <p:sp>
+        <p:nvSpPr>
+          <p:cNvPr id="48" name="사각형: 둥근 모서리 47">
+            <a:extLst>
+              <a:ext uri="{FF2B5EF4-FFF2-40B4-BE49-F238E27FC236}">
+                <a16:creationId xmlns:a16="http://schemas.microsoft.com/office/drawing/2014/main" id="{2B88E66C-675A-4F6D-B1FD-5E02B0D4A2C8}"/>
+              </a:ext>
+            </a:extLst>
+          </p:cNvPr>
+          <p:cNvSpPr/>
+          <p:nvPr/>
+        </p:nvSpPr>
+        <p:spPr>
+          <a:xfrm>
+            <a:off x="179973" y="3034387"/>
+            <a:ext cx="909903" cy="363838"/>
+          </a:xfrm>
+          <a:prstGeom prst="roundRect">
+            <a:avLst>
+              <a:gd name="adj" fmla="val 15232"/>
+            </a:avLst>
+          </a:prstGeom>
+          <a:ln w="19050"/>
+        </p:spPr>
+        <p:style>
+          <a:lnRef idx="2">
+            <a:schemeClr val="dk1"/>
+          </a:lnRef>
+          <a:fillRef idx="1">
+            <a:schemeClr val="lt1"/>
+          </a:fillRef>
+          <a:effectRef idx="0">
+            <a:schemeClr val="dk1"/>
+          </a:effectRef>
+          <a:fontRef idx="minor">
+            <a:schemeClr val="dk1"/>
+          </a:fontRef>
+        </p:style>
+        <p:txBody>
+          <a:bodyPr rtlCol="0" anchor="ctr"/>
+          <a:lstStyle/>
+          <a:p>
+            <a:pPr algn="ctr"/>
+            <a:r>
+              <a:rPr lang="en-US" altLang="ko-KR" sz="1000"/>
+              <a:t>Prometheus</a:t>
+            </a:r>
+          </a:p>
+        </p:txBody>
+      </p:sp>
+      <p:sp>
+        <p:nvSpPr>
+          <p:cNvPr id="49" name="사각형: 둥근 모서리 48">
+            <a:extLst>
+              <a:ext uri="{FF2B5EF4-FFF2-40B4-BE49-F238E27FC236}">
+                <a16:creationId xmlns:a16="http://schemas.microsoft.com/office/drawing/2014/main" id="{4DDD4E0C-DD1C-47ED-A923-5290174A4981}"/>
+              </a:ext>
+            </a:extLst>
+          </p:cNvPr>
+          <p:cNvSpPr/>
+          <p:nvPr/>
+        </p:nvSpPr>
+        <p:spPr>
+          <a:xfrm>
+            <a:off x="2833750" y="2643101"/>
+            <a:ext cx="3169764" cy="568021"/>
+          </a:xfrm>
+          <a:prstGeom prst="roundRect">
+            <a:avLst>
+              <a:gd name="adj" fmla="val 12037"/>
+            </a:avLst>
+          </a:prstGeom>
+          <a:noFill/>
+          <a:ln w="12700">
+            <a:prstDash val="dash"/>
+          </a:ln>
+        </p:spPr>
+        <p:style>
+          <a:lnRef idx="2">
+            <a:schemeClr val="dk1"/>
+          </a:lnRef>
+          <a:fillRef idx="1">
+            <a:schemeClr val="lt1"/>
+          </a:fillRef>
+          <a:effectRef idx="0">
+            <a:schemeClr val="dk1"/>
+          </a:effectRef>
+          <a:fontRef idx="minor">
+            <a:schemeClr val="dk1"/>
+          </a:fontRef>
+        </p:style>
+        <p:txBody>
+          <a:bodyPr rtlCol="0" anchor="ctr"/>
+          <a:lstStyle/>
+          <a:p>
+            <a:r>
+              <a:rPr lang="en-US" altLang="ko-KR" sz="1100" b="1"/>
+              <a:t>DB,</a:t>
+            </a:r>
+          </a:p>
+          <a:p>
+            <a:r>
+              <a:rPr lang="en-US" altLang="ko-KR" sz="1100" b="1"/>
+              <a:t>Store</a:t>
+            </a:r>
+          </a:p>
+        </p:txBody>
+      </p:sp>
+      <p:sp>
+        <p:nvSpPr>
+          <p:cNvPr id="50" name="사각형: 둥근 모서리 49">
+            <a:extLst>
+              <a:ext uri="{FF2B5EF4-FFF2-40B4-BE49-F238E27FC236}">
+                <a16:creationId xmlns:a16="http://schemas.microsoft.com/office/drawing/2014/main" id="{46E4C9D4-B546-4E00-B137-AC71A7BFB057}"/>
+              </a:ext>
+            </a:extLst>
+          </p:cNvPr>
+          <p:cNvSpPr/>
+          <p:nvPr/>
+        </p:nvSpPr>
+        <p:spPr>
+          <a:xfrm>
+            <a:off x="6186456" y="2648435"/>
+            <a:ext cx="1279500" cy="568021"/>
+          </a:xfrm>
+          <a:prstGeom prst="roundRect">
+            <a:avLst>
+              <a:gd name="adj" fmla="val 11199"/>
+            </a:avLst>
+          </a:prstGeom>
+          <a:noFill/>
+          <a:ln w="12700">
+            <a:prstDash val="dash"/>
+          </a:ln>
+        </p:spPr>
+        <p:style>
+          <a:lnRef idx="2">
+            <a:schemeClr val="dk1"/>
+          </a:lnRef>
+          <a:fillRef idx="1">
+            <a:schemeClr val="lt1"/>
+          </a:fillRef>
+          <a:effectRef idx="0">
+            <a:schemeClr val="dk1"/>
+          </a:effectRef>
+          <a:fontRef idx="minor">
+            <a:schemeClr val="dk1"/>
+          </a:fontRef>
+        </p:style>
+        <p:txBody>
+          <a:bodyPr rtlCol="0" anchor="ctr"/>
+          <a:lstStyle/>
+          <a:p>
+            <a:r>
+              <a:rPr lang="en-US" altLang="ko-KR" sz="1100" b="1"/>
+              <a:t>MQ</a:t>
+            </a:r>
+          </a:p>
+        </p:txBody>
+      </p:sp>
+      <p:sp>
+        <p:nvSpPr>
+          <p:cNvPr id="52" name="사각형: 둥근 모서리 51">
+            <a:extLst>
+              <a:ext uri="{FF2B5EF4-FFF2-40B4-BE49-F238E27FC236}">
+                <a16:creationId xmlns:a16="http://schemas.microsoft.com/office/drawing/2014/main" id="{C3DC73E4-C0FC-49BA-A48F-6F6D3DA0777C}"/>
+              </a:ext>
+            </a:extLst>
+          </p:cNvPr>
+          <p:cNvSpPr/>
+          <p:nvPr/>
+        </p:nvSpPr>
+        <p:spPr>
+          <a:xfrm>
+            <a:off x="173562" y="2572041"/>
+            <a:ext cx="2191432" cy="363838"/>
+          </a:xfrm>
+          <a:prstGeom prst="roundRect">
+            <a:avLst>
+              <a:gd name="adj" fmla="val 15232"/>
+            </a:avLst>
+          </a:prstGeom>
+          <a:ln w="19050"/>
+        </p:spPr>
+        <p:style>
+          <a:lnRef idx="2">
+            <a:schemeClr val="dk1"/>
+          </a:lnRef>
+          <a:fillRef idx="1">
+            <a:schemeClr val="lt1"/>
+          </a:fillRef>
+          <a:effectRef idx="0">
+            <a:schemeClr val="dk1"/>
+          </a:effectRef>
+          <a:fontRef idx="minor">
+            <a:schemeClr val="dk1"/>
+          </a:fontRef>
+        </p:style>
+        <p:txBody>
+          <a:bodyPr rtlCol="0" anchor="ctr"/>
+          <a:lstStyle/>
+          <a:p>
+            <a:r>
+              <a:rPr lang="en-US" altLang="ko-KR" sz="1000"/>
+              <a:t>Grafana</a:t>
+            </a:r>
+          </a:p>
+        </p:txBody>
+      </p:sp>
+      <p:sp>
+        <p:nvSpPr>
+          <p:cNvPr id="53" name="사각형: 둥근 모서리 52">
+            <a:extLst>
+              <a:ext uri="{FF2B5EF4-FFF2-40B4-BE49-F238E27FC236}">
+                <a16:creationId xmlns:a16="http://schemas.microsoft.com/office/drawing/2014/main" id="{BAD5AC54-27FB-44F6-B0EA-9376A60F3F8E}"/>
+              </a:ext>
+            </a:extLst>
+          </p:cNvPr>
+          <p:cNvSpPr/>
+          <p:nvPr/>
+        </p:nvSpPr>
+        <p:spPr>
+          <a:xfrm>
+            <a:off x="173562" y="3511321"/>
+            <a:ext cx="916314" cy="363838"/>
+          </a:xfrm>
+          <a:prstGeom prst="roundRect">
+            <a:avLst>
+              <a:gd name="adj" fmla="val 15232"/>
+            </a:avLst>
+          </a:prstGeom>
+          <a:ln w="19050"/>
+        </p:spPr>
+        <p:style>
+          <a:lnRef idx="2">
+            <a:schemeClr val="dk1"/>
+          </a:lnRef>
+          <a:fillRef idx="1">
+            <a:schemeClr val="lt1"/>
+          </a:fillRef>
+          <a:effectRef idx="0">
+            <a:schemeClr val="dk1"/>
+          </a:effectRef>
+          <a:fontRef idx="minor">
+            <a:schemeClr val="dk1"/>
+          </a:fontRef>
+        </p:style>
+        <p:txBody>
+          <a:bodyPr rtlCol="0" anchor="ctr"/>
+          <a:lstStyle/>
+          <a:p>
+            <a:pPr algn="ctr"/>
+            <a:r>
+              <a:rPr lang="en-US" altLang="ko-KR" sz="1000"/>
+              <a:t>Exporters</a:t>
+            </a:r>
+          </a:p>
+        </p:txBody>
+      </p:sp>
+      <p:sp>
+        <p:nvSpPr>
+          <p:cNvPr id="55" name="사각형: 둥근 모서리 54">
+            <a:extLst>
+              <a:ext uri="{FF2B5EF4-FFF2-40B4-BE49-F238E27FC236}">
+                <a16:creationId xmlns:a16="http://schemas.microsoft.com/office/drawing/2014/main" id="{27BD03A8-E8C0-4305-8D95-E5F4F66E668F}"/>
+              </a:ext>
+            </a:extLst>
+          </p:cNvPr>
+          <p:cNvSpPr/>
+          <p:nvPr/>
+        </p:nvSpPr>
+        <p:spPr>
+          <a:xfrm>
+            <a:off x="1404848" y="3034387"/>
+            <a:ext cx="960146" cy="363838"/>
+          </a:xfrm>
+          <a:prstGeom prst="roundRect">
+            <a:avLst>
+              <a:gd name="adj" fmla="val 15232"/>
+            </a:avLst>
+          </a:prstGeom>
+          <a:ln w="19050"/>
+        </p:spPr>
+        <p:style>
+          <a:lnRef idx="2">
+            <a:schemeClr val="dk1"/>
+          </a:lnRef>
+          <a:fillRef idx="1">
+            <a:schemeClr val="lt1"/>
+          </a:fillRef>
+          <a:effectRef idx="0">
+            <a:schemeClr val="dk1"/>
+          </a:effectRef>
+          <a:fontRef idx="minor">
+            <a:schemeClr val="dk1"/>
+          </a:fontRef>
+        </p:style>
+        <p:txBody>
+          <a:bodyPr rtlCol="0" anchor="ctr"/>
+          <a:lstStyle/>
+          <a:p>
+            <a:pPr algn="ctr"/>
+            <a:r>
+              <a:rPr lang="en-US" altLang="ko-KR" sz="1000"/>
+              <a:t>Loki</a:t>
+            </a:r>
+          </a:p>
+        </p:txBody>
+      </p:sp>
+      <p:sp>
+        <p:nvSpPr>
+          <p:cNvPr id="57" name="사각형: 둥근 모서리 56">
+            <a:extLst>
+              <a:ext uri="{FF2B5EF4-FFF2-40B4-BE49-F238E27FC236}">
+                <a16:creationId xmlns:a16="http://schemas.microsoft.com/office/drawing/2014/main" id="{2101D5FC-39CD-4999-AA47-7A1E9764AAE0}"/>
+              </a:ext>
+            </a:extLst>
+          </p:cNvPr>
+          <p:cNvSpPr/>
+          <p:nvPr/>
+        </p:nvSpPr>
+        <p:spPr>
+          <a:xfrm>
+            <a:off x="1404848" y="3511321"/>
+            <a:ext cx="960146" cy="363838"/>
+          </a:xfrm>
+          <a:prstGeom prst="roundRect">
+            <a:avLst>
+              <a:gd name="adj" fmla="val 15232"/>
+            </a:avLst>
+          </a:prstGeom>
+          <a:ln w="19050"/>
+        </p:spPr>
+        <p:style>
+          <a:lnRef idx="2">
+            <a:schemeClr val="dk1"/>
+          </a:lnRef>
+          <a:fillRef idx="1">
+            <a:schemeClr val="lt1"/>
+          </a:fillRef>
+          <a:effectRef idx="0">
+            <a:schemeClr val="dk1"/>
+          </a:effectRef>
+          <a:fontRef idx="minor">
+            <a:schemeClr val="dk1"/>
+          </a:fontRef>
+        </p:style>
+        <p:txBody>
+          <a:bodyPr rtlCol="0" anchor="ctr"/>
+          <a:lstStyle/>
+          <a:p>
+            <a:pPr algn="ctr"/>
+            <a:r>
+              <a:rPr lang="en-US" altLang="ko-KR" sz="1000"/>
+              <a:t>Fluentd</a:t>
+            </a:r>
+          </a:p>
+        </p:txBody>
+      </p:sp>
+      <p:sp>
+        <p:nvSpPr>
+          <p:cNvPr id="58" name="사각형: 둥근 모서리 57">
+            <a:extLst>
+              <a:ext uri="{FF2B5EF4-FFF2-40B4-BE49-F238E27FC236}">
+                <a16:creationId xmlns:a16="http://schemas.microsoft.com/office/drawing/2014/main" id="{7D746446-4088-4D62-9CE3-5DF1DF1623C2}"/>
+              </a:ext>
+            </a:extLst>
+          </p:cNvPr>
+          <p:cNvSpPr/>
+          <p:nvPr/>
+        </p:nvSpPr>
+        <p:spPr>
+          <a:xfrm>
+            <a:off x="2601082" y="1887264"/>
+            <a:ext cx="2570714" cy="568021"/>
+          </a:xfrm>
+          <a:prstGeom prst="roundRect">
+            <a:avLst>
+              <a:gd name="adj" fmla="val 12037"/>
+            </a:avLst>
+          </a:prstGeom>
+          <a:noFill/>
+          <a:ln w="12700">
+            <a:prstDash val="dash"/>
+          </a:ln>
+        </p:spPr>
+        <p:style>
+          <a:lnRef idx="2">
+            <a:schemeClr val="dk1"/>
+          </a:lnRef>
+          <a:fillRef idx="1">
+            <a:schemeClr val="lt1"/>
+          </a:fillRef>
+          <a:effectRef idx="0">
+            <a:schemeClr val="dk1"/>
+          </a:effectRef>
+          <a:fontRef idx="minor">
+            <a:schemeClr val="dk1"/>
+          </a:fontRef>
+        </p:style>
+        <p:txBody>
+          <a:bodyPr rtlCol="0" anchor="ctr"/>
+          <a:lstStyle/>
+          <a:p>
+            <a:r>
+              <a:rPr lang="en-US" altLang="ko-KR" sz="1100" b="1"/>
+              <a:t>Service Mesh,</a:t>
+            </a:r>
+          </a:p>
+          <a:p>
+            <a:r>
+              <a:rPr lang="en-US" altLang="ko-KR" sz="1100" b="1"/>
+              <a:t>Trace</a:t>
+            </a:r>
+          </a:p>
+        </p:txBody>
+      </p:sp>
+      <p:sp>
+        <p:nvSpPr>
+          <p:cNvPr id="59" name="사각형: 둥근 모서리 58">
+            <a:extLst>
+              <a:ext uri="{FF2B5EF4-FFF2-40B4-BE49-F238E27FC236}">
+                <a16:creationId xmlns:a16="http://schemas.microsoft.com/office/drawing/2014/main" id="{7C69D786-4A09-430F-9232-6DF1C86E2EAC}"/>
+              </a:ext>
+            </a:extLst>
+          </p:cNvPr>
+          <p:cNvSpPr/>
+          <p:nvPr/>
+        </p:nvSpPr>
+        <p:spPr>
+          <a:xfrm>
+            <a:off x="3691547" y="1989355"/>
+            <a:ext cx="1398146" cy="363838"/>
+          </a:xfrm>
+          <a:prstGeom prst="roundRect">
+            <a:avLst>
+              <a:gd name="adj" fmla="val 15232"/>
+            </a:avLst>
+          </a:prstGeom>
+          <a:ln w="19050"/>
+        </p:spPr>
+        <p:style>
+          <a:lnRef idx="2">
+            <a:schemeClr val="dk1"/>
+          </a:lnRef>
+          <a:fillRef idx="1">
+            <a:schemeClr val="lt1"/>
+          </a:fillRef>
+          <a:effectRef idx="0">
+            <a:schemeClr val="dk1"/>
+          </a:effectRef>
+          <a:fontRef idx="minor">
+            <a:schemeClr val="dk1"/>
+          </a:fontRef>
+        </p:style>
+        <p:txBody>
+          <a:bodyPr rtlCol="0" anchor="ctr"/>
+          <a:lstStyle/>
+          <a:p>
+            <a:pPr algn="ctr"/>
+            <a:r>
+              <a:rPr lang="en-US" altLang="ko-KR" sz="1000"/>
+              <a:t>Istio</a:t>
+            </a:r>
+          </a:p>
+        </p:txBody>
+      </p:sp>
+      <p:sp>
+        <p:nvSpPr>
+          <p:cNvPr id="60" name="사각형: 둥근 모서리 59">
+            <a:extLst>
+              <a:ext uri="{FF2B5EF4-FFF2-40B4-BE49-F238E27FC236}">
+                <a16:creationId xmlns:a16="http://schemas.microsoft.com/office/drawing/2014/main" id="{A7BF6A58-B5D7-448C-885F-5717A6646141}"/>
+              </a:ext>
+            </a:extLst>
+          </p:cNvPr>
+          <p:cNvSpPr/>
+          <p:nvPr/>
+        </p:nvSpPr>
+        <p:spPr>
+          <a:xfrm>
+            <a:off x="2601082" y="3404273"/>
+            <a:ext cx="2901526" cy="568021"/>
+          </a:xfrm>
+          <a:prstGeom prst="roundRect">
+            <a:avLst>
+              <a:gd name="adj" fmla="val 8683"/>
+            </a:avLst>
+          </a:prstGeom>
+          <a:noFill/>
+          <a:ln w="12700">
+            <a:prstDash val="dash"/>
+          </a:ln>
+        </p:spPr>
+        <p:style>
+          <a:lnRef idx="2">
+            <a:schemeClr val="dk1"/>
+          </a:lnRef>
+          <a:fillRef idx="1">
+            <a:schemeClr val="lt1"/>
+          </a:fillRef>
+          <a:effectRef idx="0">
+            <a:schemeClr val="dk1"/>
+          </a:effectRef>
+          <a:fontRef idx="minor">
+            <a:schemeClr val="dk1"/>
+          </a:fontRef>
+        </p:style>
+        <p:txBody>
+          <a:bodyPr rtlCol="0" anchor="ctr"/>
+          <a:lstStyle/>
+          <a:p>
+            <a:r>
+              <a:rPr lang="en-US" altLang="ko-KR" sz="1100" b="1"/>
+              <a:t>Network, </a:t>
+            </a:r>
+          </a:p>
+          <a:p>
+            <a:r>
+              <a:rPr lang="en-US" altLang="ko-KR" sz="1100" b="1"/>
+              <a:t>Load Balancer</a:t>
+            </a:r>
+          </a:p>
+        </p:txBody>
+      </p:sp>
+      <p:sp>
+        <p:nvSpPr>
+          <p:cNvPr id="61" name="사각형: 둥근 모서리 60">
+            <a:extLst>
+              <a:ext uri="{FF2B5EF4-FFF2-40B4-BE49-F238E27FC236}">
+                <a16:creationId xmlns:a16="http://schemas.microsoft.com/office/drawing/2014/main" id="{2AD6E762-357A-4E46-BBED-2AC08830B790}"/>
+              </a:ext>
+            </a:extLst>
+          </p:cNvPr>
+          <p:cNvSpPr/>
+          <p:nvPr/>
+        </p:nvSpPr>
+        <p:spPr>
+          <a:xfrm>
+            <a:off x="3691546" y="3506364"/>
+            <a:ext cx="792088" cy="363838"/>
+          </a:xfrm>
+          <a:prstGeom prst="roundRect">
+            <a:avLst>
+              <a:gd name="adj" fmla="val 15232"/>
+            </a:avLst>
+          </a:prstGeom>
+          <a:ln w="19050"/>
+        </p:spPr>
+        <p:style>
+          <a:lnRef idx="2">
+            <a:schemeClr val="dk1"/>
+          </a:lnRef>
+          <a:fillRef idx="1">
+            <a:schemeClr val="lt1"/>
+          </a:fillRef>
+          <a:effectRef idx="0">
+            <a:schemeClr val="dk1"/>
+          </a:effectRef>
+          <a:fontRef idx="minor">
+            <a:schemeClr val="dk1"/>
+          </a:fontRef>
+        </p:style>
+        <p:txBody>
+          <a:bodyPr rtlCol="0" anchor="ctr"/>
+          <a:lstStyle/>
+          <a:p>
+            <a:pPr algn="ctr"/>
+            <a:r>
+              <a:rPr lang="en-US" altLang="ko-KR" sz="1000"/>
+              <a:t>AWS </a:t>
+            </a:r>
+            <a:br>
+              <a:rPr lang="en-US" altLang="ko-KR" sz="1000"/>
+            </a:br>
+            <a:r>
+              <a:rPr lang="en-US" altLang="ko-KR" sz="1000"/>
+              <a:t>VPC CNI</a:t>
+            </a:r>
+          </a:p>
+        </p:txBody>
+      </p:sp>
+      <p:sp>
+        <p:nvSpPr>
+          <p:cNvPr id="62" name="사각형: 둥근 모서리 61">
+            <a:extLst>
+              <a:ext uri="{FF2B5EF4-FFF2-40B4-BE49-F238E27FC236}">
+                <a16:creationId xmlns:a16="http://schemas.microsoft.com/office/drawing/2014/main" id="{ACA553A0-C8D0-48AD-815E-85B73CFED116}"/>
+              </a:ext>
+            </a:extLst>
+          </p:cNvPr>
+          <p:cNvSpPr/>
+          <p:nvPr/>
+        </p:nvSpPr>
+        <p:spPr>
+          <a:xfrm>
+            <a:off x="4616848" y="3506364"/>
+            <a:ext cx="792088" cy="363838"/>
+          </a:xfrm>
+          <a:prstGeom prst="roundRect">
+            <a:avLst>
+              <a:gd name="adj" fmla="val 15232"/>
+            </a:avLst>
+          </a:prstGeom>
+          <a:ln w="19050"/>
+        </p:spPr>
+        <p:style>
+          <a:lnRef idx="2">
+            <a:schemeClr val="dk1"/>
+          </a:lnRef>
+          <a:fillRef idx="1">
+            <a:schemeClr val="lt1"/>
+          </a:fillRef>
+          <a:effectRef idx="0">
+            <a:schemeClr val="dk1"/>
+          </a:effectRef>
+          <a:fontRef idx="minor">
+            <a:schemeClr val="dk1"/>
+          </a:fontRef>
+        </p:style>
+        <p:txBody>
+          <a:bodyPr rtlCol="0" anchor="ctr"/>
+          <a:lstStyle/>
+          <a:p>
+            <a:pPr algn="ctr"/>
+            <a:r>
+              <a:rPr lang="en-US" altLang="ko-KR" sz="1000"/>
+              <a:t>AWS ELB</a:t>
+            </a:r>
+          </a:p>
+        </p:txBody>
+      </p:sp>
+      <p:sp>
+        <p:nvSpPr>
+          <p:cNvPr id="63" name="사각형: 둥근 모서리 62">
+            <a:extLst>
+              <a:ext uri="{FF2B5EF4-FFF2-40B4-BE49-F238E27FC236}">
+                <a16:creationId xmlns:a16="http://schemas.microsoft.com/office/drawing/2014/main" id="{DC4D8B93-BC02-4666-B0AC-3AAF949FA0BE}"/>
+              </a:ext>
+            </a:extLst>
+          </p:cNvPr>
+          <p:cNvSpPr/>
+          <p:nvPr/>
+        </p:nvSpPr>
+        <p:spPr>
+          <a:xfrm>
+            <a:off x="5652766" y="3404273"/>
+            <a:ext cx="2082089" cy="568021"/>
+          </a:xfrm>
+          <a:prstGeom prst="roundRect">
+            <a:avLst>
+              <a:gd name="adj" fmla="val 10919"/>
+            </a:avLst>
+          </a:prstGeom>
+          <a:noFill/>
+          <a:ln w="12700">
+            <a:prstDash val="dash"/>
+          </a:ln>
+        </p:spPr>
+        <p:style>
+          <a:lnRef idx="2">
+            <a:schemeClr val="dk1"/>
+          </a:lnRef>
+          <a:fillRef idx="1">
+            <a:schemeClr val="lt1"/>
+          </a:fillRef>
+          <a:effectRef idx="0">
+            <a:schemeClr val="dk1"/>
+          </a:effectRef>
+          <a:fontRef idx="minor">
+            <a:schemeClr val="dk1"/>
+          </a:fontRef>
+        </p:style>
+        <p:txBody>
+          <a:bodyPr rtlCol="0" anchor="ctr"/>
+          <a:lstStyle/>
+          <a:p>
+            <a:r>
+              <a:rPr lang="en-US" altLang="ko-KR" sz="1100" b="1"/>
+              <a:t>Storage</a:t>
+            </a:r>
+          </a:p>
+        </p:txBody>
+      </p:sp>
+      <p:sp>
+        <p:nvSpPr>
+          <p:cNvPr id="64" name="사각형: 둥근 모서리 63">
+            <a:extLst>
+              <a:ext uri="{FF2B5EF4-FFF2-40B4-BE49-F238E27FC236}">
+                <a16:creationId xmlns:a16="http://schemas.microsoft.com/office/drawing/2014/main" id="{1026B2EC-0043-4B74-BE8F-01F697BE955A}"/>
+              </a:ext>
+            </a:extLst>
+          </p:cNvPr>
+          <p:cNvSpPr/>
+          <p:nvPr/>
+        </p:nvSpPr>
+        <p:spPr>
+          <a:xfrm>
+            <a:off x="6376415" y="3512536"/>
+            <a:ext cx="1224362" cy="363838"/>
+          </a:xfrm>
+          <a:prstGeom prst="roundRect">
+            <a:avLst>
+              <a:gd name="adj" fmla="val 15232"/>
+            </a:avLst>
+          </a:prstGeom>
+          <a:ln w="19050"/>
+        </p:spPr>
+        <p:style>
+          <a:lnRef idx="2">
+            <a:schemeClr val="dk1"/>
+          </a:lnRef>
+          <a:fillRef idx="1">
+            <a:schemeClr val="lt1"/>
+          </a:fillRef>
+          <a:effectRef idx="0">
+            <a:schemeClr val="dk1"/>
+          </a:effectRef>
+          <a:fontRef idx="minor">
+            <a:schemeClr val="dk1"/>
+          </a:fontRef>
+        </p:style>
+        <p:txBody>
+          <a:bodyPr rtlCol="0" anchor="ctr"/>
+          <a:lstStyle/>
+          <a:p>
+            <a:pPr algn="ctr"/>
+            <a:r>
+              <a:rPr lang="en-US" altLang="ko-KR" sz="1000"/>
+              <a:t>AWS EBS</a:t>
+            </a:r>
+          </a:p>
+        </p:txBody>
+      </p:sp>
+      <p:sp>
+        <p:nvSpPr>
+          <p:cNvPr id="65" name="사각형: 둥근 모서리 64">
+            <a:extLst>
+              <a:ext uri="{FF2B5EF4-FFF2-40B4-BE49-F238E27FC236}">
+                <a16:creationId xmlns:a16="http://schemas.microsoft.com/office/drawing/2014/main" id="{8C1A2750-F5EC-4E1B-939E-67A7CA0B39A0}"/>
+              </a:ext>
+            </a:extLst>
+          </p:cNvPr>
+          <p:cNvSpPr/>
+          <p:nvPr/>
+        </p:nvSpPr>
+        <p:spPr>
+          <a:xfrm>
+            <a:off x="7860609" y="2541776"/>
+            <a:ext cx="1217090" cy="363838"/>
+          </a:xfrm>
+          <a:prstGeom prst="roundRect">
+            <a:avLst>
+              <a:gd name="adj" fmla="val 15232"/>
+            </a:avLst>
+          </a:prstGeom>
+          <a:ln w="19050"/>
+        </p:spPr>
+        <p:style>
+          <a:lnRef idx="2">
+            <a:schemeClr val="dk1"/>
+          </a:lnRef>
+          <a:fillRef idx="1">
+            <a:schemeClr val="lt1"/>
+          </a:fillRef>
+          <a:effectRef idx="0">
+            <a:schemeClr val="dk1"/>
+          </a:effectRef>
+          <a:fontRef idx="minor">
+            <a:schemeClr val="dk1"/>
+          </a:fontRef>
+        </p:style>
+        <p:txBody>
+          <a:bodyPr rtlCol="0" anchor="ctr"/>
+          <a:lstStyle/>
+          <a:p>
+            <a:pPr algn="ctr"/>
+            <a:r>
+              <a:rPr lang="en-US" altLang="ko-KR" sz="1100" b="1"/>
+              <a:t>Github</a:t>
+            </a:r>
+          </a:p>
+        </p:txBody>
+      </p:sp>
+      <p:sp>
+        <p:nvSpPr>
+          <p:cNvPr id="66" name="사각형: 둥근 모서리 65">
+            <a:extLst>
+              <a:ext uri="{FF2B5EF4-FFF2-40B4-BE49-F238E27FC236}">
+                <a16:creationId xmlns:a16="http://schemas.microsoft.com/office/drawing/2014/main" id="{F26B7428-78D3-4560-819D-1A21B521AB17}"/>
+              </a:ext>
+            </a:extLst>
+          </p:cNvPr>
+          <p:cNvSpPr/>
+          <p:nvPr/>
+        </p:nvSpPr>
+        <p:spPr>
+          <a:xfrm>
+            <a:off x="2601082" y="1126092"/>
+            <a:ext cx="5133774" cy="568021"/>
+          </a:xfrm>
+          <a:prstGeom prst="roundRect">
+            <a:avLst>
+              <a:gd name="adj" fmla="val 12037"/>
+            </a:avLst>
+          </a:prstGeom>
+          <a:noFill/>
+          <a:ln w="12700">
+            <a:prstDash val="dash"/>
+          </a:ln>
+        </p:spPr>
+        <p:style>
+          <a:lnRef idx="2">
+            <a:schemeClr val="dk1"/>
+          </a:lnRef>
+          <a:fillRef idx="1">
+            <a:schemeClr val="lt1"/>
+          </a:fillRef>
+          <a:effectRef idx="0">
+            <a:schemeClr val="dk1"/>
+          </a:effectRef>
+          <a:fontRef idx="minor">
+            <a:schemeClr val="dk1"/>
+          </a:fontRef>
+        </p:style>
+        <p:txBody>
+          <a:bodyPr rtlCol="0" anchor="ctr"/>
+          <a:lstStyle/>
+          <a:p>
+            <a:r>
+              <a:rPr lang="en-US" altLang="ko-KR" sz="1100" b="1"/>
+              <a:t>Services</a:t>
+            </a:r>
+          </a:p>
+        </p:txBody>
+      </p:sp>
+      <p:sp>
+        <p:nvSpPr>
+          <p:cNvPr id="67" name="사각형: 둥근 모서리 66">
+            <a:extLst>
+              <a:ext uri="{FF2B5EF4-FFF2-40B4-BE49-F238E27FC236}">
+                <a16:creationId xmlns:a16="http://schemas.microsoft.com/office/drawing/2014/main" id="{23C4E96A-7668-4F5F-AEB7-81E66E4D1208}"/>
+              </a:ext>
+            </a:extLst>
+          </p:cNvPr>
+          <p:cNvSpPr/>
+          <p:nvPr/>
+        </p:nvSpPr>
+        <p:spPr>
+          <a:xfrm>
+            <a:off x="3932254" y="1228183"/>
+            <a:ext cx="504056" cy="363838"/>
+          </a:xfrm>
+          <a:prstGeom prst="roundRect">
+            <a:avLst>
+              <a:gd name="adj" fmla="val 15232"/>
+            </a:avLst>
+          </a:prstGeom>
+          <a:ln w="19050"/>
+        </p:spPr>
+        <p:style>
+          <a:lnRef idx="2">
+            <a:schemeClr val="dk1"/>
+          </a:lnRef>
+          <a:fillRef idx="1">
+            <a:schemeClr val="lt1"/>
+          </a:fillRef>
+          <a:effectRef idx="0">
+            <a:schemeClr val="dk1"/>
+          </a:effectRef>
+          <a:fontRef idx="minor">
+            <a:schemeClr val="dk1"/>
+          </a:fontRef>
+        </p:style>
+        <p:txBody>
+          <a:bodyPr rtlCol="0" anchor="ctr"/>
+          <a:lstStyle/>
+          <a:p>
+            <a:pPr algn="ctr"/>
+            <a:r>
+              <a:rPr lang="en-US" altLang="ko-KR" sz="1000"/>
+              <a:t>Web</a:t>
+            </a:r>
+          </a:p>
+        </p:txBody>
+      </p:sp>
+      <p:sp>
+        <p:nvSpPr>
+          <p:cNvPr id="68" name="사각형: 둥근 모서리 67">
+            <a:extLst>
+              <a:ext uri="{FF2B5EF4-FFF2-40B4-BE49-F238E27FC236}">
+                <a16:creationId xmlns:a16="http://schemas.microsoft.com/office/drawing/2014/main" id="{B6149686-F921-46D3-8BFA-292F3EE1F948}"/>
+              </a:ext>
+            </a:extLst>
+          </p:cNvPr>
+          <p:cNvSpPr/>
+          <p:nvPr/>
+        </p:nvSpPr>
+        <p:spPr>
+          <a:xfrm>
+            <a:off x="4549275" y="1228183"/>
+            <a:ext cx="504056" cy="363838"/>
+          </a:xfrm>
+          <a:prstGeom prst="roundRect">
+            <a:avLst>
+              <a:gd name="adj" fmla="val 15232"/>
+            </a:avLst>
+          </a:prstGeom>
+          <a:ln w="19050"/>
+        </p:spPr>
+        <p:style>
+          <a:lnRef idx="2">
+            <a:schemeClr val="dk1"/>
+          </a:lnRef>
+          <a:fillRef idx="1">
+            <a:schemeClr val="lt1"/>
+          </a:fillRef>
+          <a:effectRef idx="0">
+            <a:schemeClr val="dk1"/>
+          </a:effectRef>
+          <a:fontRef idx="minor">
+            <a:schemeClr val="dk1"/>
+          </a:fontRef>
+        </p:style>
+        <p:txBody>
+          <a:bodyPr rtlCol="0" anchor="ctr"/>
+          <a:lstStyle/>
+          <a:p>
+            <a:pPr algn="ctr"/>
+            <a:r>
+              <a:rPr lang="en-US" altLang="ko-KR" sz="1000"/>
+              <a:t>Auth</a:t>
+            </a:r>
+          </a:p>
+        </p:txBody>
+      </p:sp>
+      <p:sp>
+        <p:nvSpPr>
+          <p:cNvPr id="69" name="사각형: 둥근 모서리 68">
+            <a:extLst>
+              <a:ext uri="{FF2B5EF4-FFF2-40B4-BE49-F238E27FC236}">
+                <a16:creationId xmlns:a16="http://schemas.microsoft.com/office/drawing/2014/main" id="{584E4FF2-9A4B-4E74-8EC8-D7F52DE2181F}"/>
+              </a:ext>
+            </a:extLst>
+          </p:cNvPr>
+          <p:cNvSpPr/>
+          <p:nvPr/>
+        </p:nvSpPr>
+        <p:spPr>
+          <a:xfrm>
+            <a:off x="5171796" y="1228183"/>
+            <a:ext cx="589914" cy="363838"/>
+          </a:xfrm>
+          <a:prstGeom prst="roundRect">
+            <a:avLst>
+              <a:gd name="adj" fmla="val 15232"/>
+            </a:avLst>
+          </a:prstGeom>
+          <a:ln w="19050"/>
+        </p:spPr>
+        <p:style>
+          <a:lnRef idx="2">
+            <a:schemeClr val="dk1"/>
+          </a:lnRef>
+          <a:fillRef idx="1">
+            <a:schemeClr val="lt1"/>
+          </a:fillRef>
+          <a:effectRef idx="0">
+            <a:schemeClr val="dk1"/>
+          </a:effectRef>
+          <a:fontRef idx="minor">
+            <a:schemeClr val="dk1"/>
+          </a:fontRef>
+        </p:style>
+        <p:txBody>
+          <a:bodyPr rtlCol="0" anchor="ctr"/>
+          <a:lstStyle/>
+          <a:p>
+            <a:pPr algn="ctr"/>
+            <a:r>
+              <a:rPr lang="en-US" altLang="ko-KR" sz="1000"/>
+              <a:t>Store</a:t>
+            </a:r>
+          </a:p>
+        </p:txBody>
+      </p:sp>
+      <p:sp>
+        <p:nvSpPr>
+          <p:cNvPr id="70" name="사각형: 둥근 모서리 69">
+            <a:extLst>
+              <a:ext uri="{FF2B5EF4-FFF2-40B4-BE49-F238E27FC236}">
+                <a16:creationId xmlns:a16="http://schemas.microsoft.com/office/drawing/2014/main" id="{43C9362A-DF78-4074-AA72-A32D59D5E080}"/>
+              </a:ext>
+            </a:extLst>
+          </p:cNvPr>
+          <p:cNvSpPr/>
+          <p:nvPr/>
+        </p:nvSpPr>
+        <p:spPr>
+          <a:xfrm>
+            <a:off x="5880175" y="1228183"/>
+            <a:ext cx="589914" cy="363838"/>
+          </a:xfrm>
+          <a:prstGeom prst="roundRect">
+            <a:avLst>
+              <a:gd name="adj" fmla="val 15232"/>
+            </a:avLst>
+          </a:prstGeom>
+          <a:ln w="19050"/>
+        </p:spPr>
+        <p:style>
+          <a:lnRef idx="2">
+            <a:schemeClr val="dk1"/>
+          </a:lnRef>
+          <a:fillRef idx="1">
+            <a:schemeClr val="lt1"/>
+          </a:fillRef>
+          <a:effectRef idx="0">
+            <a:schemeClr val="dk1"/>
+          </a:effectRef>
+          <a:fontRef idx="minor">
+            <a:schemeClr val="dk1"/>
+          </a:fontRef>
+        </p:style>
+        <p:txBody>
+          <a:bodyPr rtlCol="0" anchor="ctr"/>
+          <a:lstStyle/>
+          <a:p>
+            <a:pPr algn="ctr"/>
+            <a:r>
+              <a:rPr lang="en-US" altLang="ko-KR" sz="1000"/>
+              <a:t>Order</a:t>
+            </a:r>
+          </a:p>
+        </p:txBody>
+      </p:sp>
+      <p:sp>
+        <p:nvSpPr>
+          <p:cNvPr id="71" name="사각형: 둥근 모서리 70">
+            <a:extLst>
+              <a:ext uri="{FF2B5EF4-FFF2-40B4-BE49-F238E27FC236}">
+                <a16:creationId xmlns:a16="http://schemas.microsoft.com/office/drawing/2014/main" id="{4778FB68-88F8-4A89-90D7-4B8C52C2965E}"/>
+              </a:ext>
+            </a:extLst>
+          </p:cNvPr>
+          <p:cNvSpPr/>
+          <p:nvPr/>
+        </p:nvSpPr>
+        <p:spPr>
+          <a:xfrm>
+            <a:off x="6588554" y="1228183"/>
+            <a:ext cx="800084" cy="363838"/>
+          </a:xfrm>
+          <a:prstGeom prst="roundRect">
+            <a:avLst>
+              <a:gd name="adj" fmla="val 15232"/>
+            </a:avLst>
+          </a:prstGeom>
+          <a:ln w="19050"/>
+        </p:spPr>
+        <p:style>
+          <a:lnRef idx="2">
+            <a:schemeClr val="dk1"/>
+          </a:lnRef>
+          <a:fillRef idx="1">
+            <a:schemeClr val="lt1"/>
+          </a:fillRef>
+          <a:effectRef idx="0">
+            <a:schemeClr val="dk1"/>
+          </a:effectRef>
+          <a:fontRef idx="minor">
+            <a:schemeClr val="dk1"/>
+          </a:fontRef>
+        </p:style>
+        <p:txBody>
+          <a:bodyPr rtlCol="0" anchor="ctr"/>
+          <a:lstStyle/>
+          <a:p>
+            <a:pPr algn="ctr"/>
+            <a:r>
+              <a:rPr lang="en-US" altLang="ko-KR" sz="1000"/>
+              <a:t>Payment</a:t>
+            </a:r>
+          </a:p>
+        </p:txBody>
+      </p:sp>
+      <p:sp>
+        <p:nvSpPr>
+          <p:cNvPr id="74" name="사각형: 둥근 모서리 73">
+            <a:extLst>
+              <a:ext uri="{FF2B5EF4-FFF2-40B4-BE49-F238E27FC236}">
+                <a16:creationId xmlns:a16="http://schemas.microsoft.com/office/drawing/2014/main" id="{EA919948-B87C-49E2-AE16-098BC8F3D191}"/>
+              </a:ext>
+            </a:extLst>
+          </p:cNvPr>
+          <p:cNvSpPr/>
+          <p:nvPr/>
+        </p:nvSpPr>
+        <p:spPr>
+          <a:xfrm>
+            <a:off x="5202192" y="2745192"/>
+            <a:ext cx="722097" cy="363838"/>
+          </a:xfrm>
+          <a:prstGeom prst="roundRect">
+            <a:avLst>
+              <a:gd name="adj" fmla="val 15232"/>
+            </a:avLst>
+          </a:prstGeom>
+          <a:ln w="19050"/>
+        </p:spPr>
+        <p:style>
+          <a:lnRef idx="2">
+            <a:schemeClr val="dk1"/>
+          </a:lnRef>
+          <a:fillRef idx="1">
+            <a:schemeClr val="lt1"/>
+          </a:fillRef>
+          <a:effectRef idx="0">
+            <a:schemeClr val="dk1"/>
+          </a:effectRef>
+          <a:fontRef idx="minor">
+            <a:schemeClr val="dk1"/>
+          </a:fontRef>
+        </p:style>
+        <p:txBody>
+          <a:bodyPr rtlCol="0" anchor="ctr"/>
+          <a:lstStyle/>
+          <a:p>
+            <a:pPr algn="ctr"/>
+            <a:r>
+              <a:rPr lang="en-US" altLang="ko-KR" sz="1000"/>
+              <a:t>Redis</a:t>
+            </a:r>
+          </a:p>
+        </p:txBody>
+      </p:sp>
+      <p:sp>
+        <p:nvSpPr>
+          <p:cNvPr id="75" name="사각형: 둥근 모서리 74">
+            <a:extLst>
+              <a:ext uri="{FF2B5EF4-FFF2-40B4-BE49-F238E27FC236}">
+                <a16:creationId xmlns:a16="http://schemas.microsoft.com/office/drawing/2014/main" id="{42AD184E-4D6C-402F-8F70-398F03E52A28}"/>
+              </a:ext>
+            </a:extLst>
+          </p:cNvPr>
+          <p:cNvSpPr/>
+          <p:nvPr/>
+        </p:nvSpPr>
+        <p:spPr>
+          <a:xfrm>
+            <a:off x="72651" y="2212001"/>
+            <a:ext cx="1096920" cy="1754692"/>
+          </a:xfrm>
+          <a:prstGeom prst="roundRect">
+            <a:avLst>
+              <a:gd name="adj" fmla="val 5707"/>
+            </a:avLst>
+          </a:prstGeom>
+          <a:noFill/>
+          <a:ln w="12700">
+            <a:prstDash val="dash"/>
+          </a:ln>
+        </p:spPr>
+        <p:style>
+          <a:lnRef idx="2">
+            <a:schemeClr val="dk1"/>
+          </a:lnRef>
+          <a:fillRef idx="1">
+            <a:schemeClr val="lt1"/>
+          </a:fillRef>
+          <a:effectRef idx="0">
+            <a:schemeClr val="dk1"/>
+          </a:effectRef>
+          <a:fontRef idx="minor">
+            <a:schemeClr val="dk1"/>
+          </a:fontRef>
+        </p:style>
+        <p:txBody>
+          <a:bodyPr rtlCol="0" anchor="t"/>
+          <a:lstStyle/>
+          <a:p>
+            <a:pPr algn="ctr"/>
+            <a:r>
+              <a:rPr lang="en-US" altLang="ko-KR" sz="1100" b="1"/>
+              <a:t>Metric</a:t>
+            </a:r>
+          </a:p>
+        </p:txBody>
+      </p:sp>
+      <p:sp>
+        <p:nvSpPr>
+          <p:cNvPr id="76" name="사각형: 둥근 모서리 75">
+            <a:extLst>
+              <a:ext uri="{FF2B5EF4-FFF2-40B4-BE49-F238E27FC236}">
+                <a16:creationId xmlns:a16="http://schemas.microsoft.com/office/drawing/2014/main" id="{C288B123-B73D-4003-A0AA-FDB731C687D3}"/>
+              </a:ext>
+            </a:extLst>
+          </p:cNvPr>
+          <p:cNvSpPr/>
+          <p:nvPr/>
+        </p:nvSpPr>
+        <p:spPr>
+          <a:xfrm>
+            <a:off x="1313169" y="2212001"/>
+            <a:ext cx="1143504" cy="1754692"/>
+          </a:xfrm>
+          <a:prstGeom prst="roundRect">
+            <a:avLst>
+              <a:gd name="adj" fmla="val 5707"/>
+            </a:avLst>
+          </a:prstGeom>
+          <a:noFill/>
+          <a:ln w="12700">
+            <a:prstDash val="dash"/>
+          </a:ln>
+        </p:spPr>
+        <p:style>
+          <a:lnRef idx="2">
+            <a:schemeClr val="dk1"/>
+          </a:lnRef>
+          <a:fillRef idx="1">
+            <a:schemeClr val="lt1"/>
+          </a:fillRef>
+          <a:effectRef idx="0">
+            <a:schemeClr val="dk1"/>
+          </a:effectRef>
+          <a:fontRef idx="minor">
+            <a:schemeClr val="dk1"/>
+          </a:fontRef>
+        </p:style>
+        <p:txBody>
+          <a:bodyPr rtlCol="0" anchor="t"/>
+          <a:lstStyle/>
+          <a:p>
+            <a:pPr algn="ctr"/>
+            <a:r>
+              <a:rPr lang="en-US" altLang="ko-KR" sz="1100" b="1"/>
+              <a:t>Log</a:t>
+            </a:r>
+          </a:p>
+        </p:txBody>
+      </p:sp>
+      <p:sp>
+        <p:nvSpPr>
+          <p:cNvPr id="77" name="사각형: 둥근 모서리 76">
+            <a:extLst>
+              <a:ext uri="{FF2B5EF4-FFF2-40B4-BE49-F238E27FC236}">
+                <a16:creationId xmlns:a16="http://schemas.microsoft.com/office/drawing/2014/main" id="{AAB33B38-C090-417D-AE88-523EAEE7EBB1}"/>
+              </a:ext>
+            </a:extLst>
+          </p:cNvPr>
+          <p:cNvSpPr/>
+          <p:nvPr/>
+        </p:nvSpPr>
+        <p:spPr>
+          <a:xfrm>
+            <a:off x="5316204" y="1887264"/>
+            <a:ext cx="2418651" cy="568021"/>
+          </a:xfrm>
+          <a:prstGeom prst="roundRect">
+            <a:avLst>
+              <a:gd name="adj" fmla="val 12037"/>
+            </a:avLst>
+          </a:prstGeom>
+          <a:noFill/>
+          <a:ln w="12700">
+            <a:prstDash val="dash"/>
+          </a:ln>
+        </p:spPr>
+        <p:style>
+          <a:lnRef idx="2">
+            <a:schemeClr val="dk1"/>
+          </a:lnRef>
+          <a:fillRef idx="1">
+            <a:schemeClr val="lt1"/>
+          </a:fillRef>
+          <a:effectRef idx="0">
+            <a:schemeClr val="dk1"/>
+          </a:effectRef>
+          <a:fontRef idx="minor">
+            <a:schemeClr val="dk1"/>
+          </a:fontRef>
+        </p:style>
+        <p:txBody>
+          <a:bodyPr rtlCol="0" anchor="ctr"/>
+          <a:lstStyle/>
+          <a:p>
+            <a:r>
+              <a:rPr lang="en-US" altLang="ko-KR" sz="1100" b="1"/>
+              <a:t>CD</a:t>
+            </a:r>
+          </a:p>
+        </p:txBody>
+      </p:sp>
+      <p:sp>
+        <p:nvSpPr>
+          <p:cNvPr id="78" name="사각형: 둥근 모서리 77">
+            <a:extLst>
+              <a:ext uri="{FF2B5EF4-FFF2-40B4-BE49-F238E27FC236}">
+                <a16:creationId xmlns:a16="http://schemas.microsoft.com/office/drawing/2014/main" id="{98AB12F5-920B-48F3-92C7-66D37AFEED93}"/>
+              </a:ext>
+            </a:extLst>
+          </p:cNvPr>
+          <p:cNvSpPr/>
+          <p:nvPr/>
+        </p:nvSpPr>
+        <p:spPr>
+          <a:xfrm>
+            <a:off x="5671037" y="1989355"/>
+            <a:ext cx="688392" cy="363838"/>
+          </a:xfrm>
+          <a:prstGeom prst="roundRect">
+            <a:avLst>
+              <a:gd name="adj" fmla="val 15232"/>
+            </a:avLst>
+          </a:prstGeom>
+          <a:ln w="19050"/>
+        </p:spPr>
+        <p:style>
+          <a:lnRef idx="2">
+            <a:schemeClr val="dk1"/>
+          </a:lnRef>
+          <a:fillRef idx="1">
+            <a:schemeClr val="lt1"/>
+          </a:fillRef>
+          <a:effectRef idx="0">
+            <a:schemeClr val="dk1"/>
+          </a:effectRef>
+          <a:fontRef idx="minor">
+            <a:schemeClr val="dk1"/>
+          </a:fontRef>
+        </p:style>
+        <p:txBody>
+          <a:bodyPr rtlCol="0" anchor="ctr"/>
+          <a:lstStyle/>
+          <a:p>
+            <a:pPr algn="ctr"/>
+            <a:r>
+              <a:rPr lang="en-US" altLang="ko-KR" sz="1000"/>
+              <a:t>ArgoCD</a:t>
+            </a:r>
+          </a:p>
+        </p:txBody>
+      </p:sp>
+      <p:sp>
+        <p:nvSpPr>
+          <p:cNvPr id="79" name="사각형: 둥근 모서리 78">
+            <a:extLst>
+              <a:ext uri="{FF2B5EF4-FFF2-40B4-BE49-F238E27FC236}">
+                <a16:creationId xmlns:a16="http://schemas.microsoft.com/office/drawing/2014/main" id="{F47455CF-4265-4F81-853B-6651CB1C88BE}"/>
+              </a:ext>
+            </a:extLst>
+          </p:cNvPr>
+          <p:cNvSpPr/>
+          <p:nvPr/>
+        </p:nvSpPr>
+        <p:spPr>
+          <a:xfrm>
+            <a:off x="6470089" y="1989355"/>
+            <a:ext cx="1142408" cy="363838"/>
+          </a:xfrm>
+          <a:prstGeom prst="roundRect">
+            <a:avLst>
+              <a:gd name="adj" fmla="val 15232"/>
+            </a:avLst>
+          </a:prstGeom>
+          <a:ln w="19050"/>
+        </p:spPr>
+        <p:style>
+          <a:lnRef idx="2">
+            <a:schemeClr val="dk1"/>
+          </a:lnRef>
+          <a:fillRef idx="1">
+            <a:schemeClr val="lt1"/>
+          </a:fillRef>
+          <a:effectRef idx="0">
+            <a:schemeClr val="dk1"/>
+          </a:effectRef>
+          <a:fontRef idx="minor">
+            <a:schemeClr val="dk1"/>
+          </a:fontRef>
+        </p:style>
+        <p:txBody>
+          <a:bodyPr rtlCol="0" anchor="ctr"/>
+          <a:lstStyle/>
+          <a:p>
+            <a:pPr algn="ctr"/>
+            <a:r>
+              <a:rPr lang="en-US" altLang="ko-KR" sz="1000"/>
+              <a:t>ArgoCD Image Updater</a:t>
+            </a:r>
+          </a:p>
+        </p:txBody>
+      </p:sp>
+      <p:sp>
+        <p:nvSpPr>
+          <p:cNvPr id="80" name="사각형: 둥근 모서리 79">
+            <a:extLst>
+              <a:ext uri="{FF2B5EF4-FFF2-40B4-BE49-F238E27FC236}">
+                <a16:creationId xmlns:a16="http://schemas.microsoft.com/office/drawing/2014/main" id="{AE498B0E-66CA-4857-AB09-451A00179BE7}"/>
+              </a:ext>
+            </a:extLst>
+          </p:cNvPr>
+          <p:cNvSpPr/>
+          <p:nvPr/>
+        </p:nvSpPr>
+        <p:spPr>
+          <a:xfrm>
+            <a:off x="7991864" y="1989355"/>
+            <a:ext cx="944174" cy="363838"/>
+          </a:xfrm>
+          <a:prstGeom prst="roundRect">
+            <a:avLst>
+              <a:gd name="adj" fmla="val 15232"/>
+            </a:avLst>
+          </a:prstGeom>
+          <a:ln w="19050"/>
+        </p:spPr>
+        <p:style>
+          <a:lnRef idx="2">
+            <a:schemeClr val="dk1"/>
+          </a:lnRef>
+          <a:fillRef idx="1">
+            <a:schemeClr val="lt1"/>
+          </a:fillRef>
+          <a:effectRef idx="0">
+            <a:schemeClr val="dk1"/>
+          </a:effectRef>
+          <a:fontRef idx="minor">
+            <a:schemeClr val="dk1"/>
+          </a:fontRef>
+        </p:style>
+        <p:txBody>
+          <a:bodyPr rtlCol="0" anchor="ctr"/>
+          <a:lstStyle/>
+          <a:p>
+            <a:pPr algn="ctr"/>
+            <a:r>
+              <a:rPr lang="en-US" altLang="ko-KR" sz="1000"/>
+              <a:t>Github </a:t>
+            </a:r>
+          </a:p>
+          <a:p>
+            <a:pPr algn="ctr"/>
+            <a:r>
+              <a:rPr lang="en-US" altLang="ko-KR" sz="1000"/>
+              <a:t>Action</a:t>
+            </a:r>
+          </a:p>
+        </p:txBody>
+      </p:sp>
+      <p:sp>
+        <p:nvSpPr>
+          <p:cNvPr id="81" name="사각형: 둥근 모서리 80">
+            <a:extLst>
+              <a:ext uri="{FF2B5EF4-FFF2-40B4-BE49-F238E27FC236}">
+                <a16:creationId xmlns:a16="http://schemas.microsoft.com/office/drawing/2014/main" id="{0DD3926B-CC5E-4954-8EB6-E97E130B96C6}"/>
+              </a:ext>
+            </a:extLst>
+          </p:cNvPr>
+          <p:cNvSpPr/>
+          <p:nvPr/>
+        </p:nvSpPr>
+        <p:spPr>
+          <a:xfrm>
+            <a:off x="7860609" y="1690889"/>
+            <a:ext cx="1206684" cy="761172"/>
+          </a:xfrm>
+          <a:prstGeom prst="roundRect">
+            <a:avLst>
+              <a:gd name="adj" fmla="val 12037"/>
+            </a:avLst>
+          </a:prstGeom>
+          <a:noFill/>
+          <a:ln w="12700">
+            <a:prstDash val="dash"/>
+          </a:ln>
+        </p:spPr>
+        <p:style>
+          <a:lnRef idx="2">
+            <a:schemeClr val="dk1"/>
+          </a:lnRef>
+          <a:fillRef idx="1">
+            <a:schemeClr val="lt1"/>
+          </a:fillRef>
+          <a:effectRef idx="0">
+            <a:schemeClr val="dk1"/>
+          </a:effectRef>
+          <a:fontRef idx="minor">
+            <a:schemeClr val="dk1"/>
+          </a:fontRef>
+        </p:style>
+        <p:txBody>
+          <a:bodyPr rtlCol="0" anchor="t"/>
+          <a:lstStyle/>
+          <a:p>
+            <a:pPr algn="ctr"/>
+            <a:r>
+              <a:rPr lang="en-US" altLang="ko-KR" sz="1100" b="1"/>
+              <a:t>CI</a:t>
+            </a:r>
+          </a:p>
+        </p:txBody>
+      </p:sp>
+    </p:spTree>
+    <p:extLst>
+      <p:ext uri="{BB962C8B-B14F-4D97-AF65-F5344CB8AC3E}">
+        <p14:creationId xmlns:p14="http://schemas.microsoft.com/office/powerpoint/2010/main" val="1105712950"/>
+      </p:ext>
+    </p:extLst>
+  </p:cSld>
+  <p:clrMapOvr>
+    <a:masterClrMapping/>
+  </p:clrMapOvr>
+</p:sld>
+</file>
+
+<file path=ppt/slides/slide4.xml><?xml version="1.0" encoding="utf-8"?>
+<p:sld xmlns:a="http://schemas.openxmlformats.org/drawingml/2006/main" xmlns:r="http://schemas.openxmlformats.org/officeDocument/2006/relationships" xmlns:p="http://schemas.openxmlformats.org/presentationml/2006/main">
+  <p:cSld>
+    <p:spTree>
+      <p:nvGrpSpPr>
+        <p:cNvPr id="1" name=""/>
+        <p:cNvGrpSpPr/>
+        <p:nvPr/>
+      </p:nvGrpSpPr>
+      <p:grpSpPr>
+        <a:xfrm>
+          <a:off x="0" y="0"/>
+          <a:ext cx="0" cy="0"/>
+          <a:chOff x="0" y="0"/>
+          <a:chExt cx="0" cy="0"/>
+        </a:xfrm>
+      </p:grpSpPr>
+      <p:sp>
+        <p:nvSpPr>
+          <p:cNvPr id="2" name="제목 1"/>
+          <p:cNvSpPr>
+            <a:spLocks noGrp="1"/>
+          </p:cNvSpPr>
+          <p:nvPr>
+            <p:ph type="title"/>
+          </p:nvPr>
+        </p:nvSpPr>
+        <p:spPr>
+          <a:xfrm>
+            <a:off x="457200" y="-20538"/>
+            <a:ext cx="8229600" cy="720080"/>
+          </a:xfrm>
+        </p:spPr>
+        <p:txBody>
+          <a:bodyPr>
+            <a:normAutofit/>
+          </a:bodyPr>
+          <a:lstStyle/>
+          <a:p>
+            <a:r>
+              <a:rPr lang="en-US" altLang="ko-KR" sz="3600"/>
+              <a:t>msa-event-market component stack</a:t>
+            </a:r>
+            <a:endParaRPr lang="ko-KR" altLang="en-US" sz="3600" dirty="0"/>
+          </a:p>
+        </p:txBody>
+      </p:sp>
+      <p:sp>
+        <p:nvSpPr>
+          <p:cNvPr id="41" name="사각형: 둥근 모서리 40">
+            <a:extLst>
+              <a:ext uri="{FF2B5EF4-FFF2-40B4-BE49-F238E27FC236}">
+                <a16:creationId xmlns:a16="http://schemas.microsoft.com/office/drawing/2014/main" id="{13D2E8C9-7C43-4F02-B53E-F6C900D502CA}"/>
+              </a:ext>
+            </a:extLst>
+          </p:cNvPr>
+          <p:cNvSpPr/>
+          <p:nvPr/>
+        </p:nvSpPr>
+        <p:spPr>
+          <a:xfrm>
+            <a:off x="49132" y="4083918"/>
+            <a:ext cx="7685724" cy="363838"/>
+          </a:xfrm>
+          <a:prstGeom prst="roundRect">
+            <a:avLst>
+              <a:gd name="adj" fmla="val 15232"/>
+            </a:avLst>
+          </a:prstGeom>
+          <a:ln w="19050"/>
+        </p:spPr>
+        <p:style>
+          <a:lnRef idx="2">
+            <a:schemeClr val="dk1"/>
+          </a:lnRef>
+          <a:fillRef idx="1">
+            <a:schemeClr val="lt1"/>
+          </a:fillRef>
+          <a:effectRef idx="0">
+            <a:schemeClr val="dk1"/>
+          </a:effectRef>
+          <a:fontRef idx="minor">
+            <a:schemeClr val="dk1"/>
+          </a:fontRef>
+        </p:style>
+        <p:txBody>
+          <a:bodyPr rtlCol="0" anchor="ctr"/>
+          <a:lstStyle/>
+          <a:p>
+            <a:pPr algn="ctr"/>
+            <a:r>
+              <a:rPr lang="en-US" altLang="ko-KR" sz="1100" b="1"/>
               <a:t>EKS Cluster</a:t>
             </a:r>
           </a:p>
@@ -6974,7 +8710,7 @@
 </p:sld>
 </file>
 
-<file path=ppt/slides/slide4.xml><?xml version="1.0" encoding="utf-8"?>
+<file path=ppt/slides/slide5.xml><?xml version="1.0" encoding="utf-8"?>
 <p:sld xmlns:a="http://schemas.openxmlformats.org/drawingml/2006/main" xmlns:r="http://schemas.openxmlformats.org/officeDocument/2006/relationships" xmlns:p="http://schemas.openxmlformats.org/presentationml/2006/main">
   <p:cSld>
     <p:spTree>

--- a/images/msa-event-market.pptx
+++ b/images/msa-event-market.pptx
@@ -5,14 +5,15 @@
     <p:sldMasterId id="2147483648" r:id="rId1"/>
   </p:sldMasterIdLst>
   <p:notesMasterIdLst>
-    <p:notesMasterId r:id="rId7"/>
+    <p:notesMasterId r:id="rId8"/>
   </p:notesMasterIdLst>
   <p:sldIdLst>
-    <p:sldId id="449" r:id="rId2"/>
+    <p:sldId id="450" r:id="rId2"/>
     <p:sldId id="447" r:id="rId3"/>
-    <p:sldId id="445" r:id="rId4"/>
-    <p:sldId id="448" r:id="rId5"/>
-    <p:sldId id="446" r:id="rId6"/>
+    <p:sldId id="449" r:id="rId4"/>
+    <p:sldId id="445" r:id="rId5"/>
+    <p:sldId id="448" r:id="rId6"/>
+    <p:sldId id="446" r:id="rId7"/>
   </p:sldIdLst>
   <p:sldSz cx="9144000" cy="5143500" type="screen16x9"/>
   <p:notesSz cx="6858000" cy="9144000"/>
@@ -217,7 +218,7 @@
           <a:p>
             <a:fld id="{6CD5550B-26C4-49A9-A5BA-636EF7BE6CE9}" type="datetimeFigureOut">
               <a:rPr lang="ko-KR" altLang="en-US" smtClean="0"/>
-              <a:t>2024. 3. 3.</a:t>
+              <a:t>2024. 7. 10.</a:t>
             </a:fld>
             <a:endParaRPr lang="ko-KR" altLang="en-US"/>
           </a:p>
@@ -663,7 +664,7 @@
           <a:p>
             <a:fld id="{FB30EDBD-1C2D-4C1E-B459-B60219FAB484}" type="datetimeFigureOut">
               <a:rPr lang="ko-KR" altLang="en-US" smtClean="0"/>
-              <a:t>2024. 3. 3.</a:t>
+              <a:t>2024. 7. 10.</a:t>
             </a:fld>
             <a:endParaRPr lang="ko-KR" altLang="en-US"/>
           </a:p>
@@ -826,7 +827,7 @@
           <a:p>
             <a:fld id="{FB30EDBD-1C2D-4C1E-B459-B60219FAB484}" type="datetimeFigureOut">
               <a:rPr lang="ko-KR" altLang="en-US" smtClean="0"/>
-              <a:t>2024. 3. 3.</a:t>
+              <a:t>2024. 7. 10.</a:t>
             </a:fld>
             <a:endParaRPr lang="ko-KR" altLang="en-US"/>
           </a:p>
@@ -999,7 +1000,7 @@
           <a:p>
             <a:fld id="{FB30EDBD-1C2D-4C1E-B459-B60219FAB484}" type="datetimeFigureOut">
               <a:rPr lang="ko-KR" altLang="en-US" smtClean="0"/>
-              <a:t>2024. 3. 3.</a:t>
+              <a:t>2024. 7. 10.</a:t>
             </a:fld>
             <a:endParaRPr lang="ko-KR" altLang="en-US"/>
           </a:p>
@@ -1162,7 +1163,7 @@
           <a:p>
             <a:fld id="{FB30EDBD-1C2D-4C1E-B459-B60219FAB484}" type="datetimeFigureOut">
               <a:rPr lang="ko-KR" altLang="en-US" smtClean="0"/>
-              <a:t>2024. 3. 3.</a:t>
+              <a:t>2024. 7. 10.</a:t>
             </a:fld>
             <a:endParaRPr lang="ko-KR" altLang="en-US"/>
           </a:p>
@@ -1402,7 +1403,7 @@
           <a:p>
             <a:fld id="{FB30EDBD-1C2D-4C1E-B459-B60219FAB484}" type="datetimeFigureOut">
               <a:rPr lang="ko-KR" altLang="en-US" smtClean="0"/>
-              <a:t>2024. 3. 3.</a:t>
+              <a:t>2024. 7. 10.</a:t>
             </a:fld>
             <a:endParaRPr lang="ko-KR" altLang="en-US"/>
           </a:p>
@@ -1682,7 +1683,7 @@
           <a:p>
             <a:fld id="{FB30EDBD-1C2D-4C1E-B459-B60219FAB484}" type="datetimeFigureOut">
               <a:rPr lang="ko-KR" altLang="en-US" smtClean="0"/>
-              <a:t>2024. 3. 3.</a:t>
+              <a:t>2024. 7. 10.</a:t>
             </a:fld>
             <a:endParaRPr lang="ko-KR" altLang="en-US"/>
           </a:p>
@@ -2096,7 +2097,7 @@
           <a:p>
             <a:fld id="{FB30EDBD-1C2D-4C1E-B459-B60219FAB484}" type="datetimeFigureOut">
               <a:rPr lang="ko-KR" altLang="en-US" smtClean="0"/>
-              <a:t>2024. 3. 3.</a:t>
+              <a:t>2024. 7. 10.</a:t>
             </a:fld>
             <a:endParaRPr lang="ko-KR" altLang="en-US"/>
           </a:p>
@@ -2208,7 +2209,7 @@
           <a:p>
             <a:fld id="{FB30EDBD-1C2D-4C1E-B459-B60219FAB484}" type="datetimeFigureOut">
               <a:rPr lang="ko-KR" altLang="en-US" smtClean="0"/>
-              <a:t>2024. 3. 3.</a:t>
+              <a:t>2024. 7. 10.</a:t>
             </a:fld>
             <a:endParaRPr lang="ko-KR" altLang="en-US"/>
           </a:p>
@@ -2298,7 +2299,7 @@
           <a:p>
             <a:fld id="{FB30EDBD-1C2D-4C1E-B459-B60219FAB484}" type="datetimeFigureOut">
               <a:rPr lang="ko-KR" altLang="en-US" smtClean="0"/>
-              <a:t>2024. 3. 3.</a:t>
+              <a:t>2024. 7. 10.</a:t>
             </a:fld>
             <a:endParaRPr lang="ko-KR" altLang="en-US"/>
           </a:p>
@@ -2568,7 +2569,7 @@
           <a:p>
             <a:fld id="{FB30EDBD-1C2D-4C1E-B459-B60219FAB484}" type="datetimeFigureOut">
               <a:rPr lang="ko-KR" altLang="en-US" smtClean="0"/>
-              <a:t>2024. 3. 3.</a:t>
+              <a:t>2024. 7. 10.</a:t>
             </a:fld>
             <a:endParaRPr lang="ko-KR" altLang="en-US"/>
           </a:p>
@@ -2815,7 +2816,7 @@
           <a:p>
             <a:fld id="{FB30EDBD-1C2D-4C1E-B459-B60219FAB484}" type="datetimeFigureOut">
               <a:rPr lang="ko-KR" altLang="en-US" smtClean="0"/>
-              <a:t>2024. 3. 3.</a:t>
+              <a:t>2024. 7. 10.</a:t>
             </a:fld>
             <a:endParaRPr lang="ko-KR" altLang="en-US"/>
           </a:p>
@@ -3021,7 +3022,7 @@
           <a:p>
             <a:fld id="{FB30EDBD-1C2D-4C1E-B459-B60219FAB484}" type="datetimeFigureOut">
               <a:rPr lang="ko-KR" altLang="en-US" smtClean="0"/>
-              <a:t>2024. 3. 3.</a:t>
+              <a:t>2024. 7. 10.</a:t>
             </a:fld>
             <a:endParaRPr lang="ko-KR" altLang="en-US"/>
           </a:p>
@@ -3466,6 +3467,1788 @@
             <a:pPr algn="ctr"/>
             <a:r>
               <a:rPr lang="en-US" altLang="ko-KR" sz="1100" b="1"/>
+              <a:t>Kubernetes Cluster</a:t>
+            </a:r>
+          </a:p>
+        </p:txBody>
+      </p:sp>
+      <p:sp>
+        <p:nvSpPr>
+          <p:cNvPr id="42" name="사각형: 둥근 모서리 41">
+            <a:extLst>
+              <a:ext uri="{FF2B5EF4-FFF2-40B4-BE49-F238E27FC236}">
+                <a16:creationId xmlns:a16="http://schemas.microsoft.com/office/drawing/2014/main" id="{491A0EBE-EA4B-4C69-9FEB-647536A06075}"/>
+              </a:ext>
+            </a:extLst>
+          </p:cNvPr>
+          <p:cNvSpPr/>
+          <p:nvPr/>
+        </p:nvSpPr>
+        <p:spPr>
+          <a:xfrm>
+            <a:off x="7860609" y="3506364"/>
+            <a:ext cx="1217090" cy="363838"/>
+          </a:xfrm>
+          <a:prstGeom prst="roundRect">
+            <a:avLst>
+              <a:gd name="adj" fmla="val 15232"/>
+            </a:avLst>
+          </a:prstGeom>
+          <a:ln w="19050"/>
+        </p:spPr>
+        <p:style>
+          <a:lnRef idx="2">
+            <a:schemeClr val="dk1"/>
+          </a:lnRef>
+          <a:fillRef idx="1">
+            <a:schemeClr val="lt1"/>
+          </a:fillRef>
+          <a:effectRef idx="0">
+            <a:schemeClr val="dk1"/>
+          </a:effectRef>
+          <a:fontRef idx="minor">
+            <a:schemeClr val="dk1"/>
+          </a:fontRef>
+        </p:style>
+        <p:txBody>
+          <a:bodyPr rtlCol="0" anchor="ctr"/>
+          <a:lstStyle/>
+          <a:p>
+            <a:pPr algn="ctr"/>
+            <a:r>
+              <a:rPr lang="en-US" altLang="ko-KR" sz="1100" b="1"/>
+              <a:t>NFS Server</a:t>
+            </a:r>
+          </a:p>
+        </p:txBody>
+      </p:sp>
+      <p:sp>
+        <p:nvSpPr>
+          <p:cNvPr id="43" name="사각형: 둥근 모서리 42">
+            <a:extLst>
+              <a:ext uri="{FF2B5EF4-FFF2-40B4-BE49-F238E27FC236}">
+                <a16:creationId xmlns:a16="http://schemas.microsoft.com/office/drawing/2014/main" id="{CD00601A-DBDB-4E2C-B7DF-60E362B4D45B}"/>
+              </a:ext>
+            </a:extLst>
+          </p:cNvPr>
+          <p:cNvSpPr/>
+          <p:nvPr/>
+        </p:nvSpPr>
+        <p:spPr>
+          <a:xfrm>
+            <a:off x="3353401" y="2745193"/>
+            <a:ext cx="724628" cy="363838"/>
+          </a:xfrm>
+          <a:prstGeom prst="roundRect">
+            <a:avLst>
+              <a:gd name="adj" fmla="val 15232"/>
+            </a:avLst>
+          </a:prstGeom>
+          <a:ln w="19050"/>
+        </p:spPr>
+        <p:style>
+          <a:lnRef idx="2">
+            <a:schemeClr val="dk1"/>
+          </a:lnRef>
+          <a:fillRef idx="1">
+            <a:schemeClr val="lt1"/>
+          </a:fillRef>
+          <a:effectRef idx="0">
+            <a:schemeClr val="dk1"/>
+          </a:effectRef>
+          <a:fontRef idx="minor">
+            <a:schemeClr val="dk1"/>
+          </a:fontRef>
+        </p:style>
+        <p:txBody>
+          <a:bodyPr rtlCol="0" anchor="ctr"/>
+          <a:lstStyle/>
+          <a:p>
+            <a:pPr algn="ctr"/>
+            <a:r>
+              <a:rPr lang="en-US" altLang="ko-KR" sz="1000"/>
+              <a:t>MySQL</a:t>
+            </a:r>
+          </a:p>
+        </p:txBody>
+      </p:sp>
+      <p:sp>
+        <p:nvSpPr>
+          <p:cNvPr id="44" name="사각형: 둥근 모서리 43">
+            <a:extLst>
+              <a:ext uri="{FF2B5EF4-FFF2-40B4-BE49-F238E27FC236}">
+                <a16:creationId xmlns:a16="http://schemas.microsoft.com/office/drawing/2014/main" id="{7C76A323-75B4-4784-AADE-5469FD0EAF27}"/>
+              </a:ext>
+            </a:extLst>
+          </p:cNvPr>
+          <p:cNvSpPr/>
+          <p:nvPr/>
+        </p:nvSpPr>
+        <p:spPr>
+          <a:xfrm>
+            <a:off x="6611732" y="2740163"/>
+            <a:ext cx="724628" cy="363838"/>
+          </a:xfrm>
+          <a:prstGeom prst="roundRect">
+            <a:avLst>
+              <a:gd name="adj" fmla="val 15232"/>
+            </a:avLst>
+          </a:prstGeom>
+          <a:ln w="19050"/>
+        </p:spPr>
+        <p:style>
+          <a:lnRef idx="2">
+            <a:schemeClr val="dk1"/>
+          </a:lnRef>
+          <a:fillRef idx="1">
+            <a:schemeClr val="lt1"/>
+          </a:fillRef>
+          <a:effectRef idx="0">
+            <a:schemeClr val="dk1"/>
+          </a:effectRef>
+          <a:fontRef idx="minor">
+            <a:schemeClr val="dk1"/>
+          </a:fontRef>
+        </p:style>
+        <p:txBody>
+          <a:bodyPr rtlCol="0" anchor="ctr"/>
+          <a:lstStyle/>
+          <a:p>
+            <a:pPr algn="ctr"/>
+            <a:r>
+              <a:rPr lang="en-US" altLang="ko-KR" sz="1000"/>
+              <a:t>Kafka</a:t>
+            </a:r>
+          </a:p>
+        </p:txBody>
+      </p:sp>
+      <p:sp>
+        <p:nvSpPr>
+          <p:cNvPr id="47" name="사각형: 둥근 모서리 46">
+            <a:extLst>
+              <a:ext uri="{FF2B5EF4-FFF2-40B4-BE49-F238E27FC236}">
+                <a16:creationId xmlns:a16="http://schemas.microsoft.com/office/drawing/2014/main" id="{B602F9F6-8B75-4FEE-A862-BB74B983A354}"/>
+              </a:ext>
+            </a:extLst>
+          </p:cNvPr>
+          <p:cNvSpPr/>
+          <p:nvPr/>
+        </p:nvSpPr>
+        <p:spPr>
+          <a:xfrm>
+            <a:off x="4218956" y="2745192"/>
+            <a:ext cx="842310" cy="363838"/>
+          </a:xfrm>
+          <a:prstGeom prst="roundRect">
+            <a:avLst>
+              <a:gd name="adj" fmla="val 15232"/>
+            </a:avLst>
+          </a:prstGeom>
+          <a:ln w="19050"/>
+        </p:spPr>
+        <p:style>
+          <a:lnRef idx="2">
+            <a:schemeClr val="dk1"/>
+          </a:lnRef>
+          <a:fillRef idx="1">
+            <a:schemeClr val="lt1"/>
+          </a:fillRef>
+          <a:effectRef idx="0">
+            <a:schemeClr val="dk1"/>
+          </a:effectRef>
+          <a:fontRef idx="minor">
+            <a:schemeClr val="dk1"/>
+          </a:fontRef>
+        </p:style>
+        <p:txBody>
+          <a:bodyPr rtlCol="0" anchor="ctr"/>
+          <a:lstStyle/>
+          <a:p>
+            <a:pPr algn="ctr"/>
+            <a:r>
+              <a:rPr lang="en-US" altLang="ko-KR" sz="1000"/>
+              <a:t>MongoDB</a:t>
+            </a:r>
+          </a:p>
+        </p:txBody>
+      </p:sp>
+      <p:sp>
+        <p:nvSpPr>
+          <p:cNvPr id="48" name="사각형: 둥근 모서리 47">
+            <a:extLst>
+              <a:ext uri="{FF2B5EF4-FFF2-40B4-BE49-F238E27FC236}">
+                <a16:creationId xmlns:a16="http://schemas.microsoft.com/office/drawing/2014/main" id="{2B88E66C-675A-4F6D-B1FD-5E02B0D4A2C8}"/>
+              </a:ext>
+            </a:extLst>
+          </p:cNvPr>
+          <p:cNvSpPr/>
+          <p:nvPr/>
+        </p:nvSpPr>
+        <p:spPr>
+          <a:xfrm>
+            <a:off x="179973" y="3034387"/>
+            <a:ext cx="909903" cy="363838"/>
+          </a:xfrm>
+          <a:prstGeom prst="roundRect">
+            <a:avLst>
+              <a:gd name="adj" fmla="val 15232"/>
+            </a:avLst>
+          </a:prstGeom>
+          <a:ln w="19050"/>
+        </p:spPr>
+        <p:style>
+          <a:lnRef idx="2">
+            <a:schemeClr val="dk1"/>
+          </a:lnRef>
+          <a:fillRef idx="1">
+            <a:schemeClr val="lt1"/>
+          </a:fillRef>
+          <a:effectRef idx="0">
+            <a:schemeClr val="dk1"/>
+          </a:effectRef>
+          <a:fontRef idx="minor">
+            <a:schemeClr val="dk1"/>
+          </a:fontRef>
+        </p:style>
+        <p:txBody>
+          <a:bodyPr rtlCol="0" anchor="ctr"/>
+          <a:lstStyle/>
+          <a:p>
+            <a:pPr algn="ctr"/>
+            <a:r>
+              <a:rPr lang="en-US" altLang="ko-KR" sz="1000"/>
+              <a:t>Prometheus</a:t>
+            </a:r>
+          </a:p>
+        </p:txBody>
+      </p:sp>
+      <p:sp>
+        <p:nvSpPr>
+          <p:cNvPr id="49" name="사각형: 둥근 모서리 48">
+            <a:extLst>
+              <a:ext uri="{FF2B5EF4-FFF2-40B4-BE49-F238E27FC236}">
+                <a16:creationId xmlns:a16="http://schemas.microsoft.com/office/drawing/2014/main" id="{4DDD4E0C-DD1C-47ED-A923-5290174A4981}"/>
+              </a:ext>
+            </a:extLst>
+          </p:cNvPr>
+          <p:cNvSpPr/>
+          <p:nvPr/>
+        </p:nvSpPr>
+        <p:spPr>
+          <a:xfrm>
+            <a:off x="2833750" y="2643101"/>
+            <a:ext cx="3169764" cy="568021"/>
+          </a:xfrm>
+          <a:prstGeom prst="roundRect">
+            <a:avLst>
+              <a:gd name="adj" fmla="val 12037"/>
+            </a:avLst>
+          </a:prstGeom>
+          <a:noFill/>
+          <a:ln w="12700">
+            <a:prstDash val="dash"/>
+          </a:ln>
+        </p:spPr>
+        <p:style>
+          <a:lnRef idx="2">
+            <a:schemeClr val="dk1"/>
+          </a:lnRef>
+          <a:fillRef idx="1">
+            <a:schemeClr val="lt1"/>
+          </a:fillRef>
+          <a:effectRef idx="0">
+            <a:schemeClr val="dk1"/>
+          </a:effectRef>
+          <a:fontRef idx="minor">
+            <a:schemeClr val="dk1"/>
+          </a:fontRef>
+        </p:style>
+        <p:txBody>
+          <a:bodyPr rtlCol="0" anchor="ctr"/>
+          <a:lstStyle/>
+          <a:p>
+            <a:r>
+              <a:rPr lang="en-US" altLang="ko-KR" sz="1100" b="1"/>
+              <a:t>DB,</a:t>
+            </a:r>
+          </a:p>
+          <a:p>
+            <a:r>
+              <a:rPr lang="en-US" altLang="ko-KR" sz="1100" b="1"/>
+              <a:t>Store</a:t>
+            </a:r>
+          </a:p>
+        </p:txBody>
+      </p:sp>
+      <p:sp>
+        <p:nvSpPr>
+          <p:cNvPr id="50" name="사각형: 둥근 모서리 49">
+            <a:extLst>
+              <a:ext uri="{FF2B5EF4-FFF2-40B4-BE49-F238E27FC236}">
+                <a16:creationId xmlns:a16="http://schemas.microsoft.com/office/drawing/2014/main" id="{46E4C9D4-B546-4E00-B137-AC71A7BFB057}"/>
+              </a:ext>
+            </a:extLst>
+          </p:cNvPr>
+          <p:cNvSpPr/>
+          <p:nvPr/>
+        </p:nvSpPr>
+        <p:spPr>
+          <a:xfrm>
+            <a:off x="6186456" y="2648435"/>
+            <a:ext cx="1279500" cy="568021"/>
+          </a:xfrm>
+          <a:prstGeom prst="roundRect">
+            <a:avLst>
+              <a:gd name="adj" fmla="val 11199"/>
+            </a:avLst>
+          </a:prstGeom>
+          <a:noFill/>
+          <a:ln w="12700">
+            <a:prstDash val="dash"/>
+          </a:ln>
+        </p:spPr>
+        <p:style>
+          <a:lnRef idx="2">
+            <a:schemeClr val="dk1"/>
+          </a:lnRef>
+          <a:fillRef idx="1">
+            <a:schemeClr val="lt1"/>
+          </a:fillRef>
+          <a:effectRef idx="0">
+            <a:schemeClr val="dk1"/>
+          </a:effectRef>
+          <a:fontRef idx="minor">
+            <a:schemeClr val="dk1"/>
+          </a:fontRef>
+        </p:style>
+        <p:txBody>
+          <a:bodyPr rtlCol="0" anchor="ctr"/>
+          <a:lstStyle/>
+          <a:p>
+            <a:r>
+              <a:rPr lang="en-US" altLang="ko-KR" sz="1100" b="1"/>
+              <a:t>MQ</a:t>
+            </a:r>
+          </a:p>
+        </p:txBody>
+      </p:sp>
+      <p:sp>
+        <p:nvSpPr>
+          <p:cNvPr id="52" name="사각형: 둥근 모서리 51">
+            <a:extLst>
+              <a:ext uri="{FF2B5EF4-FFF2-40B4-BE49-F238E27FC236}">
+                <a16:creationId xmlns:a16="http://schemas.microsoft.com/office/drawing/2014/main" id="{C3DC73E4-C0FC-49BA-A48F-6F6D3DA0777C}"/>
+              </a:ext>
+            </a:extLst>
+          </p:cNvPr>
+          <p:cNvSpPr/>
+          <p:nvPr/>
+        </p:nvSpPr>
+        <p:spPr>
+          <a:xfrm>
+            <a:off x="173562" y="2572041"/>
+            <a:ext cx="916314" cy="363838"/>
+          </a:xfrm>
+          <a:prstGeom prst="roundRect">
+            <a:avLst>
+              <a:gd name="adj" fmla="val 15232"/>
+            </a:avLst>
+          </a:prstGeom>
+          <a:ln w="19050"/>
+        </p:spPr>
+        <p:style>
+          <a:lnRef idx="2">
+            <a:schemeClr val="dk1"/>
+          </a:lnRef>
+          <a:fillRef idx="1">
+            <a:schemeClr val="lt1"/>
+          </a:fillRef>
+          <a:effectRef idx="0">
+            <a:schemeClr val="dk1"/>
+          </a:effectRef>
+          <a:fontRef idx="minor">
+            <a:schemeClr val="dk1"/>
+          </a:fontRef>
+        </p:style>
+        <p:txBody>
+          <a:bodyPr rtlCol="0" anchor="ctr"/>
+          <a:lstStyle/>
+          <a:p>
+            <a:pPr algn="ctr"/>
+            <a:r>
+              <a:rPr lang="en-US" altLang="ko-KR" sz="1000"/>
+              <a:t>Grafana</a:t>
+            </a:r>
+          </a:p>
+        </p:txBody>
+      </p:sp>
+      <p:sp>
+        <p:nvSpPr>
+          <p:cNvPr id="53" name="사각형: 둥근 모서리 52">
+            <a:extLst>
+              <a:ext uri="{FF2B5EF4-FFF2-40B4-BE49-F238E27FC236}">
+                <a16:creationId xmlns:a16="http://schemas.microsoft.com/office/drawing/2014/main" id="{BAD5AC54-27FB-44F6-B0EA-9376A60F3F8E}"/>
+              </a:ext>
+            </a:extLst>
+          </p:cNvPr>
+          <p:cNvSpPr/>
+          <p:nvPr/>
+        </p:nvSpPr>
+        <p:spPr>
+          <a:xfrm>
+            <a:off x="173562" y="3511321"/>
+            <a:ext cx="916314" cy="363838"/>
+          </a:xfrm>
+          <a:prstGeom prst="roundRect">
+            <a:avLst>
+              <a:gd name="adj" fmla="val 15232"/>
+            </a:avLst>
+          </a:prstGeom>
+          <a:ln w="19050"/>
+        </p:spPr>
+        <p:style>
+          <a:lnRef idx="2">
+            <a:schemeClr val="dk1"/>
+          </a:lnRef>
+          <a:fillRef idx="1">
+            <a:schemeClr val="lt1"/>
+          </a:fillRef>
+          <a:effectRef idx="0">
+            <a:schemeClr val="dk1"/>
+          </a:effectRef>
+          <a:fontRef idx="minor">
+            <a:schemeClr val="dk1"/>
+          </a:fontRef>
+        </p:style>
+        <p:txBody>
+          <a:bodyPr rtlCol="0" anchor="ctr"/>
+          <a:lstStyle/>
+          <a:p>
+            <a:pPr algn="ctr"/>
+            <a:r>
+              <a:rPr lang="en-US" altLang="ko-KR" sz="1000"/>
+              <a:t>Exporters</a:t>
+            </a:r>
+          </a:p>
+        </p:txBody>
+      </p:sp>
+      <p:sp>
+        <p:nvSpPr>
+          <p:cNvPr id="55" name="사각형: 둥근 모서리 54">
+            <a:extLst>
+              <a:ext uri="{FF2B5EF4-FFF2-40B4-BE49-F238E27FC236}">
+                <a16:creationId xmlns:a16="http://schemas.microsoft.com/office/drawing/2014/main" id="{27BD03A8-E8C0-4305-8D95-E5F4F66E668F}"/>
+              </a:ext>
+            </a:extLst>
+          </p:cNvPr>
+          <p:cNvSpPr/>
+          <p:nvPr/>
+        </p:nvSpPr>
+        <p:spPr>
+          <a:xfrm>
+            <a:off x="1404848" y="3034387"/>
+            <a:ext cx="960146" cy="363838"/>
+          </a:xfrm>
+          <a:prstGeom prst="roundRect">
+            <a:avLst>
+              <a:gd name="adj" fmla="val 15232"/>
+            </a:avLst>
+          </a:prstGeom>
+          <a:ln w="19050"/>
+        </p:spPr>
+        <p:style>
+          <a:lnRef idx="2">
+            <a:schemeClr val="dk1"/>
+          </a:lnRef>
+          <a:fillRef idx="1">
+            <a:schemeClr val="lt1"/>
+          </a:fillRef>
+          <a:effectRef idx="0">
+            <a:schemeClr val="dk1"/>
+          </a:effectRef>
+          <a:fontRef idx="minor">
+            <a:schemeClr val="dk1"/>
+          </a:fontRef>
+        </p:style>
+        <p:txBody>
+          <a:bodyPr rtlCol="0" anchor="ctr"/>
+          <a:lstStyle/>
+          <a:p>
+            <a:pPr algn="ctr"/>
+            <a:r>
+              <a:rPr lang="en-US" altLang="ko-KR" sz="1000"/>
+              <a:t>ElasticSearch</a:t>
+            </a:r>
+          </a:p>
+        </p:txBody>
+      </p:sp>
+      <p:sp>
+        <p:nvSpPr>
+          <p:cNvPr id="56" name="사각형: 둥근 모서리 55">
+            <a:extLst>
+              <a:ext uri="{FF2B5EF4-FFF2-40B4-BE49-F238E27FC236}">
+                <a16:creationId xmlns:a16="http://schemas.microsoft.com/office/drawing/2014/main" id="{D7089E11-8EDF-4BA3-956C-ECA195CDB49B}"/>
+              </a:ext>
+            </a:extLst>
+          </p:cNvPr>
+          <p:cNvSpPr/>
+          <p:nvPr/>
+        </p:nvSpPr>
+        <p:spPr>
+          <a:xfrm>
+            <a:off x="1404848" y="2572041"/>
+            <a:ext cx="960146" cy="363838"/>
+          </a:xfrm>
+          <a:prstGeom prst="roundRect">
+            <a:avLst>
+              <a:gd name="adj" fmla="val 15232"/>
+            </a:avLst>
+          </a:prstGeom>
+          <a:ln w="19050"/>
+        </p:spPr>
+        <p:style>
+          <a:lnRef idx="2">
+            <a:schemeClr val="dk1"/>
+          </a:lnRef>
+          <a:fillRef idx="1">
+            <a:schemeClr val="lt1"/>
+          </a:fillRef>
+          <a:effectRef idx="0">
+            <a:schemeClr val="dk1"/>
+          </a:effectRef>
+          <a:fontRef idx="minor">
+            <a:schemeClr val="dk1"/>
+          </a:fontRef>
+        </p:style>
+        <p:txBody>
+          <a:bodyPr rtlCol="0" anchor="ctr"/>
+          <a:lstStyle/>
+          <a:p>
+            <a:pPr algn="ctr"/>
+            <a:r>
+              <a:rPr lang="en-US" altLang="ko-KR" sz="1000"/>
+              <a:t>Kibana</a:t>
+            </a:r>
+          </a:p>
+        </p:txBody>
+      </p:sp>
+      <p:sp>
+        <p:nvSpPr>
+          <p:cNvPr id="57" name="사각형: 둥근 모서리 56">
+            <a:extLst>
+              <a:ext uri="{FF2B5EF4-FFF2-40B4-BE49-F238E27FC236}">
+                <a16:creationId xmlns:a16="http://schemas.microsoft.com/office/drawing/2014/main" id="{2101D5FC-39CD-4999-AA47-7A1E9764AAE0}"/>
+              </a:ext>
+            </a:extLst>
+          </p:cNvPr>
+          <p:cNvSpPr/>
+          <p:nvPr/>
+        </p:nvSpPr>
+        <p:spPr>
+          <a:xfrm>
+            <a:off x="1404848" y="3511321"/>
+            <a:ext cx="960146" cy="363838"/>
+          </a:xfrm>
+          <a:prstGeom prst="roundRect">
+            <a:avLst>
+              <a:gd name="adj" fmla="val 15232"/>
+            </a:avLst>
+          </a:prstGeom>
+          <a:ln w="19050"/>
+        </p:spPr>
+        <p:style>
+          <a:lnRef idx="2">
+            <a:schemeClr val="dk1"/>
+          </a:lnRef>
+          <a:fillRef idx="1">
+            <a:schemeClr val="lt1"/>
+          </a:fillRef>
+          <a:effectRef idx="0">
+            <a:schemeClr val="dk1"/>
+          </a:effectRef>
+          <a:fontRef idx="minor">
+            <a:schemeClr val="dk1"/>
+          </a:fontRef>
+        </p:style>
+        <p:txBody>
+          <a:bodyPr rtlCol="0" anchor="ctr"/>
+          <a:lstStyle/>
+          <a:p>
+            <a:pPr algn="ctr"/>
+            <a:r>
+              <a:rPr lang="en-US" altLang="ko-KR" sz="1000"/>
+              <a:t>Fluentd</a:t>
+            </a:r>
+          </a:p>
+        </p:txBody>
+      </p:sp>
+      <p:sp>
+        <p:nvSpPr>
+          <p:cNvPr id="58" name="사각형: 둥근 모서리 57">
+            <a:extLst>
+              <a:ext uri="{FF2B5EF4-FFF2-40B4-BE49-F238E27FC236}">
+                <a16:creationId xmlns:a16="http://schemas.microsoft.com/office/drawing/2014/main" id="{7D746446-4088-4D62-9CE3-5DF1DF1623C2}"/>
+              </a:ext>
+            </a:extLst>
+          </p:cNvPr>
+          <p:cNvSpPr/>
+          <p:nvPr/>
+        </p:nvSpPr>
+        <p:spPr>
+          <a:xfrm>
+            <a:off x="2601082" y="1887264"/>
+            <a:ext cx="2570714" cy="568021"/>
+          </a:xfrm>
+          <a:prstGeom prst="roundRect">
+            <a:avLst>
+              <a:gd name="adj" fmla="val 12037"/>
+            </a:avLst>
+          </a:prstGeom>
+          <a:noFill/>
+          <a:ln w="12700">
+            <a:prstDash val="dash"/>
+          </a:ln>
+        </p:spPr>
+        <p:style>
+          <a:lnRef idx="2">
+            <a:schemeClr val="dk1"/>
+          </a:lnRef>
+          <a:fillRef idx="1">
+            <a:schemeClr val="lt1"/>
+          </a:fillRef>
+          <a:effectRef idx="0">
+            <a:schemeClr val="dk1"/>
+          </a:effectRef>
+          <a:fontRef idx="minor">
+            <a:schemeClr val="dk1"/>
+          </a:fontRef>
+        </p:style>
+        <p:txBody>
+          <a:bodyPr rtlCol="0" anchor="ctr"/>
+          <a:lstStyle/>
+          <a:p>
+            <a:r>
+              <a:rPr lang="en-US" altLang="ko-KR" sz="1100" b="1"/>
+              <a:t>Service Mesh</a:t>
+            </a:r>
+          </a:p>
+        </p:txBody>
+      </p:sp>
+      <p:sp>
+        <p:nvSpPr>
+          <p:cNvPr id="59" name="사각형: 둥근 모서리 58">
+            <a:extLst>
+              <a:ext uri="{FF2B5EF4-FFF2-40B4-BE49-F238E27FC236}">
+                <a16:creationId xmlns:a16="http://schemas.microsoft.com/office/drawing/2014/main" id="{7C69D786-4A09-430F-9232-6DF1C86E2EAC}"/>
+              </a:ext>
+            </a:extLst>
+          </p:cNvPr>
+          <p:cNvSpPr/>
+          <p:nvPr/>
+        </p:nvSpPr>
+        <p:spPr>
+          <a:xfrm>
+            <a:off x="3691547" y="1989355"/>
+            <a:ext cx="1398146" cy="363838"/>
+          </a:xfrm>
+          <a:prstGeom prst="roundRect">
+            <a:avLst>
+              <a:gd name="adj" fmla="val 15232"/>
+            </a:avLst>
+          </a:prstGeom>
+          <a:ln w="19050"/>
+        </p:spPr>
+        <p:style>
+          <a:lnRef idx="2">
+            <a:schemeClr val="dk1"/>
+          </a:lnRef>
+          <a:fillRef idx="1">
+            <a:schemeClr val="lt1"/>
+          </a:fillRef>
+          <a:effectRef idx="0">
+            <a:schemeClr val="dk1"/>
+          </a:effectRef>
+          <a:fontRef idx="minor">
+            <a:schemeClr val="dk1"/>
+          </a:fontRef>
+        </p:style>
+        <p:txBody>
+          <a:bodyPr rtlCol="0" anchor="ctr"/>
+          <a:lstStyle/>
+          <a:p>
+            <a:pPr algn="ctr"/>
+            <a:r>
+              <a:rPr lang="en-US" altLang="ko-KR" sz="1000"/>
+              <a:t>Istio</a:t>
+            </a:r>
+          </a:p>
+        </p:txBody>
+      </p:sp>
+      <p:sp>
+        <p:nvSpPr>
+          <p:cNvPr id="60" name="사각형: 둥근 모서리 59">
+            <a:extLst>
+              <a:ext uri="{FF2B5EF4-FFF2-40B4-BE49-F238E27FC236}">
+                <a16:creationId xmlns:a16="http://schemas.microsoft.com/office/drawing/2014/main" id="{A7BF6A58-B5D7-448C-885F-5717A6646141}"/>
+              </a:ext>
+            </a:extLst>
+          </p:cNvPr>
+          <p:cNvSpPr/>
+          <p:nvPr/>
+        </p:nvSpPr>
+        <p:spPr>
+          <a:xfrm>
+            <a:off x="2601082" y="3404273"/>
+            <a:ext cx="2901526" cy="568021"/>
+          </a:xfrm>
+          <a:prstGeom prst="roundRect">
+            <a:avLst>
+              <a:gd name="adj" fmla="val 8683"/>
+            </a:avLst>
+          </a:prstGeom>
+          <a:noFill/>
+          <a:ln w="12700">
+            <a:prstDash val="dash"/>
+          </a:ln>
+        </p:spPr>
+        <p:style>
+          <a:lnRef idx="2">
+            <a:schemeClr val="dk1"/>
+          </a:lnRef>
+          <a:fillRef idx="1">
+            <a:schemeClr val="lt1"/>
+          </a:fillRef>
+          <a:effectRef idx="0">
+            <a:schemeClr val="dk1"/>
+          </a:effectRef>
+          <a:fontRef idx="minor">
+            <a:schemeClr val="dk1"/>
+          </a:fontRef>
+        </p:style>
+        <p:txBody>
+          <a:bodyPr rtlCol="0" anchor="ctr"/>
+          <a:lstStyle/>
+          <a:p>
+            <a:r>
+              <a:rPr lang="en-US" altLang="ko-KR" sz="1100" b="1"/>
+              <a:t>Network, </a:t>
+            </a:r>
+          </a:p>
+          <a:p>
+            <a:r>
+              <a:rPr lang="en-US" altLang="ko-KR" sz="1100" b="1"/>
+              <a:t>Load Balancer</a:t>
+            </a:r>
+          </a:p>
+        </p:txBody>
+      </p:sp>
+      <p:sp>
+        <p:nvSpPr>
+          <p:cNvPr id="61" name="사각형: 둥근 모서리 60">
+            <a:extLst>
+              <a:ext uri="{FF2B5EF4-FFF2-40B4-BE49-F238E27FC236}">
+                <a16:creationId xmlns:a16="http://schemas.microsoft.com/office/drawing/2014/main" id="{2AD6E762-357A-4E46-BBED-2AC08830B790}"/>
+              </a:ext>
+            </a:extLst>
+          </p:cNvPr>
+          <p:cNvSpPr/>
+          <p:nvPr/>
+        </p:nvSpPr>
+        <p:spPr>
+          <a:xfrm>
+            <a:off x="3691546" y="3506364"/>
+            <a:ext cx="792088" cy="363838"/>
+          </a:xfrm>
+          <a:prstGeom prst="roundRect">
+            <a:avLst>
+              <a:gd name="adj" fmla="val 15232"/>
+            </a:avLst>
+          </a:prstGeom>
+          <a:ln w="19050"/>
+        </p:spPr>
+        <p:style>
+          <a:lnRef idx="2">
+            <a:schemeClr val="dk1"/>
+          </a:lnRef>
+          <a:fillRef idx="1">
+            <a:schemeClr val="lt1"/>
+          </a:fillRef>
+          <a:effectRef idx="0">
+            <a:schemeClr val="dk1"/>
+          </a:effectRef>
+          <a:fontRef idx="minor">
+            <a:schemeClr val="dk1"/>
+          </a:fontRef>
+        </p:style>
+        <p:txBody>
+          <a:bodyPr rtlCol="0" anchor="ctr"/>
+          <a:lstStyle/>
+          <a:p>
+            <a:pPr algn="ctr"/>
+            <a:r>
+              <a:rPr lang="en-US" altLang="ko-KR" sz="1000"/>
+              <a:t>Flannel</a:t>
+            </a:r>
+          </a:p>
+        </p:txBody>
+      </p:sp>
+      <p:sp>
+        <p:nvSpPr>
+          <p:cNvPr id="62" name="사각형: 둥근 모서리 61">
+            <a:extLst>
+              <a:ext uri="{FF2B5EF4-FFF2-40B4-BE49-F238E27FC236}">
+                <a16:creationId xmlns:a16="http://schemas.microsoft.com/office/drawing/2014/main" id="{ACA553A0-C8D0-48AD-815E-85B73CFED116}"/>
+              </a:ext>
+            </a:extLst>
+          </p:cNvPr>
+          <p:cNvSpPr/>
+          <p:nvPr/>
+        </p:nvSpPr>
+        <p:spPr>
+          <a:xfrm>
+            <a:off x="4616848" y="3506364"/>
+            <a:ext cx="792088" cy="363838"/>
+          </a:xfrm>
+          <a:prstGeom prst="roundRect">
+            <a:avLst>
+              <a:gd name="adj" fmla="val 15232"/>
+            </a:avLst>
+          </a:prstGeom>
+          <a:ln w="19050"/>
+        </p:spPr>
+        <p:style>
+          <a:lnRef idx="2">
+            <a:schemeClr val="dk1"/>
+          </a:lnRef>
+          <a:fillRef idx="1">
+            <a:schemeClr val="lt1"/>
+          </a:fillRef>
+          <a:effectRef idx="0">
+            <a:schemeClr val="dk1"/>
+          </a:effectRef>
+          <a:fontRef idx="minor">
+            <a:schemeClr val="dk1"/>
+          </a:fontRef>
+        </p:style>
+        <p:txBody>
+          <a:bodyPr rtlCol="0" anchor="ctr"/>
+          <a:lstStyle/>
+          <a:p>
+            <a:pPr algn="ctr"/>
+            <a:r>
+              <a:rPr lang="en-US" altLang="ko-KR" sz="1000"/>
+              <a:t>MetalLB</a:t>
+            </a:r>
+          </a:p>
+        </p:txBody>
+      </p:sp>
+      <p:sp>
+        <p:nvSpPr>
+          <p:cNvPr id="63" name="사각형: 둥근 모서리 62">
+            <a:extLst>
+              <a:ext uri="{FF2B5EF4-FFF2-40B4-BE49-F238E27FC236}">
+                <a16:creationId xmlns:a16="http://schemas.microsoft.com/office/drawing/2014/main" id="{DC4D8B93-BC02-4666-B0AC-3AAF949FA0BE}"/>
+              </a:ext>
+            </a:extLst>
+          </p:cNvPr>
+          <p:cNvSpPr/>
+          <p:nvPr/>
+        </p:nvSpPr>
+        <p:spPr>
+          <a:xfrm>
+            <a:off x="5652766" y="3404273"/>
+            <a:ext cx="2082089" cy="568021"/>
+          </a:xfrm>
+          <a:prstGeom prst="roundRect">
+            <a:avLst>
+              <a:gd name="adj" fmla="val 10919"/>
+            </a:avLst>
+          </a:prstGeom>
+          <a:noFill/>
+          <a:ln w="12700">
+            <a:prstDash val="dash"/>
+          </a:ln>
+        </p:spPr>
+        <p:style>
+          <a:lnRef idx="2">
+            <a:schemeClr val="dk1"/>
+          </a:lnRef>
+          <a:fillRef idx="1">
+            <a:schemeClr val="lt1"/>
+          </a:fillRef>
+          <a:effectRef idx="0">
+            <a:schemeClr val="dk1"/>
+          </a:effectRef>
+          <a:fontRef idx="minor">
+            <a:schemeClr val="dk1"/>
+          </a:fontRef>
+        </p:style>
+        <p:txBody>
+          <a:bodyPr rtlCol="0" anchor="ctr"/>
+          <a:lstStyle/>
+          <a:p>
+            <a:r>
+              <a:rPr lang="en-US" altLang="ko-KR" sz="1100" b="1"/>
+              <a:t>Storage</a:t>
+            </a:r>
+          </a:p>
+        </p:txBody>
+      </p:sp>
+      <p:sp>
+        <p:nvSpPr>
+          <p:cNvPr id="64" name="사각형: 둥근 모서리 63">
+            <a:extLst>
+              <a:ext uri="{FF2B5EF4-FFF2-40B4-BE49-F238E27FC236}">
+                <a16:creationId xmlns:a16="http://schemas.microsoft.com/office/drawing/2014/main" id="{1026B2EC-0043-4B74-BE8F-01F697BE955A}"/>
+              </a:ext>
+            </a:extLst>
+          </p:cNvPr>
+          <p:cNvSpPr/>
+          <p:nvPr/>
+        </p:nvSpPr>
+        <p:spPr>
+          <a:xfrm>
+            <a:off x="6376415" y="3512536"/>
+            <a:ext cx="1224362" cy="363838"/>
+          </a:xfrm>
+          <a:prstGeom prst="roundRect">
+            <a:avLst>
+              <a:gd name="adj" fmla="val 15232"/>
+            </a:avLst>
+          </a:prstGeom>
+          <a:ln w="19050"/>
+        </p:spPr>
+        <p:style>
+          <a:lnRef idx="2">
+            <a:schemeClr val="dk1"/>
+          </a:lnRef>
+          <a:fillRef idx="1">
+            <a:schemeClr val="lt1"/>
+          </a:fillRef>
+          <a:effectRef idx="0">
+            <a:schemeClr val="dk1"/>
+          </a:effectRef>
+          <a:fontRef idx="minor">
+            <a:schemeClr val="dk1"/>
+          </a:fontRef>
+        </p:style>
+        <p:txBody>
+          <a:bodyPr rtlCol="0" anchor="ctr"/>
+          <a:lstStyle/>
+          <a:p>
+            <a:pPr algn="ctr"/>
+            <a:r>
+              <a:rPr lang="en-US" altLang="ko-KR" sz="1000"/>
+              <a:t>nfs-provisioner</a:t>
+            </a:r>
+          </a:p>
+        </p:txBody>
+      </p:sp>
+      <p:sp>
+        <p:nvSpPr>
+          <p:cNvPr id="65" name="사각형: 둥근 모서리 64">
+            <a:extLst>
+              <a:ext uri="{FF2B5EF4-FFF2-40B4-BE49-F238E27FC236}">
+                <a16:creationId xmlns:a16="http://schemas.microsoft.com/office/drawing/2014/main" id="{8C1A2750-F5EC-4E1B-939E-67A7CA0B39A0}"/>
+              </a:ext>
+            </a:extLst>
+          </p:cNvPr>
+          <p:cNvSpPr/>
+          <p:nvPr/>
+        </p:nvSpPr>
+        <p:spPr>
+          <a:xfrm>
+            <a:off x="7860609" y="2541776"/>
+            <a:ext cx="1217090" cy="363838"/>
+          </a:xfrm>
+          <a:prstGeom prst="roundRect">
+            <a:avLst>
+              <a:gd name="adj" fmla="val 15232"/>
+            </a:avLst>
+          </a:prstGeom>
+          <a:ln w="19050"/>
+        </p:spPr>
+        <p:style>
+          <a:lnRef idx="2">
+            <a:schemeClr val="dk1"/>
+          </a:lnRef>
+          <a:fillRef idx="1">
+            <a:schemeClr val="lt1"/>
+          </a:fillRef>
+          <a:effectRef idx="0">
+            <a:schemeClr val="dk1"/>
+          </a:effectRef>
+          <a:fontRef idx="minor">
+            <a:schemeClr val="dk1"/>
+          </a:fontRef>
+        </p:style>
+        <p:txBody>
+          <a:bodyPr rtlCol="0" anchor="ctr"/>
+          <a:lstStyle/>
+          <a:p>
+            <a:pPr algn="ctr"/>
+            <a:r>
+              <a:rPr lang="en-US" altLang="ko-KR" sz="1100" b="1"/>
+              <a:t>Github</a:t>
+            </a:r>
+          </a:p>
+        </p:txBody>
+      </p:sp>
+      <p:sp>
+        <p:nvSpPr>
+          <p:cNvPr id="66" name="사각형: 둥근 모서리 65">
+            <a:extLst>
+              <a:ext uri="{FF2B5EF4-FFF2-40B4-BE49-F238E27FC236}">
+                <a16:creationId xmlns:a16="http://schemas.microsoft.com/office/drawing/2014/main" id="{F26B7428-78D3-4560-819D-1A21B521AB17}"/>
+              </a:ext>
+            </a:extLst>
+          </p:cNvPr>
+          <p:cNvSpPr/>
+          <p:nvPr/>
+        </p:nvSpPr>
+        <p:spPr>
+          <a:xfrm>
+            <a:off x="2601082" y="1126092"/>
+            <a:ext cx="5133774" cy="568021"/>
+          </a:xfrm>
+          <a:prstGeom prst="roundRect">
+            <a:avLst>
+              <a:gd name="adj" fmla="val 12037"/>
+            </a:avLst>
+          </a:prstGeom>
+          <a:noFill/>
+          <a:ln w="12700">
+            <a:prstDash val="dash"/>
+          </a:ln>
+        </p:spPr>
+        <p:style>
+          <a:lnRef idx="2">
+            <a:schemeClr val="dk1"/>
+          </a:lnRef>
+          <a:fillRef idx="1">
+            <a:schemeClr val="lt1"/>
+          </a:fillRef>
+          <a:effectRef idx="0">
+            <a:schemeClr val="dk1"/>
+          </a:effectRef>
+          <a:fontRef idx="minor">
+            <a:schemeClr val="dk1"/>
+          </a:fontRef>
+        </p:style>
+        <p:txBody>
+          <a:bodyPr rtlCol="0" anchor="ctr"/>
+          <a:lstStyle/>
+          <a:p>
+            <a:r>
+              <a:rPr lang="en-US" altLang="ko-KR" sz="1100" b="1"/>
+              <a:t>Services</a:t>
+            </a:r>
+          </a:p>
+        </p:txBody>
+      </p:sp>
+      <p:sp>
+        <p:nvSpPr>
+          <p:cNvPr id="68" name="사각형: 둥근 모서리 67">
+            <a:extLst>
+              <a:ext uri="{FF2B5EF4-FFF2-40B4-BE49-F238E27FC236}">
+                <a16:creationId xmlns:a16="http://schemas.microsoft.com/office/drawing/2014/main" id="{B6149686-F921-46D3-8BFA-292F3EE1F948}"/>
+              </a:ext>
+            </a:extLst>
+          </p:cNvPr>
+          <p:cNvSpPr/>
+          <p:nvPr/>
+        </p:nvSpPr>
+        <p:spPr>
+          <a:xfrm>
+            <a:off x="4549275" y="1228183"/>
+            <a:ext cx="504056" cy="363838"/>
+          </a:xfrm>
+          <a:prstGeom prst="roundRect">
+            <a:avLst>
+              <a:gd name="adj" fmla="val 15232"/>
+            </a:avLst>
+          </a:prstGeom>
+          <a:ln w="19050"/>
+        </p:spPr>
+        <p:style>
+          <a:lnRef idx="2">
+            <a:schemeClr val="dk1"/>
+          </a:lnRef>
+          <a:fillRef idx="1">
+            <a:schemeClr val="lt1"/>
+          </a:fillRef>
+          <a:effectRef idx="0">
+            <a:schemeClr val="dk1"/>
+          </a:effectRef>
+          <a:fontRef idx="minor">
+            <a:schemeClr val="dk1"/>
+          </a:fontRef>
+        </p:style>
+        <p:txBody>
+          <a:bodyPr rtlCol="0" anchor="ctr"/>
+          <a:lstStyle/>
+          <a:p>
+            <a:pPr algn="ctr"/>
+            <a:r>
+              <a:rPr lang="en-US" altLang="ko-KR" sz="1000"/>
+              <a:t>Auth</a:t>
+            </a:r>
+          </a:p>
+        </p:txBody>
+      </p:sp>
+      <p:sp>
+        <p:nvSpPr>
+          <p:cNvPr id="69" name="사각형: 둥근 모서리 68">
+            <a:extLst>
+              <a:ext uri="{FF2B5EF4-FFF2-40B4-BE49-F238E27FC236}">
+                <a16:creationId xmlns:a16="http://schemas.microsoft.com/office/drawing/2014/main" id="{584E4FF2-9A4B-4E74-8EC8-D7F52DE2181F}"/>
+              </a:ext>
+            </a:extLst>
+          </p:cNvPr>
+          <p:cNvSpPr/>
+          <p:nvPr/>
+        </p:nvSpPr>
+        <p:spPr>
+          <a:xfrm>
+            <a:off x="5171796" y="1228183"/>
+            <a:ext cx="589914" cy="363838"/>
+          </a:xfrm>
+          <a:prstGeom prst="roundRect">
+            <a:avLst>
+              <a:gd name="adj" fmla="val 15232"/>
+            </a:avLst>
+          </a:prstGeom>
+          <a:ln w="19050"/>
+        </p:spPr>
+        <p:style>
+          <a:lnRef idx="2">
+            <a:schemeClr val="dk1"/>
+          </a:lnRef>
+          <a:fillRef idx="1">
+            <a:schemeClr val="lt1"/>
+          </a:fillRef>
+          <a:effectRef idx="0">
+            <a:schemeClr val="dk1"/>
+          </a:effectRef>
+          <a:fontRef idx="minor">
+            <a:schemeClr val="dk1"/>
+          </a:fontRef>
+        </p:style>
+        <p:txBody>
+          <a:bodyPr rtlCol="0" anchor="ctr"/>
+          <a:lstStyle/>
+          <a:p>
+            <a:pPr algn="ctr"/>
+            <a:r>
+              <a:rPr lang="en-US" altLang="ko-KR" sz="1000"/>
+              <a:t>Store</a:t>
+            </a:r>
+          </a:p>
+        </p:txBody>
+      </p:sp>
+      <p:sp>
+        <p:nvSpPr>
+          <p:cNvPr id="74" name="사각형: 둥근 모서리 73">
+            <a:extLst>
+              <a:ext uri="{FF2B5EF4-FFF2-40B4-BE49-F238E27FC236}">
+                <a16:creationId xmlns:a16="http://schemas.microsoft.com/office/drawing/2014/main" id="{EA919948-B87C-49E2-AE16-098BC8F3D191}"/>
+              </a:ext>
+            </a:extLst>
+          </p:cNvPr>
+          <p:cNvSpPr/>
+          <p:nvPr/>
+        </p:nvSpPr>
+        <p:spPr>
+          <a:xfrm>
+            <a:off x="5202192" y="2745192"/>
+            <a:ext cx="722097" cy="363838"/>
+          </a:xfrm>
+          <a:prstGeom prst="roundRect">
+            <a:avLst>
+              <a:gd name="adj" fmla="val 15232"/>
+            </a:avLst>
+          </a:prstGeom>
+          <a:ln w="19050"/>
+        </p:spPr>
+        <p:style>
+          <a:lnRef idx="2">
+            <a:schemeClr val="dk1"/>
+          </a:lnRef>
+          <a:fillRef idx="1">
+            <a:schemeClr val="lt1"/>
+          </a:fillRef>
+          <a:effectRef idx="0">
+            <a:schemeClr val="dk1"/>
+          </a:effectRef>
+          <a:fontRef idx="minor">
+            <a:schemeClr val="dk1"/>
+          </a:fontRef>
+        </p:style>
+        <p:txBody>
+          <a:bodyPr rtlCol="0" anchor="ctr"/>
+          <a:lstStyle/>
+          <a:p>
+            <a:pPr algn="ctr"/>
+            <a:r>
+              <a:rPr lang="en-US" altLang="ko-KR" sz="1000"/>
+              <a:t>Redis</a:t>
+            </a:r>
+          </a:p>
+        </p:txBody>
+      </p:sp>
+      <p:sp>
+        <p:nvSpPr>
+          <p:cNvPr id="75" name="사각형: 둥근 모서리 74">
+            <a:extLst>
+              <a:ext uri="{FF2B5EF4-FFF2-40B4-BE49-F238E27FC236}">
+                <a16:creationId xmlns:a16="http://schemas.microsoft.com/office/drawing/2014/main" id="{42AD184E-4D6C-402F-8F70-398F03E52A28}"/>
+              </a:ext>
+            </a:extLst>
+          </p:cNvPr>
+          <p:cNvSpPr/>
+          <p:nvPr/>
+        </p:nvSpPr>
+        <p:spPr>
+          <a:xfrm>
+            <a:off x="72651" y="2212001"/>
+            <a:ext cx="1096920" cy="1754692"/>
+          </a:xfrm>
+          <a:prstGeom prst="roundRect">
+            <a:avLst>
+              <a:gd name="adj" fmla="val 5707"/>
+            </a:avLst>
+          </a:prstGeom>
+          <a:noFill/>
+          <a:ln w="12700">
+            <a:prstDash val="dash"/>
+          </a:ln>
+        </p:spPr>
+        <p:style>
+          <a:lnRef idx="2">
+            <a:schemeClr val="dk1"/>
+          </a:lnRef>
+          <a:fillRef idx="1">
+            <a:schemeClr val="lt1"/>
+          </a:fillRef>
+          <a:effectRef idx="0">
+            <a:schemeClr val="dk1"/>
+          </a:effectRef>
+          <a:fontRef idx="minor">
+            <a:schemeClr val="dk1"/>
+          </a:fontRef>
+        </p:style>
+        <p:txBody>
+          <a:bodyPr rtlCol="0" anchor="t"/>
+          <a:lstStyle/>
+          <a:p>
+            <a:pPr algn="ctr"/>
+            <a:r>
+              <a:rPr lang="en-US" altLang="ko-KR" sz="1100" b="1"/>
+              <a:t>Metric</a:t>
+            </a:r>
+          </a:p>
+        </p:txBody>
+      </p:sp>
+      <p:sp>
+        <p:nvSpPr>
+          <p:cNvPr id="76" name="사각형: 둥근 모서리 75">
+            <a:extLst>
+              <a:ext uri="{FF2B5EF4-FFF2-40B4-BE49-F238E27FC236}">
+                <a16:creationId xmlns:a16="http://schemas.microsoft.com/office/drawing/2014/main" id="{C288B123-B73D-4003-A0AA-FDB731C687D3}"/>
+              </a:ext>
+            </a:extLst>
+          </p:cNvPr>
+          <p:cNvSpPr/>
+          <p:nvPr/>
+        </p:nvSpPr>
+        <p:spPr>
+          <a:xfrm>
+            <a:off x="1313169" y="2212001"/>
+            <a:ext cx="1143504" cy="1754692"/>
+          </a:xfrm>
+          <a:prstGeom prst="roundRect">
+            <a:avLst>
+              <a:gd name="adj" fmla="val 5707"/>
+            </a:avLst>
+          </a:prstGeom>
+          <a:noFill/>
+          <a:ln w="12700">
+            <a:prstDash val="dash"/>
+          </a:ln>
+        </p:spPr>
+        <p:style>
+          <a:lnRef idx="2">
+            <a:schemeClr val="dk1"/>
+          </a:lnRef>
+          <a:fillRef idx="1">
+            <a:schemeClr val="lt1"/>
+          </a:fillRef>
+          <a:effectRef idx="0">
+            <a:schemeClr val="dk1"/>
+          </a:effectRef>
+          <a:fontRef idx="minor">
+            <a:schemeClr val="dk1"/>
+          </a:fontRef>
+        </p:style>
+        <p:txBody>
+          <a:bodyPr rtlCol="0" anchor="t"/>
+          <a:lstStyle/>
+          <a:p>
+            <a:pPr algn="ctr"/>
+            <a:r>
+              <a:rPr lang="en-US" altLang="ko-KR" sz="1100" b="1"/>
+              <a:t>Logging</a:t>
+            </a:r>
+          </a:p>
+        </p:txBody>
+      </p:sp>
+      <p:sp>
+        <p:nvSpPr>
+          <p:cNvPr id="77" name="사각형: 둥근 모서리 76">
+            <a:extLst>
+              <a:ext uri="{FF2B5EF4-FFF2-40B4-BE49-F238E27FC236}">
+                <a16:creationId xmlns:a16="http://schemas.microsoft.com/office/drawing/2014/main" id="{AAB33B38-C090-417D-AE88-523EAEE7EBB1}"/>
+              </a:ext>
+            </a:extLst>
+          </p:cNvPr>
+          <p:cNvSpPr/>
+          <p:nvPr/>
+        </p:nvSpPr>
+        <p:spPr>
+          <a:xfrm>
+            <a:off x="5316204" y="1887264"/>
+            <a:ext cx="2418651" cy="568021"/>
+          </a:xfrm>
+          <a:prstGeom prst="roundRect">
+            <a:avLst>
+              <a:gd name="adj" fmla="val 12037"/>
+            </a:avLst>
+          </a:prstGeom>
+          <a:noFill/>
+          <a:ln w="12700">
+            <a:prstDash val="dash"/>
+          </a:ln>
+        </p:spPr>
+        <p:style>
+          <a:lnRef idx="2">
+            <a:schemeClr val="dk1"/>
+          </a:lnRef>
+          <a:fillRef idx="1">
+            <a:schemeClr val="lt1"/>
+          </a:fillRef>
+          <a:effectRef idx="0">
+            <a:schemeClr val="dk1"/>
+          </a:effectRef>
+          <a:fontRef idx="minor">
+            <a:schemeClr val="dk1"/>
+          </a:fontRef>
+        </p:style>
+        <p:txBody>
+          <a:bodyPr rtlCol="0" anchor="ctr"/>
+          <a:lstStyle/>
+          <a:p>
+            <a:r>
+              <a:rPr lang="en-US" altLang="ko-KR" sz="1100" b="1"/>
+              <a:t>CD</a:t>
+            </a:r>
+          </a:p>
+        </p:txBody>
+      </p:sp>
+      <p:sp>
+        <p:nvSpPr>
+          <p:cNvPr id="78" name="사각형: 둥근 모서리 77">
+            <a:extLst>
+              <a:ext uri="{FF2B5EF4-FFF2-40B4-BE49-F238E27FC236}">
+                <a16:creationId xmlns:a16="http://schemas.microsoft.com/office/drawing/2014/main" id="{98AB12F5-920B-48F3-92C7-66D37AFEED93}"/>
+              </a:ext>
+            </a:extLst>
+          </p:cNvPr>
+          <p:cNvSpPr/>
+          <p:nvPr/>
+        </p:nvSpPr>
+        <p:spPr>
+          <a:xfrm>
+            <a:off x="5671037" y="1989355"/>
+            <a:ext cx="688392" cy="363838"/>
+          </a:xfrm>
+          <a:prstGeom prst="roundRect">
+            <a:avLst>
+              <a:gd name="adj" fmla="val 15232"/>
+            </a:avLst>
+          </a:prstGeom>
+          <a:ln w="19050"/>
+        </p:spPr>
+        <p:style>
+          <a:lnRef idx="2">
+            <a:schemeClr val="dk1"/>
+          </a:lnRef>
+          <a:fillRef idx="1">
+            <a:schemeClr val="lt1"/>
+          </a:fillRef>
+          <a:effectRef idx="0">
+            <a:schemeClr val="dk1"/>
+          </a:effectRef>
+          <a:fontRef idx="minor">
+            <a:schemeClr val="dk1"/>
+          </a:fontRef>
+        </p:style>
+        <p:txBody>
+          <a:bodyPr rtlCol="0" anchor="ctr"/>
+          <a:lstStyle/>
+          <a:p>
+            <a:pPr algn="ctr"/>
+            <a:r>
+              <a:rPr lang="en-US" altLang="ko-KR" sz="1000"/>
+              <a:t>ArgoCD</a:t>
+            </a:r>
+          </a:p>
+        </p:txBody>
+      </p:sp>
+      <p:sp>
+        <p:nvSpPr>
+          <p:cNvPr id="79" name="사각형: 둥근 모서리 78">
+            <a:extLst>
+              <a:ext uri="{FF2B5EF4-FFF2-40B4-BE49-F238E27FC236}">
+                <a16:creationId xmlns:a16="http://schemas.microsoft.com/office/drawing/2014/main" id="{F47455CF-4265-4F81-853B-6651CB1C88BE}"/>
+              </a:ext>
+            </a:extLst>
+          </p:cNvPr>
+          <p:cNvSpPr/>
+          <p:nvPr/>
+        </p:nvSpPr>
+        <p:spPr>
+          <a:xfrm>
+            <a:off x="6470089" y="1989355"/>
+            <a:ext cx="1142408" cy="363838"/>
+          </a:xfrm>
+          <a:prstGeom prst="roundRect">
+            <a:avLst>
+              <a:gd name="adj" fmla="val 15232"/>
+            </a:avLst>
+          </a:prstGeom>
+          <a:ln w="19050"/>
+        </p:spPr>
+        <p:style>
+          <a:lnRef idx="2">
+            <a:schemeClr val="dk1"/>
+          </a:lnRef>
+          <a:fillRef idx="1">
+            <a:schemeClr val="lt1"/>
+          </a:fillRef>
+          <a:effectRef idx="0">
+            <a:schemeClr val="dk1"/>
+          </a:effectRef>
+          <a:fontRef idx="minor">
+            <a:schemeClr val="dk1"/>
+          </a:fontRef>
+        </p:style>
+        <p:txBody>
+          <a:bodyPr rtlCol="0" anchor="ctr"/>
+          <a:lstStyle/>
+          <a:p>
+            <a:pPr algn="ctr"/>
+            <a:r>
+              <a:rPr lang="en-US" altLang="ko-KR" sz="1000"/>
+              <a:t>ArgoCD Image Updater</a:t>
+            </a:r>
+          </a:p>
+        </p:txBody>
+      </p:sp>
+      <p:sp>
+        <p:nvSpPr>
+          <p:cNvPr id="80" name="사각형: 둥근 모서리 79">
+            <a:extLst>
+              <a:ext uri="{FF2B5EF4-FFF2-40B4-BE49-F238E27FC236}">
+                <a16:creationId xmlns:a16="http://schemas.microsoft.com/office/drawing/2014/main" id="{AE498B0E-66CA-4857-AB09-451A00179BE7}"/>
+              </a:ext>
+            </a:extLst>
+          </p:cNvPr>
+          <p:cNvSpPr/>
+          <p:nvPr/>
+        </p:nvSpPr>
+        <p:spPr>
+          <a:xfrm>
+            <a:off x="7991864" y="1989355"/>
+            <a:ext cx="944174" cy="363838"/>
+          </a:xfrm>
+          <a:prstGeom prst="roundRect">
+            <a:avLst>
+              <a:gd name="adj" fmla="val 15232"/>
+            </a:avLst>
+          </a:prstGeom>
+          <a:ln w="19050"/>
+        </p:spPr>
+        <p:style>
+          <a:lnRef idx="2">
+            <a:schemeClr val="dk1"/>
+          </a:lnRef>
+          <a:fillRef idx="1">
+            <a:schemeClr val="lt1"/>
+          </a:fillRef>
+          <a:effectRef idx="0">
+            <a:schemeClr val="dk1"/>
+          </a:effectRef>
+          <a:fontRef idx="minor">
+            <a:schemeClr val="dk1"/>
+          </a:fontRef>
+        </p:style>
+        <p:txBody>
+          <a:bodyPr rtlCol="0" anchor="ctr"/>
+          <a:lstStyle/>
+          <a:p>
+            <a:pPr algn="ctr"/>
+            <a:r>
+              <a:rPr lang="en-US" altLang="ko-KR" sz="1000"/>
+              <a:t>Github </a:t>
+            </a:r>
+          </a:p>
+          <a:p>
+            <a:pPr algn="ctr"/>
+            <a:r>
+              <a:rPr lang="en-US" altLang="ko-KR" sz="1000"/>
+              <a:t>Action</a:t>
+            </a:r>
+          </a:p>
+        </p:txBody>
+      </p:sp>
+      <p:sp>
+        <p:nvSpPr>
+          <p:cNvPr id="81" name="사각형: 둥근 모서리 80">
+            <a:extLst>
+              <a:ext uri="{FF2B5EF4-FFF2-40B4-BE49-F238E27FC236}">
+                <a16:creationId xmlns:a16="http://schemas.microsoft.com/office/drawing/2014/main" id="{0DD3926B-CC5E-4954-8EB6-E97E130B96C6}"/>
+              </a:ext>
+            </a:extLst>
+          </p:cNvPr>
+          <p:cNvSpPr/>
+          <p:nvPr/>
+        </p:nvSpPr>
+        <p:spPr>
+          <a:xfrm>
+            <a:off x="7860609" y="1690889"/>
+            <a:ext cx="1206684" cy="761172"/>
+          </a:xfrm>
+          <a:prstGeom prst="roundRect">
+            <a:avLst>
+              <a:gd name="adj" fmla="val 12037"/>
+            </a:avLst>
+          </a:prstGeom>
+          <a:noFill/>
+          <a:ln w="12700">
+            <a:prstDash val="dash"/>
+          </a:ln>
+        </p:spPr>
+        <p:style>
+          <a:lnRef idx="2">
+            <a:schemeClr val="dk1"/>
+          </a:lnRef>
+          <a:fillRef idx="1">
+            <a:schemeClr val="lt1"/>
+          </a:fillRef>
+          <a:effectRef idx="0">
+            <a:schemeClr val="dk1"/>
+          </a:effectRef>
+          <a:fontRef idx="minor">
+            <a:schemeClr val="dk1"/>
+          </a:fontRef>
+        </p:style>
+        <p:txBody>
+          <a:bodyPr rtlCol="0" anchor="t"/>
+          <a:lstStyle/>
+          <a:p>
+            <a:pPr algn="ctr"/>
+            <a:r>
+              <a:rPr lang="en-US" altLang="ko-KR" sz="1100" b="1"/>
+              <a:t>CI</a:t>
+            </a:r>
+          </a:p>
+        </p:txBody>
+      </p:sp>
+    </p:spTree>
+    <p:extLst>
+      <p:ext uri="{BB962C8B-B14F-4D97-AF65-F5344CB8AC3E}">
+        <p14:creationId xmlns:p14="http://schemas.microsoft.com/office/powerpoint/2010/main" val="2634172750"/>
+      </p:ext>
+    </p:extLst>
+  </p:cSld>
+  <p:clrMapOvr>
+    <a:masterClrMapping/>
+  </p:clrMapOvr>
+</p:sld>
+</file>
+
+<file path=ppt/slides/slide2.xml><?xml version="1.0" encoding="utf-8"?>
+<p:sld xmlns:a="http://schemas.openxmlformats.org/drawingml/2006/main" xmlns:r="http://schemas.openxmlformats.org/officeDocument/2006/relationships" xmlns:p="http://schemas.openxmlformats.org/presentationml/2006/main">
+  <p:cSld>
+    <p:spTree>
+      <p:nvGrpSpPr>
+        <p:cNvPr id="1" name=""/>
+        <p:cNvGrpSpPr/>
+        <p:nvPr/>
+      </p:nvGrpSpPr>
+      <p:grpSpPr>
+        <a:xfrm>
+          <a:off x="0" y="0"/>
+          <a:ext cx="0" cy="0"/>
+          <a:chOff x="0" y="0"/>
+          <a:chExt cx="0" cy="0"/>
+        </a:xfrm>
+      </p:grpSpPr>
+      <p:sp>
+        <p:nvSpPr>
+          <p:cNvPr id="2" name="Title 1">
+            <a:extLst>
+              <a:ext uri="{FF2B5EF4-FFF2-40B4-BE49-F238E27FC236}">
+                <a16:creationId xmlns:a16="http://schemas.microsoft.com/office/drawing/2014/main" id="{A2757BDD-CA27-4DC6-027D-2FDDF1A5C32E}"/>
+              </a:ext>
+            </a:extLst>
+          </p:cNvPr>
+          <p:cNvSpPr>
+            <a:spLocks noGrp="1"/>
+          </p:cNvSpPr>
+          <p:nvPr>
+            <p:ph type="title"/>
+          </p:nvPr>
+        </p:nvSpPr>
+        <p:spPr/>
+        <p:txBody>
+          <a:bodyPr/>
+          <a:lstStyle/>
+          <a:p>
+            <a:endParaRPr lang="en-KR"/>
+          </a:p>
+        </p:txBody>
+      </p:sp>
+      <p:sp>
+        <p:nvSpPr>
+          <p:cNvPr id="3" name="Content Placeholder 2">
+            <a:extLst>
+              <a:ext uri="{FF2B5EF4-FFF2-40B4-BE49-F238E27FC236}">
+                <a16:creationId xmlns:a16="http://schemas.microsoft.com/office/drawing/2014/main" id="{A7F98D42-24CB-05E2-73E3-7B5C8B7A1A01}"/>
+              </a:ext>
+            </a:extLst>
+          </p:cNvPr>
+          <p:cNvSpPr>
+            <a:spLocks noGrp="1"/>
+          </p:cNvSpPr>
+          <p:nvPr>
+            <p:ph idx="1"/>
+          </p:nvPr>
+        </p:nvSpPr>
+        <p:spPr/>
+        <p:txBody>
+          <a:bodyPr/>
+          <a:lstStyle/>
+          <a:p>
+            <a:endParaRPr lang="en-KR"/>
+          </a:p>
+        </p:txBody>
+      </p:sp>
+    </p:spTree>
+    <p:extLst>
+      <p:ext uri="{BB962C8B-B14F-4D97-AF65-F5344CB8AC3E}">
+        <p14:creationId xmlns:p14="http://schemas.microsoft.com/office/powerpoint/2010/main" val="45577025"/>
+      </p:ext>
+    </p:extLst>
+  </p:cSld>
+  <p:clrMapOvr>
+    <a:masterClrMapping/>
+  </p:clrMapOvr>
+</p:sld>
+</file>
+
+<file path=ppt/slides/slide3.xml><?xml version="1.0" encoding="utf-8"?>
+<p:sld xmlns:a="http://schemas.openxmlformats.org/drawingml/2006/main" xmlns:r="http://schemas.openxmlformats.org/officeDocument/2006/relationships" xmlns:p="http://schemas.openxmlformats.org/presentationml/2006/main">
+  <p:cSld>
+    <p:spTree>
+      <p:nvGrpSpPr>
+        <p:cNvPr id="1" name=""/>
+        <p:cNvGrpSpPr/>
+        <p:nvPr/>
+      </p:nvGrpSpPr>
+      <p:grpSpPr>
+        <a:xfrm>
+          <a:off x="0" y="0"/>
+          <a:ext cx="0" cy="0"/>
+          <a:chOff x="0" y="0"/>
+          <a:chExt cx="0" cy="0"/>
+        </a:xfrm>
+      </p:grpSpPr>
+      <p:sp>
+        <p:nvSpPr>
+          <p:cNvPr id="2" name="제목 1"/>
+          <p:cNvSpPr>
+            <a:spLocks noGrp="1"/>
+          </p:cNvSpPr>
+          <p:nvPr>
+            <p:ph type="title"/>
+          </p:nvPr>
+        </p:nvSpPr>
+        <p:spPr>
+          <a:xfrm>
+            <a:off x="457200" y="-20538"/>
+            <a:ext cx="8229600" cy="720080"/>
+          </a:xfrm>
+        </p:spPr>
+        <p:txBody>
+          <a:bodyPr>
+            <a:normAutofit/>
+          </a:bodyPr>
+          <a:lstStyle/>
+          <a:p>
+            <a:r>
+              <a:rPr lang="en-US" altLang="ko-KR" sz="3600"/>
+              <a:t>msa-event-market component stack</a:t>
+            </a:r>
+            <a:endParaRPr lang="ko-KR" altLang="en-US" sz="3600" dirty="0"/>
+          </a:p>
+        </p:txBody>
+      </p:sp>
+      <p:sp>
+        <p:nvSpPr>
+          <p:cNvPr id="41" name="사각형: 둥근 모서리 40">
+            <a:extLst>
+              <a:ext uri="{FF2B5EF4-FFF2-40B4-BE49-F238E27FC236}">
+                <a16:creationId xmlns:a16="http://schemas.microsoft.com/office/drawing/2014/main" id="{13D2E8C9-7C43-4F02-B53E-F6C900D502CA}"/>
+              </a:ext>
+            </a:extLst>
+          </p:cNvPr>
+          <p:cNvSpPr/>
+          <p:nvPr/>
+        </p:nvSpPr>
+        <p:spPr>
+          <a:xfrm>
+            <a:off x="49132" y="4083918"/>
+            <a:ext cx="7685724" cy="363838"/>
+          </a:xfrm>
+          <a:prstGeom prst="roundRect">
+            <a:avLst>
+              <a:gd name="adj" fmla="val 15232"/>
+            </a:avLst>
+          </a:prstGeom>
+          <a:ln w="19050"/>
+        </p:spPr>
+        <p:style>
+          <a:lnRef idx="2">
+            <a:schemeClr val="dk1"/>
+          </a:lnRef>
+          <a:fillRef idx="1">
+            <a:schemeClr val="lt1"/>
+          </a:fillRef>
+          <a:effectRef idx="0">
+            <a:schemeClr val="dk1"/>
+          </a:effectRef>
+          <a:fontRef idx="minor">
+            <a:schemeClr val="dk1"/>
+          </a:fontRef>
+        </p:style>
+        <p:txBody>
+          <a:bodyPr rtlCol="0" anchor="ctr"/>
+          <a:lstStyle/>
+          <a:p>
+            <a:pPr algn="ctr"/>
+            <a:r>
+              <a:rPr lang="en-US" altLang="ko-KR" sz="1100" b="1"/>
               <a:t>AWS EKS Cluster</a:t>
             </a:r>
           </a:p>
@@ -5109,1850 +6892,6 @@
 </p:sld>
 </file>
 
-<file path=ppt/slides/slide2.xml><?xml version="1.0" encoding="utf-8"?>
-<p:sld xmlns:a="http://schemas.openxmlformats.org/drawingml/2006/main" xmlns:r="http://schemas.openxmlformats.org/officeDocument/2006/relationships" xmlns:p="http://schemas.openxmlformats.org/presentationml/2006/main">
-  <p:cSld>
-    <p:spTree>
-      <p:nvGrpSpPr>
-        <p:cNvPr id="1" name=""/>
-        <p:cNvGrpSpPr/>
-        <p:nvPr/>
-      </p:nvGrpSpPr>
-      <p:grpSpPr>
-        <a:xfrm>
-          <a:off x="0" y="0"/>
-          <a:ext cx="0" cy="0"/>
-          <a:chOff x="0" y="0"/>
-          <a:chExt cx="0" cy="0"/>
-        </a:xfrm>
-      </p:grpSpPr>
-      <p:sp>
-        <p:nvSpPr>
-          <p:cNvPr id="2" name="Title 1">
-            <a:extLst>
-              <a:ext uri="{FF2B5EF4-FFF2-40B4-BE49-F238E27FC236}">
-                <a16:creationId xmlns:a16="http://schemas.microsoft.com/office/drawing/2014/main" id="{A2757BDD-CA27-4DC6-027D-2FDDF1A5C32E}"/>
-              </a:ext>
-            </a:extLst>
-          </p:cNvPr>
-          <p:cNvSpPr>
-            <a:spLocks noGrp="1"/>
-          </p:cNvSpPr>
-          <p:nvPr>
-            <p:ph type="title"/>
-          </p:nvPr>
-        </p:nvSpPr>
-        <p:spPr/>
-        <p:txBody>
-          <a:bodyPr/>
-          <a:lstStyle/>
-          <a:p>
-            <a:endParaRPr lang="en-KR"/>
-          </a:p>
-        </p:txBody>
-      </p:sp>
-      <p:sp>
-        <p:nvSpPr>
-          <p:cNvPr id="3" name="Content Placeholder 2">
-            <a:extLst>
-              <a:ext uri="{FF2B5EF4-FFF2-40B4-BE49-F238E27FC236}">
-                <a16:creationId xmlns:a16="http://schemas.microsoft.com/office/drawing/2014/main" id="{A7F98D42-24CB-05E2-73E3-7B5C8B7A1A01}"/>
-              </a:ext>
-            </a:extLst>
-          </p:cNvPr>
-          <p:cNvSpPr>
-            <a:spLocks noGrp="1"/>
-          </p:cNvSpPr>
-          <p:nvPr>
-            <p:ph idx="1"/>
-          </p:nvPr>
-        </p:nvSpPr>
-        <p:spPr/>
-        <p:txBody>
-          <a:bodyPr/>
-          <a:lstStyle/>
-          <a:p>
-            <a:endParaRPr lang="en-KR"/>
-          </a:p>
-        </p:txBody>
-      </p:sp>
-    </p:spTree>
-    <p:extLst>
-      <p:ext uri="{BB962C8B-B14F-4D97-AF65-F5344CB8AC3E}">
-        <p14:creationId xmlns:p14="http://schemas.microsoft.com/office/powerpoint/2010/main" val="45577025"/>
-      </p:ext>
-    </p:extLst>
-  </p:cSld>
-  <p:clrMapOvr>
-    <a:masterClrMapping/>
-  </p:clrMapOvr>
-</p:sld>
-</file>
-
-<file path=ppt/slides/slide3.xml><?xml version="1.0" encoding="utf-8"?>
-<p:sld xmlns:a="http://schemas.openxmlformats.org/drawingml/2006/main" xmlns:r="http://schemas.openxmlformats.org/officeDocument/2006/relationships" xmlns:p="http://schemas.openxmlformats.org/presentationml/2006/main">
-  <p:cSld>
-    <p:spTree>
-      <p:nvGrpSpPr>
-        <p:cNvPr id="1" name=""/>
-        <p:cNvGrpSpPr/>
-        <p:nvPr/>
-      </p:nvGrpSpPr>
-      <p:grpSpPr>
-        <a:xfrm>
-          <a:off x="0" y="0"/>
-          <a:ext cx="0" cy="0"/>
-          <a:chOff x="0" y="0"/>
-          <a:chExt cx="0" cy="0"/>
-        </a:xfrm>
-      </p:grpSpPr>
-      <p:sp>
-        <p:nvSpPr>
-          <p:cNvPr id="2" name="제목 1"/>
-          <p:cNvSpPr>
-            <a:spLocks noGrp="1"/>
-          </p:cNvSpPr>
-          <p:nvPr>
-            <p:ph type="title"/>
-          </p:nvPr>
-        </p:nvSpPr>
-        <p:spPr>
-          <a:xfrm>
-            <a:off x="457200" y="-20538"/>
-            <a:ext cx="8229600" cy="720080"/>
-          </a:xfrm>
-        </p:spPr>
-        <p:txBody>
-          <a:bodyPr>
-            <a:normAutofit/>
-          </a:bodyPr>
-          <a:lstStyle/>
-          <a:p>
-            <a:r>
-              <a:rPr lang="en-US" altLang="ko-KR" sz="3600"/>
-              <a:t>msa-event-market component stack</a:t>
-            </a:r>
-            <a:endParaRPr lang="ko-KR" altLang="en-US" sz="3600" dirty="0"/>
-          </a:p>
-        </p:txBody>
-      </p:sp>
-      <p:sp>
-        <p:nvSpPr>
-          <p:cNvPr id="41" name="사각형: 둥근 모서리 40">
-            <a:extLst>
-              <a:ext uri="{FF2B5EF4-FFF2-40B4-BE49-F238E27FC236}">
-                <a16:creationId xmlns:a16="http://schemas.microsoft.com/office/drawing/2014/main" id="{13D2E8C9-7C43-4F02-B53E-F6C900D502CA}"/>
-              </a:ext>
-            </a:extLst>
-          </p:cNvPr>
-          <p:cNvSpPr/>
-          <p:nvPr/>
-        </p:nvSpPr>
-        <p:spPr>
-          <a:xfrm>
-            <a:off x="49132" y="4083918"/>
-            <a:ext cx="7685724" cy="363838"/>
-          </a:xfrm>
-          <a:prstGeom prst="roundRect">
-            <a:avLst>
-              <a:gd name="adj" fmla="val 15232"/>
-            </a:avLst>
-          </a:prstGeom>
-          <a:ln w="19050"/>
-        </p:spPr>
-        <p:style>
-          <a:lnRef idx="2">
-            <a:schemeClr val="dk1"/>
-          </a:lnRef>
-          <a:fillRef idx="1">
-            <a:schemeClr val="lt1"/>
-          </a:fillRef>
-          <a:effectRef idx="0">
-            <a:schemeClr val="dk1"/>
-          </a:effectRef>
-          <a:fontRef idx="minor">
-            <a:schemeClr val="dk1"/>
-          </a:fontRef>
-        </p:style>
-        <p:txBody>
-          <a:bodyPr rtlCol="0" anchor="ctr"/>
-          <a:lstStyle/>
-          <a:p>
-            <a:pPr algn="ctr"/>
-            <a:r>
-              <a:rPr lang="en-US" altLang="ko-KR" sz="1100" b="1"/>
-              <a:t>AWS EKS Cluster</a:t>
-            </a:r>
-          </a:p>
-        </p:txBody>
-      </p:sp>
-      <p:sp>
-        <p:nvSpPr>
-          <p:cNvPr id="43" name="사각형: 둥근 모서리 42">
-            <a:extLst>
-              <a:ext uri="{FF2B5EF4-FFF2-40B4-BE49-F238E27FC236}">
-                <a16:creationId xmlns:a16="http://schemas.microsoft.com/office/drawing/2014/main" id="{CD00601A-DBDB-4E2C-B7DF-60E362B4D45B}"/>
-              </a:ext>
-            </a:extLst>
-          </p:cNvPr>
-          <p:cNvSpPr/>
-          <p:nvPr/>
-        </p:nvSpPr>
-        <p:spPr>
-          <a:xfrm>
-            <a:off x="3353401" y="2745193"/>
-            <a:ext cx="724628" cy="363838"/>
-          </a:xfrm>
-          <a:prstGeom prst="roundRect">
-            <a:avLst>
-              <a:gd name="adj" fmla="val 15232"/>
-            </a:avLst>
-          </a:prstGeom>
-          <a:ln w="19050"/>
-        </p:spPr>
-        <p:style>
-          <a:lnRef idx="2">
-            <a:schemeClr val="dk1"/>
-          </a:lnRef>
-          <a:fillRef idx="1">
-            <a:schemeClr val="lt1"/>
-          </a:fillRef>
-          <a:effectRef idx="0">
-            <a:schemeClr val="dk1"/>
-          </a:effectRef>
-          <a:fontRef idx="minor">
-            <a:schemeClr val="dk1"/>
-          </a:fontRef>
-        </p:style>
-        <p:txBody>
-          <a:bodyPr rtlCol="0" anchor="ctr"/>
-          <a:lstStyle/>
-          <a:p>
-            <a:pPr algn="ctr"/>
-            <a:r>
-              <a:rPr lang="en-US" altLang="ko-KR" sz="1000"/>
-              <a:t>MySQL</a:t>
-            </a:r>
-          </a:p>
-        </p:txBody>
-      </p:sp>
-      <p:sp>
-        <p:nvSpPr>
-          <p:cNvPr id="44" name="사각형: 둥근 모서리 43">
-            <a:extLst>
-              <a:ext uri="{FF2B5EF4-FFF2-40B4-BE49-F238E27FC236}">
-                <a16:creationId xmlns:a16="http://schemas.microsoft.com/office/drawing/2014/main" id="{7C76A323-75B4-4784-AADE-5469FD0EAF27}"/>
-              </a:ext>
-            </a:extLst>
-          </p:cNvPr>
-          <p:cNvSpPr/>
-          <p:nvPr/>
-        </p:nvSpPr>
-        <p:spPr>
-          <a:xfrm>
-            <a:off x="6611732" y="2740163"/>
-            <a:ext cx="724628" cy="363838"/>
-          </a:xfrm>
-          <a:prstGeom prst="roundRect">
-            <a:avLst>
-              <a:gd name="adj" fmla="val 15232"/>
-            </a:avLst>
-          </a:prstGeom>
-          <a:ln w="19050"/>
-        </p:spPr>
-        <p:style>
-          <a:lnRef idx="2">
-            <a:schemeClr val="dk1"/>
-          </a:lnRef>
-          <a:fillRef idx="1">
-            <a:schemeClr val="lt1"/>
-          </a:fillRef>
-          <a:effectRef idx="0">
-            <a:schemeClr val="dk1"/>
-          </a:effectRef>
-          <a:fontRef idx="minor">
-            <a:schemeClr val="dk1"/>
-          </a:fontRef>
-        </p:style>
-        <p:txBody>
-          <a:bodyPr rtlCol="0" anchor="ctr"/>
-          <a:lstStyle/>
-          <a:p>
-            <a:pPr algn="ctr"/>
-            <a:r>
-              <a:rPr lang="en-US" altLang="ko-KR" sz="1000"/>
-              <a:t>Kafka</a:t>
-            </a:r>
-          </a:p>
-        </p:txBody>
-      </p:sp>
-      <p:sp>
-        <p:nvSpPr>
-          <p:cNvPr id="47" name="사각형: 둥근 모서리 46">
-            <a:extLst>
-              <a:ext uri="{FF2B5EF4-FFF2-40B4-BE49-F238E27FC236}">
-                <a16:creationId xmlns:a16="http://schemas.microsoft.com/office/drawing/2014/main" id="{B602F9F6-8B75-4FEE-A862-BB74B983A354}"/>
-              </a:ext>
-            </a:extLst>
-          </p:cNvPr>
-          <p:cNvSpPr/>
-          <p:nvPr/>
-        </p:nvSpPr>
-        <p:spPr>
-          <a:xfrm>
-            <a:off x="4218956" y="2745192"/>
-            <a:ext cx="842310" cy="363838"/>
-          </a:xfrm>
-          <a:prstGeom prst="roundRect">
-            <a:avLst>
-              <a:gd name="adj" fmla="val 15232"/>
-            </a:avLst>
-          </a:prstGeom>
-          <a:ln w="19050"/>
-        </p:spPr>
-        <p:style>
-          <a:lnRef idx="2">
-            <a:schemeClr val="dk1"/>
-          </a:lnRef>
-          <a:fillRef idx="1">
-            <a:schemeClr val="lt1"/>
-          </a:fillRef>
-          <a:effectRef idx="0">
-            <a:schemeClr val="dk1"/>
-          </a:effectRef>
-          <a:fontRef idx="minor">
-            <a:schemeClr val="dk1"/>
-          </a:fontRef>
-        </p:style>
-        <p:txBody>
-          <a:bodyPr rtlCol="0" anchor="ctr"/>
-          <a:lstStyle/>
-          <a:p>
-            <a:pPr algn="ctr"/>
-            <a:r>
-              <a:rPr lang="en-US" altLang="ko-KR" sz="1000"/>
-              <a:t>MongoDB</a:t>
-            </a:r>
-          </a:p>
-        </p:txBody>
-      </p:sp>
-      <p:sp>
-        <p:nvSpPr>
-          <p:cNvPr id="48" name="사각형: 둥근 모서리 47">
-            <a:extLst>
-              <a:ext uri="{FF2B5EF4-FFF2-40B4-BE49-F238E27FC236}">
-                <a16:creationId xmlns:a16="http://schemas.microsoft.com/office/drawing/2014/main" id="{2B88E66C-675A-4F6D-B1FD-5E02B0D4A2C8}"/>
-              </a:ext>
-            </a:extLst>
-          </p:cNvPr>
-          <p:cNvSpPr/>
-          <p:nvPr/>
-        </p:nvSpPr>
-        <p:spPr>
-          <a:xfrm>
-            <a:off x="179973" y="3034387"/>
-            <a:ext cx="909903" cy="363838"/>
-          </a:xfrm>
-          <a:prstGeom prst="roundRect">
-            <a:avLst>
-              <a:gd name="adj" fmla="val 15232"/>
-            </a:avLst>
-          </a:prstGeom>
-          <a:ln w="19050"/>
-        </p:spPr>
-        <p:style>
-          <a:lnRef idx="2">
-            <a:schemeClr val="dk1"/>
-          </a:lnRef>
-          <a:fillRef idx="1">
-            <a:schemeClr val="lt1"/>
-          </a:fillRef>
-          <a:effectRef idx="0">
-            <a:schemeClr val="dk1"/>
-          </a:effectRef>
-          <a:fontRef idx="minor">
-            <a:schemeClr val="dk1"/>
-          </a:fontRef>
-        </p:style>
-        <p:txBody>
-          <a:bodyPr rtlCol="0" anchor="ctr"/>
-          <a:lstStyle/>
-          <a:p>
-            <a:pPr algn="ctr"/>
-            <a:r>
-              <a:rPr lang="en-US" altLang="ko-KR" sz="1000"/>
-              <a:t>Prometheus</a:t>
-            </a:r>
-          </a:p>
-        </p:txBody>
-      </p:sp>
-      <p:sp>
-        <p:nvSpPr>
-          <p:cNvPr id="49" name="사각형: 둥근 모서리 48">
-            <a:extLst>
-              <a:ext uri="{FF2B5EF4-FFF2-40B4-BE49-F238E27FC236}">
-                <a16:creationId xmlns:a16="http://schemas.microsoft.com/office/drawing/2014/main" id="{4DDD4E0C-DD1C-47ED-A923-5290174A4981}"/>
-              </a:ext>
-            </a:extLst>
-          </p:cNvPr>
-          <p:cNvSpPr/>
-          <p:nvPr/>
-        </p:nvSpPr>
-        <p:spPr>
-          <a:xfrm>
-            <a:off x="2833750" y="2643101"/>
-            <a:ext cx="3169764" cy="568021"/>
-          </a:xfrm>
-          <a:prstGeom prst="roundRect">
-            <a:avLst>
-              <a:gd name="adj" fmla="val 12037"/>
-            </a:avLst>
-          </a:prstGeom>
-          <a:noFill/>
-          <a:ln w="12700">
-            <a:prstDash val="dash"/>
-          </a:ln>
-        </p:spPr>
-        <p:style>
-          <a:lnRef idx="2">
-            <a:schemeClr val="dk1"/>
-          </a:lnRef>
-          <a:fillRef idx="1">
-            <a:schemeClr val="lt1"/>
-          </a:fillRef>
-          <a:effectRef idx="0">
-            <a:schemeClr val="dk1"/>
-          </a:effectRef>
-          <a:fontRef idx="minor">
-            <a:schemeClr val="dk1"/>
-          </a:fontRef>
-        </p:style>
-        <p:txBody>
-          <a:bodyPr rtlCol="0" anchor="ctr"/>
-          <a:lstStyle/>
-          <a:p>
-            <a:r>
-              <a:rPr lang="en-US" altLang="ko-KR" sz="1100" b="1"/>
-              <a:t>DB,</a:t>
-            </a:r>
-          </a:p>
-          <a:p>
-            <a:r>
-              <a:rPr lang="en-US" altLang="ko-KR" sz="1100" b="1"/>
-              <a:t>Store</a:t>
-            </a:r>
-          </a:p>
-        </p:txBody>
-      </p:sp>
-      <p:sp>
-        <p:nvSpPr>
-          <p:cNvPr id="50" name="사각형: 둥근 모서리 49">
-            <a:extLst>
-              <a:ext uri="{FF2B5EF4-FFF2-40B4-BE49-F238E27FC236}">
-                <a16:creationId xmlns:a16="http://schemas.microsoft.com/office/drawing/2014/main" id="{46E4C9D4-B546-4E00-B137-AC71A7BFB057}"/>
-              </a:ext>
-            </a:extLst>
-          </p:cNvPr>
-          <p:cNvSpPr/>
-          <p:nvPr/>
-        </p:nvSpPr>
-        <p:spPr>
-          <a:xfrm>
-            <a:off x="6186456" y="2648435"/>
-            <a:ext cx="1279500" cy="568021"/>
-          </a:xfrm>
-          <a:prstGeom prst="roundRect">
-            <a:avLst>
-              <a:gd name="adj" fmla="val 11199"/>
-            </a:avLst>
-          </a:prstGeom>
-          <a:noFill/>
-          <a:ln w="12700">
-            <a:prstDash val="dash"/>
-          </a:ln>
-        </p:spPr>
-        <p:style>
-          <a:lnRef idx="2">
-            <a:schemeClr val="dk1"/>
-          </a:lnRef>
-          <a:fillRef idx="1">
-            <a:schemeClr val="lt1"/>
-          </a:fillRef>
-          <a:effectRef idx="0">
-            <a:schemeClr val="dk1"/>
-          </a:effectRef>
-          <a:fontRef idx="minor">
-            <a:schemeClr val="dk1"/>
-          </a:fontRef>
-        </p:style>
-        <p:txBody>
-          <a:bodyPr rtlCol="0" anchor="ctr"/>
-          <a:lstStyle/>
-          <a:p>
-            <a:r>
-              <a:rPr lang="en-US" altLang="ko-KR" sz="1100" b="1"/>
-              <a:t>MQ</a:t>
-            </a:r>
-          </a:p>
-        </p:txBody>
-      </p:sp>
-      <p:sp>
-        <p:nvSpPr>
-          <p:cNvPr id="52" name="사각형: 둥근 모서리 51">
-            <a:extLst>
-              <a:ext uri="{FF2B5EF4-FFF2-40B4-BE49-F238E27FC236}">
-                <a16:creationId xmlns:a16="http://schemas.microsoft.com/office/drawing/2014/main" id="{C3DC73E4-C0FC-49BA-A48F-6F6D3DA0777C}"/>
-              </a:ext>
-            </a:extLst>
-          </p:cNvPr>
-          <p:cNvSpPr/>
-          <p:nvPr/>
-        </p:nvSpPr>
-        <p:spPr>
-          <a:xfrm>
-            <a:off x="173562" y="2572041"/>
-            <a:ext cx="2191432" cy="363838"/>
-          </a:xfrm>
-          <a:prstGeom prst="roundRect">
-            <a:avLst>
-              <a:gd name="adj" fmla="val 15232"/>
-            </a:avLst>
-          </a:prstGeom>
-          <a:ln w="19050"/>
-        </p:spPr>
-        <p:style>
-          <a:lnRef idx="2">
-            <a:schemeClr val="dk1"/>
-          </a:lnRef>
-          <a:fillRef idx="1">
-            <a:schemeClr val="lt1"/>
-          </a:fillRef>
-          <a:effectRef idx="0">
-            <a:schemeClr val="dk1"/>
-          </a:effectRef>
-          <a:fontRef idx="minor">
-            <a:schemeClr val="dk1"/>
-          </a:fontRef>
-        </p:style>
-        <p:txBody>
-          <a:bodyPr rtlCol="0" anchor="ctr"/>
-          <a:lstStyle/>
-          <a:p>
-            <a:r>
-              <a:rPr lang="en-US" altLang="ko-KR" sz="1000"/>
-              <a:t>Grafana</a:t>
-            </a:r>
-          </a:p>
-        </p:txBody>
-      </p:sp>
-      <p:sp>
-        <p:nvSpPr>
-          <p:cNvPr id="53" name="사각형: 둥근 모서리 52">
-            <a:extLst>
-              <a:ext uri="{FF2B5EF4-FFF2-40B4-BE49-F238E27FC236}">
-                <a16:creationId xmlns:a16="http://schemas.microsoft.com/office/drawing/2014/main" id="{BAD5AC54-27FB-44F6-B0EA-9376A60F3F8E}"/>
-              </a:ext>
-            </a:extLst>
-          </p:cNvPr>
-          <p:cNvSpPr/>
-          <p:nvPr/>
-        </p:nvSpPr>
-        <p:spPr>
-          <a:xfrm>
-            <a:off x="173562" y="3511321"/>
-            <a:ext cx="916314" cy="363838"/>
-          </a:xfrm>
-          <a:prstGeom prst="roundRect">
-            <a:avLst>
-              <a:gd name="adj" fmla="val 15232"/>
-            </a:avLst>
-          </a:prstGeom>
-          <a:ln w="19050"/>
-        </p:spPr>
-        <p:style>
-          <a:lnRef idx="2">
-            <a:schemeClr val="dk1"/>
-          </a:lnRef>
-          <a:fillRef idx="1">
-            <a:schemeClr val="lt1"/>
-          </a:fillRef>
-          <a:effectRef idx="0">
-            <a:schemeClr val="dk1"/>
-          </a:effectRef>
-          <a:fontRef idx="minor">
-            <a:schemeClr val="dk1"/>
-          </a:fontRef>
-        </p:style>
-        <p:txBody>
-          <a:bodyPr rtlCol="0" anchor="ctr"/>
-          <a:lstStyle/>
-          <a:p>
-            <a:pPr algn="ctr"/>
-            <a:r>
-              <a:rPr lang="en-US" altLang="ko-KR" sz="1000"/>
-              <a:t>Exporters</a:t>
-            </a:r>
-          </a:p>
-        </p:txBody>
-      </p:sp>
-      <p:sp>
-        <p:nvSpPr>
-          <p:cNvPr id="55" name="사각형: 둥근 모서리 54">
-            <a:extLst>
-              <a:ext uri="{FF2B5EF4-FFF2-40B4-BE49-F238E27FC236}">
-                <a16:creationId xmlns:a16="http://schemas.microsoft.com/office/drawing/2014/main" id="{27BD03A8-E8C0-4305-8D95-E5F4F66E668F}"/>
-              </a:ext>
-            </a:extLst>
-          </p:cNvPr>
-          <p:cNvSpPr/>
-          <p:nvPr/>
-        </p:nvSpPr>
-        <p:spPr>
-          <a:xfrm>
-            <a:off x="1404848" y="3034387"/>
-            <a:ext cx="960146" cy="363838"/>
-          </a:xfrm>
-          <a:prstGeom prst="roundRect">
-            <a:avLst>
-              <a:gd name="adj" fmla="val 15232"/>
-            </a:avLst>
-          </a:prstGeom>
-          <a:ln w="19050"/>
-        </p:spPr>
-        <p:style>
-          <a:lnRef idx="2">
-            <a:schemeClr val="dk1"/>
-          </a:lnRef>
-          <a:fillRef idx="1">
-            <a:schemeClr val="lt1"/>
-          </a:fillRef>
-          <a:effectRef idx="0">
-            <a:schemeClr val="dk1"/>
-          </a:effectRef>
-          <a:fontRef idx="minor">
-            <a:schemeClr val="dk1"/>
-          </a:fontRef>
-        </p:style>
-        <p:txBody>
-          <a:bodyPr rtlCol="0" anchor="ctr"/>
-          <a:lstStyle/>
-          <a:p>
-            <a:pPr algn="ctr"/>
-            <a:r>
-              <a:rPr lang="en-US" altLang="ko-KR" sz="1000"/>
-              <a:t>Loki</a:t>
-            </a:r>
-          </a:p>
-        </p:txBody>
-      </p:sp>
-      <p:sp>
-        <p:nvSpPr>
-          <p:cNvPr id="57" name="사각형: 둥근 모서리 56">
-            <a:extLst>
-              <a:ext uri="{FF2B5EF4-FFF2-40B4-BE49-F238E27FC236}">
-                <a16:creationId xmlns:a16="http://schemas.microsoft.com/office/drawing/2014/main" id="{2101D5FC-39CD-4999-AA47-7A1E9764AAE0}"/>
-              </a:ext>
-            </a:extLst>
-          </p:cNvPr>
-          <p:cNvSpPr/>
-          <p:nvPr/>
-        </p:nvSpPr>
-        <p:spPr>
-          <a:xfrm>
-            <a:off x="1404848" y="3511321"/>
-            <a:ext cx="960146" cy="363838"/>
-          </a:xfrm>
-          <a:prstGeom prst="roundRect">
-            <a:avLst>
-              <a:gd name="adj" fmla="val 15232"/>
-            </a:avLst>
-          </a:prstGeom>
-          <a:ln w="19050"/>
-        </p:spPr>
-        <p:style>
-          <a:lnRef idx="2">
-            <a:schemeClr val="dk1"/>
-          </a:lnRef>
-          <a:fillRef idx="1">
-            <a:schemeClr val="lt1"/>
-          </a:fillRef>
-          <a:effectRef idx="0">
-            <a:schemeClr val="dk1"/>
-          </a:effectRef>
-          <a:fontRef idx="minor">
-            <a:schemeClr val="dk1"/>
-          </a:fontRef>
-        </p:style>
-        <p:txBody>
-          <a:bodyPr rtlCol="0" anchor="ctr"/>
-          <a:lstStyle/>
-          <a:p>
-            <a:pPr algn="ctr"/>
-            <a:r>
-              <a:rPr lang="en-US" altLang="ko-KR" sz="1000"/>
-              <a:t>Fluentd</a:t>
-            </a:r>
-          </a:p>
-        </p:txBody>
-      </p:sp>
-      <p:sp>
-        <p:nvSpPr>
-          <p:cNvPr id="58" name="사각형: 둥근 모서리 57">
-            <a:extLst>
-              <a:ext uri="{FF2B5EF4-FFF2-40B4-BE49-F238E27FC236}">
-                <a16:creationId xmlns:a16="http://schemas.microsoft.com/office/drawing/2014/main" id="{7D746446-4088-4D62-9CE3-5DF1DF1623C2}"/>
-              </a:ext>
-            </a:extLst>
-          </p:cNvPr>
-          <p:cNvSpPr/>
-          <p:nvPr/>
-        </p:nvSpPr>
-        <p:spPr>
-          <a:xfrm>
-            <a:off x="2601082" y="1887264"/>
-            <a:ext cx="2570714" cy="568021"/>
-          </a:xfrm>
-          <a:prstGeom prst="roundRect">
-            <a:avLst>
-              <a:gd name="adj" fmla="val 12037"/>
-            </a:avLst>
-          </a:prstGeom>
-          <a:noFill/>
-          <a:ln w="12700">
-            <a:prstDash val="dash"/>
-          </a:ln>
-        </p:spPr>
-        <p:style>
-          <a:lnRef idx="2">
-            <a:schemeClr val="dk1"/>
-          </a:lnRef>
-          <a:fillRef idx="1">
-            <a:schemeClr val="lt1"/>
-          </a:fillRef>
-          <a:effectRef idx="0">
-            <a:schemeClr val="dk1"/>
-          </a:effectRef>
-          <a:fontRef idx="minor">
-            <a:schemeClr val="dk1"/>
-          </a:fontRef>
-        </p:style>
-        <p:txBody>
-          <a:bodyPr rtlCol="0" anchor="ctr"/>
-          <a:lstStyle/>
-          <a:p>
-            <a:r>
-              <a:rPr lang="en-US" altLang="ko-KR" sz="1100" b="1"/>
-              <a:t>Service Mesh,</a:t>
-            </a:r>
-          </a:p>
-          <a:p>
-            <a:r>
-              <a:rPr lang="en-US" altLang="ko-KR" sz="1100" b="1"/>
-              <a:t>Trace</a:t>
-            </a:r>
-          </a:p>
-        </p:txBody>
-      </p:sp>
-      <p:sp>
-        <p:nvSpPr>
-          <p:cNvPr id="59" name="사각형: 둥근 모서리 58">
-            <a:extLst>
-              <a:ext uri="{FF2B5EF4-FFF2-40B4-BE49-F238E27FC236}">
-                <a16:creationId xmlns:a16="http://schemas.microsoft.com/office/drawing/2014/main" id="{7C69D786-4A09-430F-9232-6DF1C86E2EAC}"/>
-              </a:ext>
-            </a:extLst>
-          </p:cNvPr>
-          <p:cNvSpPr/>
-          <p:nvPr/>
-        </p:nvSpPr>
-        <p:spPr>
-          <a:xfrm>
-            <a:off x="3691547" y="1989355"/>
-            <a:ext cx="1398146" cy="363838"/>
-          </a:xfrm>
-          <a:prstGeom prst="roundRect">
-            <a:avLst>
-              <a:gd name="adj" fmla="val 15232"/>
-            </a:avLst>
-          </a:prstGeom>
-          <a:ln w="19050"/>
-        </p:spPr>
-        <p:style>
-          <a:lnRef idx="2">
-            <a:schemeClr val="dk1"/>
-          </a:lnRef>
-          <a:fillRef idx="1">
-            <a:schemeClr val="lt1"/>
-          </a:fillRef>
-          <a:effectRef idx="0">
-            <a:schemeClr val="dk1"/>
-          </a:effectRef>
-          <a:fontRef idx="minor">
-            <a:schemeClr val="dk1"/>
-          </a:fontRef>
-        </p:style>
-        <p:txBody>
-          <a:bodyPr rtlCol="0" anchor="ctr"/>
-          <a:lstStyle/>
-          <a:p>
-            <a:pPr algn="ctr"/>
-            <a:r>
-              <a:rPr lang="en-US" altLang="ko-KR" sz="1000"/>
-              <a:t>Istio</a:t>
-            </a:r>
-          </a:p>
-        </p:txBody>
-      </p:sp>
-      <p:sp>
-        <p:nvSpPr>
-          <p:cNvPr id="60" name="사각형: 둥근 모서리 59">
-            <a:extLst>
-              <a:ext uri="{FF2B5EF4-FFF2-40B4-BE49-F238E27FC236}">
-                <a16:creationId xmlns:a16="http://schemas.microsoft.com/office/drawing/2014/main" id="{A7BF6A58-B5D7-448C-885F-5717A6646141}"/>
-              </a:ext>
-            </a:extLst>
-          </p:cNvPr>
-          <p:cNvSpPr/>
-          <p:nvPr/>
-        </p:nvSpPr>
-        <p:spPr>
-          <a:xfrm>
-            <a:off x="2601082" y="3404273"/>
-            <a:ext cx="2901526" cy="568021"/>
-          </a:xfrm>
-          <a:prstGeom prst="roundRect">
-            <a:avLst>
-              <a:gd name="adj" fmla="val 8683"/>
-            </a:avLst>
-          </a:prstGeom>
-          <a:noFill/>
-          <a:ln w="12700">
-            <a:prstDash val="dash"/>
-          </a:ln>
-        </p:spPr>
-        <p:style>
-          <a:lnRef idx="2">
-            <a:schemeClr val="dk1"/>
-          </a:lnRef>
-          <a:fillRef idx="1">
-            <a:schemeClr val="lt1"/>
-          </a:fillRef>
-          <a:effectRef idx="0">
-            <a:schemeClr val="dk1"/>
-          </a:effectRef>
-          <a:fontRef idx="minor">
-            <a:schemeClr val="dk1"/>
-          </a:fontRef>
-        </p:style>
-        <p:txBody>
-          <a:bodyPr rtlCol="0" anchor="ctr"/>
-          <a:lstStyle/>
-          <a:p>
-            <a:r>
-              <a:rPr lang="en-US" altLang="ko-KR" sz="1100" b="1"/>
-              <a:t>Network, </a:t>
-            </a:r>
-          </a:p>
-          <a:p>
-            <a:r>
-              <a:rPr lang="en-US" altLang="ko-KR" sz="1100" b="1"/>
-              <a:t>Load Balancer</a:t>
-            </a:r>
-          </a:p>
-        </p:txBody>
-      </p:sp>
-      <p:sp>
-        <p:nvSpPr>
-          <p:cNvPr id="61" name="사각형: 둥근 모서리 60">
-            <a:extLst>
-              <a:ext uri="{FF2B5EF4-FFF2-40B4-BE49-F238E27FC236}">
-                <a16:creationId xmlns:a16="http://schemas.microsoft.com/office/drawing/2014/main" id="{2AD6E762-357A-4E46-BBED-2AC08830B790}"/>
-              </a:ext>
-            </a:extLst>
-          </p:cNvPr>
-          <p:cNvSpPr/>
-          <p:nvPr/>
-        </p:nvSpPr>
-        <p:spPr>
-          <a:xfrm>
-            <a:off x="3691546" y="3506364"/>
-            <a:ext cx="792088" cy="363838"/>
-          </a:xfrm>
-          <a:prstGeom prst="roundRect">
-            <a:avLst>
-              <a:gd name="adj" fmla="val 15232"/>
-            </a:avLst>
-          </a:prstGeom>
-          <a:ln w="19050"/>
-        </p:spPr>
-        <p:style>
-          <a:lnRef idx="2">
-            <a:schemeClr val="dk1"/>
-          </a:lnRef>
-          <a:fillRef idx="1">
-            <a:schemeClr val="lt1"/>
-          </a:fillRef>
-          <a:effectRef idx="0">
-            <a:schemeClr val="dk1"/>
-          </a:effectRef>
-          <a:fontRef idx="minor">
-            <a:schemeClr val="dk1"/>
-          </a:fontRef>
-        </p:style>
-        <p:txBody>
-          <a:bodyPr rtlCol="0" anchor="ctr"/>
-          <a:lstStyle/>
-          <a:p>
-            <a:pPr algn="ctr"/>
-            <a:r>
-              <a:rPr lang="en-US" altLang="ko-KR" sz="1000"/>
-              <a:t>AWS </a:t>
-            </a:r>
-            <a:br>
-              <a:rPr lang="en-US" altLang="ko-KR" sz="1000"/>
-            </a:br>
-            <a:r>
-              <a:rPr lang="en-US" altLang="ko-KR" sz="1000"/>
-              <a:t>VPC CNI</a:t>
-            </a:r>
-          </a:p>
-        </p:txBody>
-      </p:sp>
-      <p:sp>
-        <p:nvSpPr>
-          <p:cNvPr id="62" name="사각형: 둥근 모서리 61">
-            <a:extLst>
-              <a:ext uri="{FF2B5EF4-FFF2-40B4-BE49-F238E27FC236}">
-                <a16:creationId xmlns:a16="http://schemas.microsoft.com/office/drawing/2014/main" id="{ACA553A0-C8D0-48AD-815E-85B73CFED116}"/>
-              </a:ext>
-            </a:extLst>
-          </p:cNvPr>
-          <p:cNvSpPr/>
-          <p:nvPr/>
-        </p:nvSpPr>
-        <p:spPr>
-          <a:xfrm>
-            <a:off x="4616848" y="3506364"/>
-            <a:ext cx="792088" cy="363838"/>
-          </a:xfrm>
-          <a:prstGeom prst="roundRect">
-            <a:avLst>
-              <a:gd name="adj" fmla="val 15232"/>
-            </a:avLst>
-          </a:prstGeom>
-          <a:ln w="19050"/>
-        </p:spPr>
-        <p:style>
-          <a:lnRef idx="2">
-            <a:schemeClr val="dk1"/>
-          </a:lnRef>
-          <a:fillRef idx="1">
-            <a:schemeClr val="lt1"/>
-          </a:fillRef>
-          <a:effectRef idx="0">
-            <a:schemeClr val="dk1"/>
-          </a:effectRef>
-          <a:fontRef idx="minor">
-            <a:schemeClr val="dk1"/>
-          </a:fontRef>
-        </p:style>
-        <p:txBody>
-          <a:bodyPr rtlCol="0" anchor="ctr"/>
-          <a:lstStyle/>
-          <a:p>
-            <a:pPr algn="ctr"/>
-            <a:r>
-              <a:rPr lang="en-US" altLang="ko-KR" sz="1000"/>
-              <a:t>AWS ELB</a:t>
-            </a:r>
-          </a:p>
-        </p:txBody>
-      </p:sp>
-      <p:sp>
-        <p:nvSpPr>
-          <p:cNvPr id="63" name="사각형: 둥근 모서리 62">
-            <a:extLst>
-              <a:ext uri="{FF2B5EF4-FFF2-40B4-BE49-F238E27FC236}">
-                <a16:creationId xmlns:a16="http://schemas.microsoft.com/office/drawing/2014/main" id="{DC4D8B93-BC02-4666-B0AC-3AAF949FA0BE}"/>
-              </a:ext>
-            </a:extLst>
-          </p:cNvPr>
-          <p:cNvSpPr/>
-          <p:nvPr/>
-        </p:nvSpPr>
-        <p:spPr>
-          <a:xfrm>
-            <a:off x="5652766" y="3404273"/>
-            <a:ext cx="2082089" cy="568021"/>
-          </a:xfrm>
-          <a:prstGeom prst="roundRect">
-            <a:avLst>
-              <a:gd name="adj" fmla="val 10919"/>
-            </a:avLst>
-          </a:prstGeom>
-          <a:noFill/>
-          <a:ln w="12700">
-            <a:prstDash val="dash"/>
-          </a:ln>
-        </p:spPr>
-        <p:style>
-          <a:lnRef idx="2">
-            <a:schemeClr val="dk1"/>
-          </a:lnRef>
-          <a:fillRef idx="1">
-            <a:schemeClr val="lt1"/>
-          </a:fillRef>
-          <a:effectRef idx="0">
-            <a:schemeClr val="dk1"/>
-          </a:effectRef>
-          <a:fontRef idx="minor">
-            <a:schemeClr val="dk1"/>
-          </a:fontRef>
-        </p:style>
-        <p:txBody>
-          <a:bodyPr rtlCol="0" anchor="ctr"/>
-          <a:lstStyle/>
-          <a:p>
-            <a:r>
-              <a:rPr lang="en-US" altLang="ko-KR" sz="1100" b="1"/>
-              <a:t>Storage</a:t>
-            </a:r>
-          </a:p>
-        </p:txBody>
-      </p:sp>
-      <p:sp>
-        <p:nvSpPr>
-          <p:cNvPr id="64" name="사각형: 둥근 모서리 63">
-            <a:extLst>
-              <a:ext uri="{FF2B5EF4-FFF2-40B4-BE49-F238E27FC236}">
-                <a16:creationId xmlns:a16="http://schemas.microsoft.com/office/drawing/2014/main" id="{1026B2EC-0043-4B74-BE8F-01F697BE955A}"/>
-              </a:ext>
-            </a:extLst>
-          </p:cNvPr>
-          <p:cNvSpPr/>
-          <p:nvPr/>
-        </p:nvSpPr>
-        <p:spPr>
-          <a:xfrm>
-            <a:off x="6376415" y="3512536"/>
-            <a:ext cx="1224362" cy="363838"/>
-          </a:xfrm>
-          <a:prstGeom prst="roundRect">
-            <a:avLst>
-              <a:gd name="adj" fmla="val 15232"/>
-            </a:avLst>
-          </a:prstGeom>
-          <a:ln w="19050"/>
-        </p:spPr>
-        <p:style>
-          <a:lnRef idx="2">
-            <a:schemeClr val="dk1"/>
-          </a:lnRef>
-          <a:fillRef idx="1">
-            <a:schemeClr val="lt1"/>
-          </a:fillRef>
-          <a:effectRef idx="0">
-            <a:schemeClr val="dk1"/>
-          </a:effectRef>
-          <a:fontRef idx="minor">
-            <a:schemeClr val="dk1"/>
-          </a:fontRef>
-        </p:style>
-        <p:txBody>
-          <a:bodyPr rtlCol="0" anchor="ctr"/>
-          <a:lstStyle/>
-          <a:p>
-            <a:pPr algn="ctr"/>
-            <a:r>
-              <a:rPr lang="en-US" altLang="ko-KR" sz="1000"/>
-              <a:t>AWS EBS</a:t>
-            </a:r>
-          </a:p>
-        </p:txBody>
-      </p:sp>
-      <p:sp>
-        <p:nvSpPr>
-          <p:cNvPr id="65" name="사각형: 둥근 모서리 64">
-            <a:extLst>
-              <a:ext uri="{FF2B5EF4-FFF2-40B4-BE49-F238E27FC236}">
-                <a16:creationId xmlns:a16="http://schemas.microsoft.com/office/drawing/2014/main" id="{8C1A2750-F5EC-4E1B-939E-67A7CA0B39A0}"/>
-              </a:ext>
-            </a:extLst>
-          </p:cNvPr>
-          <p:cNvSpPr/>
-          <p:nvPr/>
-        </p:nvSpPr>
-        <p:spPr>
-          <a:xfrm>
-            <a:off x="7860609" y="2541776"/>
-            <a:ext cx="1217090" cy="363838"/>
-          </a:xfrm>
-          <a:prstGeom prst="roundRect">
-            <a:avLst>
-              <a:gd name="adj" fmla="val 15232"/>
-            </a:avLst>
-          </a:prstGeom>
-          <a:ln w="19050"/>
-        </p:spPr>
-        <p:style>
-          <a:lnRef idx="2">
-            <a:schemeClr val="dk1"/>
-          </a:lnRef>
-          <a:fillRef idx="1">
-            <a:schemeClr val="lt1"/>
-          </a:fillRef>
-          <a:effectRef idx="0">
-            <a:schemeClr val="dk1"/>
-          </a:effectRef>
-          <a:fontRef idx="minor">
-            <a:schemeClr val="dk1"/>
-          </a:fontRef>
-        </p:style>
-        <p:txBody>
-          <a:bodyPr rtlCol="0" anchor="ctr"/>
-          <a:lstStyle/>
-          <a:p>
-            <a:pPr algn="ctr"/>
-            <a:r>
-              <a:rPr lang="en-US" altLang="ko-KR" sz="1100" b="1"/>
-              <a:t>Github</a:t>
-            </a:r>
-          </a:p>
-        </p:txBody>
-      </p:sp>
-      <p:sp>
-        <p:nvSpPr>
-          <p:cNvPr id="66" name="사각형: 둥근 모서리 65">
-            <a:extLst>
-              <a:ext uri="{FF2B5EF4-FFF2-40B4-BE49-F238E27FC236}">
-                <a16:creationId xmlns:a16="http://schemas.microsoft.com/office/drawing/2014/main" id="{F26B7428-78D3-4560-819D-1A21B521AB17}"/>
-              </a:ext>
-            </a:extLst>
-          </p:cNvPr>
-          <p:cNvSpPr/>
-          <p:nvPr/>
-        </p:nvSpPr>
-        <p:spPr>
-          <a:xfrm>
-            <a:off x="2601082" y="1126092"/>
-            <a:ext cx="5133774" cy="568021"/>
-          </a:xfrm>
-          <a:prstGeom prst="roundRect">
-            <a:avLst>
-              <a:gd name="adj" fmla="val 12037"/>
-            </a:avLst>
-          </a:prstGeom>
-          <a:noFill/>
-          <a:ln w="12700">
-            <a:prstDash val="dash"/>
-          </a:ln>
-        </p:spPr>
-        <p:style>
-          <a:lnRef idx="2">
-            <a:schemeClr val="dk1"/>
-          </a:lnRef>
-          <a:fillRef idx="1">
-            <a:schemeClr val="lt1"/>
-          </a:fillRef>
-          <a:effectRef idx="0">
-            <a:schemeClr val="dk1"/>
-          </a:effectRef>
-          <a:fontRef idx="minor">
-            <a:schemeClr val="dk1"/>
-          </a:fontRef>
-        </p:style>
-        <p:txBody>
-          <a:bodyPr rtlCol="0" anchor="ctr"/>
-          <a:lstStyle/>
-          <a:p>
-            <a:r>
-              <a:rPr lang="en-US" altLang="ko-KR" sz="1100" b="1"/>
-              <a:t>Services</a:t>
-            </a:r>
-          </a:p>
-        </p:txBody>
-      </p:sp>
-      <p:sp>
-        <p:nvSpPr>
-          <p:cNvPr id="67" name="사각형: 둥근 모서리 66">
-            <a:extLst>
-              <a:ext uri="{FF2B5EF4-FFF2-40B4-BE49-F238E27FC236}">
-                <a16:creationId xmlns:a16="http://schemas.microsoft.com/office/drawing/2014/main" id="{23C4E96A-7668-4F5F-AEB7-81E66E4D1208}"/>
-              </a:ext>
-            </a:extLst>
-          </p:cNvPr>
-          <p:cNvSpPr/>
-          <p:nvPr/>
-        </p:nvSpPr>
-        <p:spPr>
-          <a:xfrm>
-            <a:off x="3932254" y="1228183"/>
-            <a:ext cx="504056" cy="363838"/>
-          </a:xfrm>
-          <a:prstGeom prst="roundRect">
-            <a:avLst>
-              <a:gd name="adj" fmla="val 15232"/>
-            </a:avLst>
-          </a:prstGeom>
-          <a:ln w="19050"/>
-        </p:spPr>
-        <p:style>
-          <a:lnRef idx="2">
-            <a:schemeClr val="dk1"/>
-          </a:lnRef>
-          <a:fillRef idx="1">
-            <a:schemeClr val="lt1"/>
-          </a:fillRef>
-          <a:effectRef idx="0">
-            <a:schemeClr val="dk1"/>
-          </a:effectRef>
-          <a:fontRef idx="minor">
-            <a:schemeClr val="dk1"/>
-          </a:fontRef>
-        </p:style>
-        <p:txBody>
-          <a:bodyPr rtlCol="0" anchor="ctr"/>
-          <a:lstStyle/>
-          <a:p>
-            <a:pPr algn="ctr"/>
-            <a:r>
-              <a:rPr lang="en-US" altLang="ko-KR" sz="1000"/>
-              <a:t>Web</a:t>
-            </a:r>
-          </a:p>
-        </p:txBody>
-      </p:sp>
-      <p:sp>
-        <p:nvSpPr>
-          <p:cNvPr id="68" name="사각형: 둥근 모서리 67">
-            <a:extLst>
-              <a:ext uri="{FF2B5EF4-FFF2-40B4-BE49-F238E27FC236}">
-                <a16:creationId xmlns:a16="http://schemas.microsoft.com/office/drawing/2014/main" id="{B6149686-F921-46D3-8BFA-292F3EE1F948}"/>
-              </a:ext>
-            </a:extLst>
-          </p:cNvPr>
-          <p:cNvSpPr/>
-          <p:nvPr/>
-        </p:nvSpPr>
-        <p:spPr>
-          <a:xfrm>
-            <a:off x="4549275" y="1228183"/>
-            <a:ext cx="504056" cy="363838"/>
-          </a:xfrm>
-          <a:prstGeom prst="roundRect">
-            <a:avLst>
-              <a:gd name="adj" fmla="val 15232"/>
-            </a:avLst>
-          </a:prstGeom>
-          <a:ln w="19050"/>
-        </p:spPr>
-        <p:style>
-          <a:lnRef idx="2">
-            <a:schemeClr val="dk1"/>
-          </a:lnRef>
-          <a:fillRef idx="1">
-            <a:schemeClr val="lt1"/>
-          </a:fillRef>
-          <a:effectRef idx="0">
-            <a:schemeClr val="dk1"/>
-          </a:effectRef>
-          <a:fontRef idx="minor">
-            <a:schemeClr val="dk1"/>
-          </a:fontRef>
-        </p:style>
-        <p:txBody>
-          <a:bodyPr rtlCol="0" anchor="ctr"/>
-          <a:lstStyle/>
-          <a:p>
-            <a:pPr algn="ctr"/>
-            <a:r>
-              <a:rPr lang="en-US" altLang="ko-KR" sz="1000"/>
-              <a:t>Auth</a:t>
-            </a:r>
-          </a:p>
-        </p:txBody>
-      </p:sp>
-      <p:sp>
-        <p:nvSpPr>
-          <p:cNvPr id="69" name="사각형: 둥근 모서리 68">
-            <a:extLst>
-              <a:ext uri="{FF2B5EF4-FFF2-40B4-BE49-F238E27FC236}">
-                <a16:creationId xmlns:a16="http://schemas.microsoft.com/office/drawing/2014/main" id="{584E4FF2-9A4B-4E74-8EC8-D7F52DE2181F}"/>
-              </a:ext>
-            </a:extLst>
-          </p:cNvPr>
-          <p:cNvSpPr/>
-          <p:nvPr/>
-        </p:nvSpPr>
-        <p:spPr>
-          <a:xfrm>
-            <a:off x="5171796" y="1228183"/>
-            <a:ext cx="589914" cy="363838"/>
-          </a:xfrm>
-          <a:prstGeom prst="roundRect">
-            <a:avLst>
-              <a:gd name="adj" fmla="val 15232"/>
-            </a:avLst>
-          </a:prstGeom>
-          <a:ln w="19050"/>
-        </p:spPr>
-        <p:style>
-          <a:lnRef idx="2">
-            <a:schemeClr val="dk1"/>
-          </a:lnRef>
-          <a:fillRef idx="1">
-            <a:schemeClr val="lt1"/>
-          </a:fillRef>
-          <a:effectRef idx="0">
-            <a:schemeClr val="dk1"/>
-          </a:effectRef>
-          <a:fontRef idx="minor">
-            <a:schemeClr val="dk1"/>
-          </a:fontRef>
-        </p:style>
-        <p:txBody>
-          <a:bodyPr rtlCol="0" anchor="ctr"/>
-          <a:lstStyle/>
-          <a:p>
-            <a:pPr algn="ctr"/>
-            <a:r>
-              <a:rPr lang="en-US" altLang="ko-KR" sz="1000"/>
-              <a:t>Store</a:t>
-            </a:r>
-          </a:p>
-        </p:txBody>
-      </p:sp>
-      <p:sp>
-        <p:nvSpPr>
-          <p:cNvPr id="70" name="사각형: 둥근 모서리 69">
-            <a:extLst>
-              <a:ext uri="{FF2B5EF4-FFF2-40B4-BE49-F238E27FC236}">
-                <a16:creationId xmlns:a16="http://schemas.microsoft.com/office/drawing/2014/main" id="{43C9362A-DF78-4074-AA72-A32D59D5E080}"/>
-              </a:ext>
-            </a:extLst>
-          </p:cNvPr>
-          <p:cNvSpPr/>
-          <p:nvPr/>
-        </p:nvSpPr>
-        <p:spPr>
-          <a:xfrm>
-            <a:off x="5880175" y="1228183"/>
-            <a:ext cx="589914" cy="363838"/>
-          </a:xfrm>
-          <a:prstGeom prst="roundRect">
-            <a:avLst>
-              <a:gd name="adj" fmla="val 15232"/>
-            </a:avLst>
-          </a:prstGeom>
-          <a:ln w="19050"/>
-        </p:spPr>
-        <p:style>
-          <a:lnRef idx="2">
-            <a:schemeClr val="dk1"/>
-          </a:lnRef>
-          <a:fillRef idx="1">
-            <a:schemeClr val="lt1"/>
-          </a:fillRef>
-          <a:effectRef idx="0">
-            <a:schemeClr val="dk1"/>
-          </a:effectRef>
-          <a:fontRef idx="minor">
-            <a:schemeClr val="dk1"/>
-          </a:fontRef>
-        </p:style>
-        <p:txBody>
-          <a:bodyPr rtlCol="0" anchor="ctr"/>
-          <a:lstStyle/>
-          <a:p>
-            <a:pPr algn="ctr"/>
-            <a:r>
-              <a:rPr lang="en-US" altLang="ko-KR" sz="1000"/>
-              <a:t>Order</a:t>
-            </a:r>
-          </a:p>
-        </p:txBody>
-      </p:sp>
-      <p:sp>
-        <p:nvSpPr>
-          <p:cNvPr id="71" name="사각형: 둥근 모서리 70">
-            <a:extLst>
-              <a:ext uri="{FF2B5EF4-FFF2-40B4-BE49-F238E27FC236}">
-                <a16:creationId xmlns:a16="http://schemas.microsoft.com/office/drawing/2014/main" id="{4778FB68-88F8-4A89-90D7-4B8C52C2965E}"/>
-              </a:ext>
-            </a:extLst>
-          </p:cNvPr>
-          <p:cNvSpPr/>
-          <p:nvPr/>
-        </p:nvSpPr>
-        <p:spPr>
-          <a:xfrm>
-            <a:off x="6588554" y="1228183"/>
-            <a:ext cx="800084" cy="363838"/>
-          </a:xfrm>
-          <a:prstGeom prst="roundRect">
-            <a:avLst>
-              <a:gd name="adj" fmla="val 15232"/>
-            </a:avLst>
-          </a:prstGeom>
-          <a:ln w="19050"/>
-        </p:spPr>
-        <p:style>
-          <a:lnRef idx="2">
-            <a:schemeClr val="dk1"/>
-          </a:lnRef>
-          <a:fillRef idx="1">
-            <a:schemeClr val="lt1"/>
-          </a:fillRef>
-          <a:effectRef idx="0">
-            <a:schemeClr val="dk1"/>
-          </a:effectRef>
-          <a:fontRef idx="minor">
-            <a:schemeClr val="dk1"/>
-          </a:fontRef>
-        </p:style>
-        <p:txBody>
-          <a:bodyPr rtlCol="0" anchor="ctr"/>
-          <a:lstStyle/>
-          <a:p>
-            <a:pPr algn="ctr"/>
-            <a:r>
-              <a:rPr lang="en-US" altLang="ko-KR" sz="1000"/>
-              <a:t>Payment</a:t>
-            </a:r>
-          </a:p>
-        </p:txBody>
-      </p:sp>
-      <p:sp>
-        <p:nvSpPr>
-          <p:cNvPr id="74" name="사각형: 둥근 모서리 73">
-            <a:extLst>
-              <a:ext uri="{FF2B5EF4-FFF2-40B4-BE49-F238E27FC236}">
-                <a16:creationId xmlns:a16="http://schemas.microsoft.com/office/drawing/2014/main" id="{EA919948-B87C-49E2-AE16-098BC8F3D191}"/>
-              </a:ext>
-            </a:extLst>
-          </p:cNvPr>
-          <p:cNvSpPr/>
-          <p:nvPr/>
-        </p:nvSpPr>
-        <p:spPr>
-          <a:xfrm>
-            <a:off x="5202192" y="2745192"/>
-            <a:ext cx="722097" cy="363838"/>
-          </a:xfrm>
-          <a:prstGeom prst="roundRect">
-            <a:avLst>
-              <a:gd name="adj" fmla="val 15232"/>
-            </a:avLst>
-          </a:prstGeom>
-          <a:ln w="19050"/>
-        </p:spPr>
-        <p:style>
-          <a:lnRef idx="2">
-            <a:schemeClr val="dk1"/>
-          </a:lnRef>
-          <a:fillRef idx="1">
-            <a:schemeClr val="lt1"/>
-          </a:fillRef>
-          <a:effectRef idx="0">
-            <a:schemeClr val="dk1"/>
-          </a:effectRef>
-          <a:fontRef idx="minor">
-            <a:schemeClr val="dk1"/>
-          </a:fontRef>
-        </p:style>
-        <p:txBody>
-          <a:bodyPr rtlCol="0" anchor="ctr"/>
-          <a:lstStyle/>
-          <a:p>
-            <a:pPr algn="ctr"/>
-            <a:r>
-              <a:rPr lang="en-US" altLang="ko-KR" sz="1000"/>
-              <a:t>Redis</a:t>
-            </a:r>
-          </a:p>
-        </p:txBody>
-      </p:sp>
-      <p:sp>
-        <p:nvSpPr>
-          <p:cNvPr id="75" name="사각형: 둥근 모서리 74">
-            <a:extLst>
-              <a:ext uri="{FF2B5EF4-FFF2-40B4-BE49-F238E27FC236}">
-                <a16:creationId xmlns:a16="http://schemas.microsoft.com/office/drawing/2014/main" id="{42AD184E-4D6C-402F-8F70-398F03E52A28}"/>
-              </a:ext>
-            </a:extLst>
-          </p:cNvPr>
-          <p:cNvSpPr/>
-          <p:nvPr/>
-        </p:nvSpPr>
-        <p:spPr>
-          <a:xfrm>
-            <a:off x="72651" y="2212001"/>
-            <a:ext cx="1096920" cy="1754692"/>
-          </a:xfrm>
-          <a:prstGeom prst="roundRect">
-            <a:avLst>
-              <a:gd name="adj" fmla="val 5707"/>
-            </a:avLst>
-          </a:prstGeom>
-          <a:noFill/>
-          <a:ln w="12700">
-            <a:prstDash val="dash"/>
-          </a:ln>
-        </p:spPr>
-        <p:style>
-          <a:lnRef idx="2">
-            <a:schemeClr val="dk1"/>
-          </a:lnRef>
-          <a:fillRef idx="1">
-            <a:schemeClr val="lt1"/>
-          </a:fillRef>
-          <a:effectRef idx="0">
-            <a:schemeClr val="dk1"/>
-          </a:effectRef>
-          <a:fontRef idx="minor">
-            <a:schemeClr val="dk1"/>
-          </a:fontRef>
-        </p:style>
-        <p:txBody>
-          <a:bodyPr rtlCol="0" anchor="t"/>
-          <a:lstStyle/>
-          <a:p>
-            <a:pPr algn="ctr"/>
-            <a:r>
-              <a:rPr lang="en-US" altLang="ko-KR" sz="1100" b="1"/>
-              <a:t>Metric</a:t>
-            </a:r>
-          </a:p>
-        </p:txBody>
-      </p:sp>
-      <p:sp>
-        <p:nvSpPr>
-          <p:cNvPr id="76" name="사각형: 둥근 모서리 75">
-            <a:extLst>
-              <a:ext uri="{FF2B5EF4-FFF2-40B4-BE49-F238E27FC236}">
-                <a16:creationId xmlns:a16="http://schemas.microsoft.com/office/drawing/2014/main" id="{C288B123-B73D-4003-A0AA-FDB731C687D3}"/>
-              </a:ext>
-            </a:extLst>
-          </p:cNvPr>
-          <p:cNvSpPr/>
-          <p:nvPr/>
-        </p:nvSpPr>
-        <p:spPr>
-          <a:xfrm>
-            <a:off x="1313169" y="2212001"/>
-            <a:ext cx="1143504" cy="1754692"/>
-          </a:xfrm>
-          <a:prstGeom prst="roundRect">
-            <a:avLst>
-              <a:gd name="adj" fmla="val 5707"/>
-            </a:avLst>
-          </a:prstGeom>
-          <a:noFill/>
-          <a:ln w="12700">
-            <a:prstDash val="dash"/>
-          </a:ln>
-        </p:spPr>
-        <p:style>
-          <a:lnRef idx="2">
-            <a:schemeClr val="dk1"/>
-          </a:lnRef>
-          <a:fillRef idx="1">
-            <a:schemeClr val="lt1"/>
-          </a:fillRef>
-          <a:effectRef idx="0">
-            <a:schemeClr val="dk1"/>
-          </a:effectRef>
-          <a:fontRef idx="minor">
-            <a:schemeClr val="dk1"/>
-          </a:fontRef>
-        </p:style>
-        <p:txBody>
-          <a:bodyPr rtlCol="0" anchor="t"/>
-          <a:lstStyle/>
-          <a:p>
-            <a:pPr algn="ctr"/>
-            <a:r>
-              <a:rPr lang="en-US" altLang="ko-KR" sz="1100" b="1"/>
-              <a:t>Log</a:t>
-            </a:r>
-          </a:p>
-        </p:txBody>
-      </p:sp>
-      <p:sp>
-        <p:nvSpPr>
-          <p:cNvPr id="77" name="사각형: 둥근 모서리 76">
-            <a:extLst>
-              <a:ext uri="{FF2B5EF4-FFF2-40B4-BE49-F238E27FC236}">
-                <a16:creationId xmlns:a16="http://schemas.microsoft.com/office/drawing/2014/main" id="{AAB33B38-C090-417D-AE88-523EAEE7EBB1}"/>
-              </a:ext>
-            </a:extLst>
-          </p:cNvPr>
-          <p:cNvSpPr/>
-          <p:nvPr/>
-        </p:nvSpPr>
-        <p:spPr>
-          <a:xfrm>
-            <a:off x="5316204" y="1887264"/>
-            <a:ext cx="2418651" cy="568021"/>
-          </a:xfrm>
-          <a:prstGeom prst="roundRect">
-            <a:avLst>
-              <a:gd name="adj" fmla="val 12037"/>
-            </a:avLst>
-          </a:prstGeom>
-          <a:noFill/>
-          <a:ln w="12700">
-            <a:prstDash val="dash"/>
-          </a:ln>
-        </p:spPr>
-        <p:style>
-          <a:lnRef idx="2">
-            <a:schemeClr val="dk1"/>
-          </a:lnRef>
-          <a:fillRef idx="1">
-            <a:schemeClr val="lt1"/>
-          </a:fillRef>
-          <a:effectRef idx="0">
-            <a:schemeClr val="dk1"/>
-          </a:effectRef>
-          <a:fontRef idx="minor">
-            <a:schemeClr val="dk1"/>
-          </a:fontRef>
-        </p:style>
-        <p:txBody>
-          <a:bodyPr rtlCol="0" anchor="ctr"/>
-          <a:lstStyle/>
-          <a:p>
-            <a:r>
-              <a:rPr lang="en-US" altLang="ko-KR" sz="1100" b="1"/>
-              <a:t>CD</a:t>
-            </a:r>
-          </a:p>
-        </p:txBody>
-      </p:sp>
-      <p:sp>
-        <p:nvSpPr>
-          <p:cNvPr id="78" name="사각형: 둥근 모서리 77">
-            <a:extLst>
-              <a:ext uri="{FF2B5EF4-FFF2-40B4-BE49-F238E27FC236}">
-                <a16:creationId xmlns:a16="http://schemas.microsoft.com/office/drawing/2014/main" id="{98AB12F5-920B-48F3-92C7-66D37AFEED93}"/>
-              </a:ext>
-            </a:extLst>
-          </p:cNvPr>
-          <p:cNvSpPr/>
-          <p:nvPr/>
-        </p:nvSpPr>
-        <p:spPr>
-          <a:xfrm>
-            <a:off x="5671037" y="1989355"/>
-            <a:ext cx="688392" cy="363838"/>
-          </a:xfrm>
-          <a:prstGeom prst="roundRect">
-            <a:avLst>
-              <a:gd name="adj" fmla="val 15232"/>
-            </a:avLst>
-          </a:prstGeom>
-          <a:ln w="19050"/>
-        </p:spPr>
-        <p:style>
-          <a:lnRef idx="2">
-            <a:schemeClr val="dk1"/>
-          </a:lnRef>
-          <a:fillRef idx="1">
-            <a:schemeClr val="lt1"/>
-          </a:fillRef>
-          <a:effectRef idx="0">
-            <a:schemeClr val="dk1"/>
-          </a:effectRef>
-          <a:fontRef idx="minor">
-            <a:schemeClr val="dk1"/>
-          </a:fontRef>
-        </p:style>
-        <p:txBody>
-          <a:bodyPr rtlCol="0" anchor="ctr"/>
-          <a:lstStyle/>
-          <a:p>
-            <a:pPr algn="ctr"/>
-            <a:r>
-              <a:rPr lang="en-US" altLang="ko-KR" sz="1000"/>
-              <a:t>ArgoCD</a:t>
-            </a:r>
-          </a:p>
-        </p:txBody>
-      </p:sp>
-      <p:sp>
-        <p:nvSpPr>
-          <p:cNvPr id="79" name="사각형: 둥근 모서리 78">
-            <a:extLst>
-              <a:ext uri="{FF2B5EF4-FFF2-40B4-BE49-F238E27FC236}">
-                <a16:creationId xmlns:a16="http://schemas.microsoft.com/office/drawing/2014/main" id="{F47455CF-4265-4F81-853B-6651CB1C88BE}"/>
-              </a:ext>
-            </a:extLst>
-          </p:cNvPr>
-          <p:cNvSpPr/>
-          <p:nvPr/>
-        </p:nvSpPr>
-        <p:spPr>
-          <a:xfrm>
-            <a:off x="6470089" y="1989355"/>
-            <a:ext cx="1142408" cy="363838"/>
-          </a:xfrm>
-          <a:prstGeom prst="roundRect">
-            <a:avLst>
-              <a:gd name="adj" fmla="val 15232"/>
-            </a:avLst>
-          </a:prstGeom>
-          <a:ln w="19050"/>
-        </p:spPr>
-        <p:style>
-          <a:lnRef idx="2">
-            <a:schemeClr val="dk1"/>
-          </a:lnRef>
-          <a:fillRef idx="1">
-            <a:schemeClr val="lt1"/>
-          </a:fillRef>
-          <a:effectRef idx="0">
-            <a:schemeClr val="dk1"/>
-          </a:effectRef>
-          <a:fontRef idx="minor">
-            <a:schemeClr val="dk1"/>
-          </a:fontRef>
-        </p:style>
-        <p:txBody>
-          <a:bodyPr rtlCol="0" anchor="ctr"/>
-          <a:lstStyle/>
-          <a:p>
-            <a:pPr algn="ctr"/>
-            <a:r>
-              <a:rPr lang="en-US" altLang="ko-KR" sz="1000"/>
-              <a:t>ArgoCD Image Updater</a:t>
-            </a:r>
-          </a:p>
-        </p:txBody>
-      </p:sp>
-      <p:sp>
-        <p:nvSpPr>
-          <p:cNvPr id="80" name="사각형: 둥근 모서리 79">
-            <a:extLst>
-              <a:ext uri="{FF2B5EF4-FFF2-40B4-BE49-F238E27FC236}">
-                <a16:creationId xmlns:a16="http://schemas.microsoft.com/office/drawing/2014/main" id="{AE498B0E-66CA-4857-AB09-451A00179BE7}"/>
-              </a:ext>
-            </a:extLst>
-          </p:cNvPr>
-          <p:cNvSpPr/>
-          <p:nvPr/>
-        </p:nvSpPr>
-        <p:spPr>
-          <a:xfrm>
-            <a:off x="7991864" y="1989355"/>
-            <a:ext cx="944174" cy="363838"/>
-          </a:xfrm>
-          <a:prstGeom prst="roundRect">
-            <a:avLst>
-              <a:gd name="adj" fmla="val 15232"/>
-            </a:avLst>
-          </a:prstGeom>
-          <a:ln w="19050"/>
-        </p:spPr>
-        <p:style>
-          <a:lnRef idx="2">
-            <a:schemeClr val="dk1"/>
-          </a:lnRef>
-          <a:fillRef idx="1">
-            <a:schemeClr val="lt1"/>
-          </a:fillRef>
-          <a:effectRef idx="0">
-            <a:schemeClr val="dk1"/>
-          </a:effectRef>
-          <a:fontRef idx="minor">
-            <a:schemeClr val="dk1"/>
-          </a:fontRef>
-        </p:style>
-        <p:txBody>
-          <a:bodyPr rtlCol="0" anchor="ctr"/>
-          <a:lstStyle/>
-          <a:p>
-            <a:pPr algn="ctr"/>
-            <a:r>
-              <a:rPr lang="en-US" altLang="ko-KR" sz="1000"/>
-              <a:t>Github </a:t>
-            </a:r>
-          </a:p>
-          <a:p>
-            <a:pPr algn="ctr"/>
-            <a:r>
-              <a:rPr lang="en-US" altLang="ko-KR" sz="1000"/>
-              <a:t>Action</a:t>
-            </a:r>
-          </a:p>
-        </p:txBody>
-      </p:sp>
-      <p:sp>
-        <p:nvSpPr>
-          <p:cNvPr id="81" name="사각형: 둥근 모서리 80">
-            <a:extLst>
-              <a:ext uri="{FF2B5EF4-FFF2-40B4-BE49-F238E27FC236}">
-                <a16:creationId xmlns:a16="http://schemas.microsoft.com/office/drawing/2014/main" id="{0DD3926B-CC5E-4954-8EB6-E97E130B96C6}"/>
-              </a:ext>
-            </a:extLst>
-          </p:cNvPr>
-          <p:cNvSpPr/>
-          <p:nvPr/>
-        </p:nvSpPr>
-        <p:spPr>
-          <a:xfrm>
-            <a:off x="7860609" y="1690889"/>
-            <a:ext cx="1206684" cy="761172"/>
-          </a:xfrm>
-          <a:prstGeom prst="roundRect">
-            <a:avLst>
-              <a:gd name="adj" fmla="val 12037"/>
-            </a:avLst>
-          </a:prstGeom>
-          <a:noFill/>
-          <a:ln w="12700">
-            <a:prstDash val="dash"/>
-          </a:ln>
-        </p:spPr>
-        <p:style>
-          <a:lnRef idx="2">
-            <a:schemeClr val="dk1"/>
-          </a:lnRef>
-          <a:fillRef idx="1">
-            <a:schemeClr val="lt1"/>
-          </a:fillRef>
-          <a:effectRef idx="0">
-            <a:schemeClr val="dk1"/>
-          </a:effectRef>
-          <a:fontRef idx="minor">
-            <a:schemeClr val="dk1"/>
-          </a:fontRef>
-        </p:style>
-        <p:txBody>
-          <a:bodyPr rtlCol="0" anchor="t"/>
-          <a:lstStyle/>
-          <a:p>
-            <a:pPr algn="ctr"/>
-            <a:r>
-              <a:rPr lang="en-US" altLang="ko-KR" sz="1100" b="1"/>
-              <a:t>CI</a:t>
-            </a:r>
-          </a:p>
-        </p:txBody>
-      </p:sp>
-    </p:spTree>
-    <p:extLst>
-      <p:ext uri="{BB962C8B-B14F-4D97-AF65-F5344CB8AC3E}">
-        <p14:creationId xmlns:p14="http://schemas.microsoft.com/office/powerpoint/2010/main" val="1105712950"/>
-      </p:ext>
-    </p:extLst>
-  </p:cSld>
-  <p:clrMapOvr>
-    <a:masterClrMapping/>
-  </p:clrMapOvr>
-</p:sld>
-</file>
-
 <file path=ppt/slides/slide4.xml><?xml version="1.0" encoding="utf-8"?>
 <p:sld xmlns:a="http://schemas.openxmlformats.org/drawingml/2006/main" xmlns:r="http://schemas.openxmlformats.org/officeDocument/2006/relationships" xmlns:p="http://schemas.openxmlformats.org/presentationml/2006/main">
   <p:cSld>
@@ -7045,6 +6984,1770 @@
             <a:pPr algn="ctr"/>
             <a:r>
               <a:rPr lang="en-US" altLang="ko-KR" sz="1100" b="1"/>
+              <a:t>AWS EKS Cluster</a:t>
+            </a:r>
+          </a:p>
+        </p:txBody>
+      </p:sp>
+      <p:sp>
+        <p:nvSpPr>
+          <p:cNvPr id="43" name="사각형: 둥근 모서리 42">
+            <a:extLst>
+              <a:ext uri="{FF2B5EF4-FFF2-40B4-BE49-F238E27FC236}">
+                <a16:creationId xmlns:a16="http://schemas.microsoft.com/office/drawing/2014/main" id="{CD00601A-DBDB-4E2C-B7DF-60E362B4D45B}"/>
+              </a:ext>
+            </a:extLst>
+          </p:cNvPr>
+          <p:cNvSpPr/>
+          <p:nvPr/>
+        </p:nvSpPr>
+        <p:spPr>
+          <a:xfrm>
+            <a:off x="3353401" y="2745193"/>
+            <a:ext cx="724628" cy="363838"/>
+          </a:xfrm>
+          <a:prstGeom prst="roundRect">
+            <a:avLst>
+              <a:gd name="adj" fmla="val 15232"/>
+            </a:avLst>
+          </a:prstGeom>
+          <a:ln w="19050"/>
+        </p:spPr>
+        <p:style>
+          <a:lnRef idx="2">
+            <a:schemeClr val="dk1"/>
+          </a:lnRef>
+          <a:fillRef idx="1">
+            <a:schemeClr val="lt1"/>
+          </a:fillRef>
+          <a:effectRef idx="0">
+            <a:schemeClr val="dk1"/>
+          </a:effectRef>
+          <a:fontRef idx="minor">
+            <a:schemeClr val="dk1"/>
+          </a:fontRef>
+        </p:style>
+        <p:txBody>
+          <a:bodyPr rtlCol="0" anchor="ctr"/>
+          <a:lstStyle/>
+          <a:p>
+            <a:pPr algn="ctr"/>
+            <a:r>
+              <a:rPr lang="en-US" altLang="ko-KR" sz="1000"/>
+              <a:t>MySQL</a:t>
+            </a:r>
+          </a:p>
+        </p:txBody>
+      </p:sp>
+      <p:sp>
+        <p:nvSpPr>
+          <p:cNvPr id="44" name="사각형: 둥근 모서리 43">
+            <a:extLst>
+              <a:ext uri="{FF2B5EF4-FFF2-40B4-BE49-F238E27FC236}">
+                <a16:creationId xmlns:a16="http://schemas.microsoft.com/office/drawing/2014/main" id="{7C76A323-75B4-4784-AADE-5469FD0EAF27}"/>
+              </a:ext>
+            </a:extLst>
+          </p:cNvPr>
+          <p:cNvSpPr/>
+          <p:nvPr/>
+        </p:nvSpPr>
+        <p:spPr>
+          <a:xfrm>
+            <a:off x="6611732" y="2740163"/>
+            <a:ext cx="724628" cy="363838"/>
+          </a:xfrm>
+          <a:prstGeom prst="roundRect">
+            <a:avLst>
+              <a:gd name="adj" fmla="val 15232"/>
+            </a:avLst>
+          </a:prstGeom>
+          <a:ln w="19050"/>
+        </p:spPr>
+        <p:style>
+          <a:lnRef idx="2">
+            <a:schemeClr val="dk1"/>
+          </a:lnRef>
+          <a:fillRef idx="1">
+            <a:schemeClr val="lt1"/>
+          </a:fillRef>
+          <a:effectRef idx="0">
+            <a:schemeClr val="dk1"/>
+          </a:effectRef>
+          <a:fontRef idx="minor">
+            <a:schemeClr val="dk1"/>
+          </a:fontRef>
+        </p:style>
+        <p:txBody>
+          <a:bodyPr rtlCol="0" anchor="ctr"/>
+          <a:lstStyle/>
+          <a:p>
+            <a:pPr algn="ctr"/>
+            <a:r>
+              <a:rPr lang="en-US" altLang="ko-KR" sz="1000"/>
+              <a:t>Kafka</a:t>
+            </a:r>
+          </a:p>
+        </p:txBody>
+      </p:sp>
+      <p:sp>
+        <p:nvSpPr>
+          <p:cNvPr id="47" name="사각형: 둥근 모서리 46">
+            <a:extLst>
+              <a:ext uri="{FF2B5EF4-FFF2-40B4-BE49-F238E27FC236}">
+                <a16:creationId xmlns:a16="http://schemas.microsoft.com/office/drawing/2014/main" id="{B602F9F6-8B75-4FEE-A862-BB74B983A354}"/>
+              </a:ext>
+            </a:extLst>
+          </p:cNvPr>
+          <p:cNvSpPr/>
+          <p:nvPr/>
+        </p:nvSpPr>
+        <p:spPr>
+          <a:xfrm>
+            <a:off x="4218956" y="2745192"/>
+            <a:ext cx="842310" cy="363838"/>
+          </a:xfrm>
+          <a:prstGeom prst="roundRect">
+            <a:avLst>
+              <a:gd name="adj" fmla="val 15232"/>
+            </a:avLst>
+          </a:prstGeom>
+          <a:ln w="19050"/>
+        </p:spPr>
+        <p:style>
+          <a:lnRef idx="2">
+            <a:schemeClr val="dk1"/>
+          </a:lnRef>
+          <a:fillRef idx="1">
+            <a:schemeClr val="lt1"/>
+          </a:fillRef>
+          <a:effectRef idx="0">
+            <a:schemeClr val="dk1"/>
+          </a:effectRef>
+          <a:fontRef idx="minor">
+            <a:schemeClr val="dk1"/>
+          </a:fontRef>
+        </p:style>
+        <p:txBody>
+          <a:bodyPr rtlCol="0" anchor="ctr"/>
+          <a:lstStyle/>
+          <a:p>
+            <a:pPr algn="ctr"/>
+            <a:r>
+              <a:rPr lang="en-US" altLang="ko-KR" sz="1000"/>
+              <a:t>MongoDB</a:t>
+            </a:r>
+          </a:p>
+        </p:txBody>
+      </p:sp>
+      <p:sp>
+        <p:nvSpPr>
+          <p:cNvPr id="48" name="사각형: 둥근 모서리 47">
+            <a:extLst>
+              <a:ext uri="{FF2B5EF4-FFF2-40B4-BE49-F238E27FC236}">
+                <a16:creationId xmlns:a16="http://schemas.microsoft.com/office/drawing/2014/main" id="{2B88E66C-675A-4F6D-B1FD-5E02B0D4A2C8}"/>
+              </a:ext>
+            </a:extLst>
+          </p:cNvPr>
+          <p:cNvSpPr/>
+          <p:nvPr/>
+        </p:nvSpPr>
+        <p:spPr>
+          <a:xfrm>
+            <a:off x="179973" y="3034387"/>
+            <a:ext cx="909903" cy="363838"/>
+          </a:xfrm>
+          <a:prstGeom prst="roundRect">
+            <a:avLst>
+              <a:gd name="adj" fmla="val 15232"/>
+            </a:avLst>
+          </a:prstGeom>
+          <a:ln w="19050"/>
+        </p:spPr>
+        <p:style>
+          <a:lnRef idx="2">
+            <a:schemeClr val="dk1"/>
+          </a:lnRef>
+          <a:fillRef idx="1">
+            <a:schemeClr val="lt1"/>
+          </a:fillRef>
+          <a:effectRef idx="0">
+            <a:schemeClr val="dk1"/>
+          </a:effectRef>
+          <a:fontRef idx="minor">
+            <a:schemeClr val="dk1"/>
+          </a:fontRef>
+        </p:style>
+        <p:txBody>
+          <a:bodyPr rtlCol="0" anchor="ctr"/>
+          <a:lstStyle/>
+          <a:p>
+            <a:pPr algn="ctr"/>
+            <a:r>
+              <a:rPr lang="en-US" altLang="ko-KR" sz="1000"/>
+              <a:t>Prometheus</a:t>
+            </a:r>
+          </a:p>
+        </p:txBody>
+      </p:sp>
+      <p:sp>
+        <p:nvSpPr>
+          <p:cNvPr id="49" name="사각형: 둥근 모서리 48">
+            <a:extLst>
+              <a:ext uri="{FF2B5EF4-FFF2-40B4-BE49-F238E27FC236}">
+                <a16:creationId xmlns:a16="http://schemas.microsoft.com/office/drawing/2014/main" id="{4DDD4E0C-DD1C-47ED-A923-5290174A4981}"/>
+              </a:ext>
+            </a:extLst>
+          </p:cNvPr>
+          <p:cNvSpPr/>
+          <p:nvPr/>
+        </p:nvSpPr>
+        <p:spPr>
+          <a:xfrm>
+            <a:off x="2833750" y="2643101"/>
+            <a:ext cx="3169764" cy="568021"/>
+          </a:xfrm>
+          <a:prstGeom prst="roundRect">
+            <a:avLst>
+              <a:gd name="adj" fmla="val 12037"/>
+            </a:avLst>
+          </a:prstGeom>
+          <a:noFill/>
+          <a:ln w="12700">
+            <a:prstDash val="dash"/>
+          </a:ln>
+        </p:spPr>
+        <p:style>
+          <a:lnRef idx="2">
+            <a:schemeClr val="dk1"/>
+          </a:lnRef>
+          <a:fillRef idx="1">
+            <a:schemeClr val="lt1"/>
+          </a:fillRef>
+          <a:effectRef idx="0">
+            <a:schemeClr val="dk1"/>
+          </a:effectRef>
+          <a:fontRef idx="minor">
+            <a:schemeClr val="dk1"/>
+          </a:fontRef>
+        </p:style>
+        <p:txBody>
+          <a:bodyPr rtlCol="0" anchor="ctr"/>
+          <a:lstStyle/>
+          <a:p>
+            <a:r>
+              <a:rPr lang="en-US" altLang="ko-KR" sz="1100" b="1"/>
+              <a:t>DB,</a:t>
+            </a:r>
+          </a:p>
+          <a:p>
+            <a:r>
+              <a:rPr lang="en-US" altLang="ko-KR" sz="1100" b="1"/>
+              <a:t>Store</a:t>
+            </a:r>
+          </a:p>
+        </p:txBody>
+      </p:sp>
+      <p:sp>
+        <p:nvSpPr>
+          <p:cNvPr id="50" name="사각형: 둥근 모서리 49">
+            <a:extLst>
+              <a:ext uri="{FF2B5EF4-FFF2-40B4-BE49-F238E27FC236}">
+                <a16:creationId xmlns:a16="http://schemas.microsoft.com/office/drawing/2014/main" id="{46E4C9D4-B546-4E00-B137-AC71A7BFB057}"/>
+              </a:ext>
+            </a:extLst>
+          </p:cNvPr>
+          <p:cNvSpPr/>
+          <p:nvPr/>
+        </p:nvSpPr>
+        <p:spPr>
+          <a:xfrm>
+            <a:off x="6186456" y="2648435"/>
+            <a:ext cx="1279500" cy="568021"/>
+          </a:xfrm>
+          <a:prstGeom prst="roundRect">
+            <a:avLst>
+              <a:gd name="adj" fmla="val 11199"/>
+            </a:avLst>
+          </a:prstGeom>
+          <a:noFill/>
+          <a:ln w="12700">
+            <a:prstDash val="dash"/>
+          </a:ln>
+        </p:spPr>
+        <p:style>
+          <a:lnRef idx="2">
+            <a:schemeClr val="dk1"/>
+          </a:lnRef>
+          <a:fillRef idx="1">
+            <a:schemeClr val="lt1"/>
+          </a:fillRef>
+          <a:effectRef idx="0">
+            <a:schemeClr val="dk1"/>
+          </a:effectRef>
+          <a:fontRef idx="minor">
+            <a:schemeClr val="dk1"/>
+          </a:fontRef>
+        </p:style>
+        <p:txBody>
+          <a:bodyPr rtlCol="0" anchor="ctr"/>
+          <a:lstStyle/>
+          <a:p>
+            <a:r>
+              <a:rPr lang="en-US" altLang="ko-KR" sz="1100" b="1"/>
+              <a:t>MQ</a:t>
+            </a:r>
+          </a:p>
+        </p:txBody>
+      </p:sp>
+      <p:sp>
+        <p:nvSpPr>
+          <p:cNvPr id="52" name="사각형: 둥근 모서리 51">
+            <a:extLst>
+              <a:ext uri="{FF2B5EF4-FFF2-40B4-BE49-F238E27FC236}">
+                <a16:creationId xmlns:a16="http://schemas.microsoft.com/office/drawing/2014/main" id="{C3DC73E4-C0FC-49BA-A48F-6F6D3DA0777C}"/>
+              </a:ext>
+            </a:extLst>
+          </p:cNvPr>
+          <p:cNvSpPr/>
+          <p:nvPr/>
+        </p:nvSpPr>
+        <p:spPr>
+          <a:xfrm>
+            <a:off x="173562" y="2572041"/>
+            <a:ext cx="2191432" cy="363838"/>
+          </a:xfrm>
+          <a:prstGeom prst="roundRect">
+            <a:avLst>
+              <a:gd name="adj" fmla="val 15232"/>
+            </a:avLst>
+          </a:prstGeom>
+          <a:ln w="19050"/>
+        </p:spPr>
+        <p:style>
+          <a:lnRef idx="2">
+            <a:schemeClr val="dk1"/>
+          </a:lnRef>
+          <a:fillRef idx="1">
+            <a:schemeClr val="lt1"/>
+          </a:fillRef>
+          <a:effectRef idx="0">
+            <a:schemeClr val="dk1"/>
+          </a:effectRef>
+          <a:fontRef idx="minor">
+            <a:schemeClr val="dk1"/>
+          </a:fontRef>
+        </p:style>
+        <p:txBody>
+          <a:bodyPr rtlCol="0" anchor="ctr"/>
+          <a:lstStyle/>
+          <a:p>
+            <a:r>
+              <a:rPr lang="en-US" altLang="ko-KR" sz="1000"/>
+              <a:t>Grafana</a:t>
+            </a:r>
+          </a:p>
+        </p:txBody>
+      </p:sp>
+      <p:sp>
+        <p:nvSpPr>
+          <p:cNvPr id="53" name="사각형: 둥근 모서리 52">
+            <a:extLst>
+              <a:ext uri="{FF2B5EF4-FFF2-40B4-BE49-F238E27FC236}">
+                <a16:creationId xmlns:a16="http://schemas.microsoft.com/office/drawing/2014/main" id="{BAD5AC54-27FB-44F6-B0EA-9376A60F3F8E}"/>
+              </a:ext>
+            </a:extLst>
+          </p:cNvPr>
+          <p:cNvSpPr/>
+          <p:nvPr/>
+        </p:nvSpPr>
+        <p:spPr>
+          <a:xfrm>
+            <a:off x="173562" y="3511321"/>
+            <a:ext cx="916314" cy="363838"/>
+          </a:xfrm>
+          <a:prstGeom prst="roundRect">
+            <a:avLst>
+              <a:gd name="adj" fmla="val 15232"/>
+            </a:avLst>
+          </a:prstGeom>
+          <a:ln w="19050"/>
+        </p:spPr>
+        <p:style>
+          <a:lnRef idx="2">
+            <a:schemeClr val="dk1"/>
+          </a:lnRef>
+          <a:fillRef idx="1">
+            <a:schemeClr val="lt1"/>
+          </a:fillRef>
+          <a:effectRef idx="0">
+            <a:schemeClr val="dk1"/>
+          </a:effectRef>
+          <a:fontRef idx="minor">
+            <a:schemeClr val="dk1"/>
+          </a:fontRef>
+        </p:style>
+        <p:txBody>
+          <a:bodyPr rtlCol="0" anchor="ctr"/>
+          <a:lstStyle/>
+          <a:p>
+            <a:pPr algn="ctr"/>
+            <a:r>
+              <a:rPr lang="en-US" altLang="ko-KR" sz="1000"/>
+              <a:t>Exporters</a:t>
+            </a:r>
+          </a:p>
+        </p:txBody>
+      </p:sp>
+      <p:sp>
+        <p:nvSpPr>
+          <p:cNvPr id="55" name="사각형: 둥근 모서리 54">
+            <a:extLst>
+              <a:ext uri="{FF2B5EF4-FFF2-40B4-BE49-F238E27FC236}">
+                <a16:creationId xmlns:a16="http://schemas.microsoft.com/office/drawing/2014/main" id="{27BD03A8-E8C0-4305-8D95-E5F4F66E668F}"/>
+              </a:ext>
+            </a:extLst>
+          </p:cNvPr>
+          <p:cNvSpPr/>
+          <p:nvPr/>
+        </p:nvSpPr>
+        <p:spPr>
+          <a:xfrm>
+            <a:off x="1404848" y="3034387"/>
+            <a:ext cx="960146" cy="363838"/>
+          </a:xfrm>
+          <a:prstGeom prst="roundRect">
+            <a:avLst>
+              <a:gd name="adj" fmla="val 15232"/>
+            </a:avLst>
+          </a:prstGeom>
+          <a:ln w="19050"/>
+        </p:spPr>
+        <p:style>
+          <a:lnRef idx="2">
+            <a:schemeClr val="dk1"/>
+          </a:lnRef>
+          <a:fillRef idx="1">
+            <a:schemeClr val="lt1"/>
+          </a:fillRef>
+          <a:effectRef idx="0">
+            <a:schemeClr val="dk1"/>
+          </a:effectRef>
+          <a:fontRef idx="minor">
+            <a:schemeClr val="dk1"/>
+          </a:fontRef>
+        </p:style>
+        <p:txBody>
+          <a:bodyPr rtlCol="0" anchor="ctr"/>
+          <a:lstStyle/>
+          <a:p>
+            <a:pPr algn="ctr"/>
+            <a:r>
+              <a:rPr lang="en-US" altLang="ko-KR" sz="1000"/>
+              <a:t>Loki</a:t>
+            </a:r>
+          </a:p>
+        </p:txBody>
+      </p:sp>
+      <p:sp>
+        <p:nvSpPr>
+          <p:cNvPr id="57" name="사각형: 둥근 모서리 56">
+            <a:extLst>
+              <a:ext uri="{FF2B5EF4-FFF2-40B4-BE49-F238E27FC236}">
+                <a16:creationId xmlns:a16="http://schemas.microsoft.com/office/drawing/2014/main" id="{2101D5FC-39CD-4999-AA47-7A1E9764AAE0}"/>
+              </a:ext>
+            </a:extLst>
+          </p:cNvPr>
+          <p:cNvSpPr/>
+          <p:nvPr/>
+        </p:nvSpPr>
+        <p:spPr>
+          <a:xfrm>
+            <a:off x="1404848" y="3511321"/>
+            <a:ext cx="960146" cy="363838"/>
+          </a:xfrm>
+          <a:prstGeom prst="roundRect">
+            <a:avLst>
+              <a:gd name="adj" fmla="val 15232"/>
+            </a:avLst>
+          </a:prstGeom>
+          <a:ln w="19050"/>
+        </p:spPr>
+        <p:style>
+          <a:lnRef idx="2">
+            <a:schemeClr val="dk1"/>
+          </a:lnRef>
+          <a:fillRef idx="1">
+            <a:schemeClr val="lt1"/>
+          </a:fillRef>
+          <a:effectRef idx="0">
+            <a:schemeClr val="dk1"/>
+          </a:effectRef>
+          <a:fontRef idx="minor">
+            <a:schemeClr val="dk1"/>
+          </a:fontRef>
+        </p:style>
+        <p:txBody>
+          <a:bodyPr rtlCol="0" anchor="ctr"/>
+          <a:lstStyle/>
+          <a:p>
+            <a:pPr algn="ctr"/>
+            <a:r>
+              <a:rPr lang="en-US" altLang="ko-KR" sz="1000"/>
+              <a:t>Fluentd</a:t>
+            </a:r>
+          </a:p>
+        </p:txBody>
+      </p:sp>
+      <p:sp>
+        <p:nvSpPr>
+          <p:cNvPr id="58" name="사각형: 둥근 모서리 57">
+            <a:extLst>
+              <a:ext uri="{FF2B5EF4-FFF2-40B4-BE49-F238E27FC236}">
+                <a16:creationId xmlns:a16="http://schemas.microsoft.com/office/drawing/2014/main" id="{7D746446-4088-4D62-9CE3-5DF1DF1623C2}"/>
+              </a:ext>
+            </a:extLst>
+          </p:cNvPr>
+          <p:cNvSpPr/>
+          <p:nvPr/>
+        </p:nvSpPr>
+        <p:spPr>
+          <a:xfrm>
+            <a:off x="2601082" y="1887264"/>
+            <a:ext cx="2570714" cy="568021"/>
+          </a:xfrm>
+          <a:prstGeom prst="roundRect">
+            <a:avLst>
+              <a:gd name="adj" fmla="val 12037"/>
+            </a:avLst>
+          </a:prstGeom>
+          <a:noFill/>
+          <a:ln w="12700">
+            <a:prstDash val="dash"/>
+          </a:ln>
+        </p:spPr>
+        <p:style>
+          <a:lnRef idx="2">
+            <a:schemeClr val="dk1"/>
+          </a:lnRef>
+          <a:fillRef idx="1">
+            <a:schemeClr val="lt1"/>
+          </a:fillRef>
+          <a:effectRef idx="0">
+            <a:schemeClr val="dk1"/>
+          </a:effectRef>
+          <a:fontRef idx="minor">
+            <a:schemeClr val="dk1"/>
+          </a:fontRef>
+        </p:style>
+        <p:txBody>
+          <a:bodyPr rtlCol="0" anchor="ctr"/>
+          <a:lstStyle/>
+          <a:p>
+            <a:r>
+              <a:rPr lang="en-US" altLang="ko-KR" sz="1100" b="1"/>
+              <a:t>Service Mesh,</a:t>
+            </a:r>
+          </a:p>
+          <a:p>
+            <a:r>
+              <a:rPr lang="en-US" altLang="ko-KR" sz="1100" b="1"/>
+              <a:t>Trace</a:t>
+            </a:r>
+          </a:p>
+        </p:txBody>
+      </p:sp>
+      <p:sp>
+        <p:nvSpPr>
+          <p:cNvPr id="59" name="사각형: 둥근 모서리 58">
+            <a:extLst>
+              <a:ext uri="{FF2B5EF4-FFF2-40B4-BE49-F238E27FC236}">
+                <a16:creationId xmlns:a16="http://schemas.microsoft.com/office/drawing/2014/main" id="{7C69D786-4A09-430F-9232-6DF1C86E2EAC}"/>
+              </a:ext>
+            </a:extLst>
+          </p:cNvPr>
+          <p:cNvSpPr/>
+          <p:nvPr/>
+        </p:nvSpPr>
+        <p:spPr>
+          <a:xfrm>
+            <a:off x="3691547" y="1989355"/>
+            <a:ext cx="1398146" cy="363838"/>
+          </a:xfrm>
+          <a:prstGeom prst="roundRect">
+            <a:avLst>
+              <a:gd name="adj" fmla="val 15232"/>
+            </a:avLst>
+          </a:prstGeom>
+          <a:ln w="19050"/>
+        </p:spPr>
+        <p:style>
+          <a:lnRef idx="2">
+            <a:schemeClr val="dk1"/>
+          </a:lnRef>
+          <a:fillRef idx="1">
+            <a:schemeClr val="lt1"/>
+          </a:fillRef>
+          <a:effectRef idx="0">
+            <a:schemeClr val="dk1"/>
+          </a:effectRef>
+          <a:fontRef idx="minor">
+            <a:schemeClr val="dk1"/>
+          </a:fontRef>
+        </p:style>
+        <p:txBody>
+          <a:bodyPr rtlCol="0" anchor="ctr"/>
+          <a:lstStyle/>
+          <a:p>
+            <a:pPr algn="ctr"/>
+            <a:r>
+              <a:rPr lang="en-US" altLang="ko-KR" sz="1000"/>
+              <a:t>Istio</a:t>
+            </a:r>
+          </a:p>
+        </p:txBody>
+      </p:sp>
+      <p:sp>
+        <p:nvSpPr>
+          <p:cNvPr id="60" name="사각형: 둥근 모서리 59">
+            <a:extLst>
+              <a:ext uri="{FF2B5EF4-FFF2-40B4-BE49-F238E27FC236}">
+                <a16:creationId xmlns:a16="http://schemas.microsoft.com/office/drawing/2014/main" id="{A7BF6A58-B5D7-448C-885F-5717A6646141}"/>
+              </a:ext>
+            </a:extLst>
+          </p:cNvPr>
+          <p:cNvSpPr/>
+          <p:nvPr/>
+        </p:nvSpPr>
+        <p:spPr>
+          <a:xfrm>
+            <a:off x="2601082" y="3404273"/>
+            <a:ext cx="2901526" cy="568021"/>
+          </a:xfrm>
+          <a:prstGeom prst="roundRect">
+            <a:avLst>
+              <a:gd name="adj" fmla="val 8683"/>
+            </a:avLst>
+          </a:prstGeom>
+          <a:noFill/>
+          <a:ln w="12700">
+            <a:prstDash val="dash"/>
+          </a:ln>
+        </p:spPr>
+        <p:style>
+          <a:lnRef idx="2">
+            <a:schemeClr val="dk1"/>
+          </a:lnRef>
+          <a:fillRef idx="1">
+            <a:schemeClr val="lt1"/>
+          </a:fillRef>
+          <a:effectRef idx="0">
+            <a:schemeClr val="dk1"/>
+          </a:effectRef>
+          <a:fontRef idx="minor">
+            <a:schemeClr val="dk1"/>
+          </a:fontRef>
+        </p:style>
+        <p:txBody>
+          <a:bodyPr rtlCol="0" anchor="ctr"/>
+          <a:lstStyle/>
+          <a:p>
+            <a:r>
+              <a:rPr lang="en-US" altLang="ko-KR" sz="1100" b="1"/>
+              <a:t>Network, </a:t>
+            </a:r>
+          </a:p>
+          <a:p>
+            <a:r>
+              <a:rPr lang="en-US" altLang="ko-KR" sz="1100" b="1"/>
+              <a:t>Load Balancer</a:t>
+            </a:r>
+          </a:p>
+        </p:txBody>
+      </p:sp>
+      <p:sp>
+        <p:nvSpPr>
+          <p:cNvPr id="61" name="사각형: 둥근 모서리 60">
+            <a:extLst>
+              <a:ext uri="{FF2B5EF4-FFF2-40B4-BE49-F238E27FC236}">
+                <a16:creationId xmlns:a16="http://schemas.microsoft.com/office/drawing/2014/main" id="{2AD6E762-357A-4E46-BBED-2AC08830B790}"/>
+              </a:ext>
+            </a:extLst>
+          </p:cNvPr>
+          <p:cNvSpPr/>
+          <p:nvPr/>
+        </p:nvSpPr>
+        <p:spPr>
+          <a:xfrm>
+            <a:off x="3691546" y="3506364"/>
+            <a:ext cx="792088" cy="363838"/>
+          </a:xfrm>
+          <a:prstGeom prst="roundRect">
+            <a:avLst>
+              <a:gd name="adj" fmla="val 15232"/>
+            </a:avLst>
+          </a:prstGeom>
+          <a:ln w="19050"/>
+        </p:spPr>
+        <p:style>
+          <a:lnRef idx="2">
+            <a:schemeClr val="dk1"/>
+          </a:lnRef>
+          <a:fillRef idx="1">
+            <a:schemeClr val="lt1"/>
+          </a:fillRef>
+          <a:effectRef idx="0">
+            <a:schemeClr val="dk1"/>
+          </a:effectRef>
+          <a:fontRef idx="minor">
+            <a:schemeClr val="dk1"/>
+          </a:fontRef>
+        </p:style>
+        <p:txBody>
+          <a:bodyPr rtlCol="0" anchor="ctr"/>
+          <a:lstStyle/>
+          <a:p>
+            <a:pPr algn="ctr"/>
+            <a:r>
+              <a:rPr lang="en-US" altLang="ko-KR" sz="1000"/>
+              <a:t>AWS </a:t>
+            </a:r>
+            <a:br>
+              <a:rPr lang="en-US" altLang="ko-KR" sz="1000"/>
+            </a:br>
+            <a:r>
+              <a:rPr lang="en-US" altLang="ko-KR" sz="1000"/>
+              <a:t>VPC CNI</a:t>
+            </a:r>
+          </a:p>
+        </p:txBody>
+      </p:sp>
+      <p:sp>
+        <p:nvSpPr>
+          <p:cNvPr id="62" name="사각형: 둥근 모서리 61">
+            <a:extLst>
+              <a:ext uri="{FF2B5EF4-FFF2-40B4-BE49-F238E27FC236}">
+                <a16:creationId xmlns:a16="http://schemas.microsoft.com/office/drawing/2014/main" id="{ACA553A0-C8D0-48AD-815E-85B73CFED116}"/>
+              </a:ext>
+            </a:extLst>
+          </p:cNvPr>
+          <p:cNvSpPr/>
+          <p:nvPr/>
+        </p:nvSpPr>
+        <p:spPr>
+          <a:xfrm>
+            <a:off x="4616848" y="3506364"/>
+            <a:ext cx="792088" cy="363838"/>
+          </a:xfrm>
+          <a:prstGeom prst="roundRect">
+            <a:avLst>
+              <a:gd name="adj" fmla="val 15232"/>
+            </a:avLst>
+          </a:prstGeom>
+          <a:ln w="19050"/>
+        </p:spPr>
+        <p:style>
+          <a:lnRef idx="2">
+            <a:schemeClr val="dk1"/>
+          </a:lnRef>
+          <a:fillRef idx="1">
+            <a:schemeClr val="lt1"/>
+          </a:fillRef>
+          <a:effectRef idx="0">
+            <a:schemeClr val="dk1"/>
+          </a:effectRef>
+          <a:fontRef idx="minor">
+            <a:schemeClr val="dk1"/>
+          </a:fontRef>
+        </p:style>
+        <p:txBody>
+          <a:bodyPr rtlCol="0" anchor="ctr"/>
+          <a:lstStyle/>
+          <a:p>
+            <a:pPr algn="ctr"/>
+            <a:r>
+              <a:rPr lang="en-US" altLang="ko-KR" sz="1000"/>
+              <a:t>AWS ELB</a:t>
+            </a:r>
+          </a:p>
+        </p:txBody>
+      </p:sp>
+      <p:sp>
+        <p:nvSpPr>
+          <p:cNvPr id="63" name="사각형: 둥근 모서리 62">
+            <a:extLst>
+              <a:ext uri="{FF2B5EF4-FFF2-40B4-BE49-F238E27FC236}">
+                <a16:creationId xmlns:a16="http://schemas.microsoft.com/office/drawing/2014/main" id="{DC4D8B93-BC02-4666-B0AC-3AAF949FA0BE}"/>
+              </a:ext>
+            </a:extLst>
+          </p:cNvPr>
+          <p:cNvSpPr/>
+          <p:nvPr/>
+        </p:nvSpPr>
+        <p:spPr>
+          <a:xfrm>
+            <a:off x="5652766" y="3404273"/>
+            <a:ext cx="2082089" cy="568021"/>
+          </a:xfrm>
+          <a:prstGeom prst="roundRect">
+            <a:avLst>
+              <a:gd name="adj" fmla="val 10919"/>
+            </a:avLst>
+          </a:prstGeom>
+          <a:noFill/>
+          <a:ln w="12700">
+            <a:prstDash val="dash"/>
+          </a:ln>
+        </p:spPr>
+        <p:style>
+          <a:lnRef idx="2">
+            <a:schemeClr val="dk1"/>
+          </a:lnRef>
+          <a:fillRef idx="1">
+            <a:schemeClr val="lt1"/>
+          </a:fillRef>
+          <a:effectRef idx="0">
+            <a:schemeClr val="dk1"/>
+          </a:effectRef>
+          <a:fontRef idx="minor">
+            <a:schemeClr val="dk1"/>
+          </a:fontRef>
+        </p:style>
+        <p:txBody>
+          <a:bodyPr rtlCol="0" anchor="ctr"/>
+          <a:lstStyle/>
+          <a:p>
+            <a:r>
+              <a:rPr lang="en-US" altLang="ko-KR" sz="1100" b="1"/>
+              <a:t>Storage</a:t>
+            </a:r>
+          </a:p>
+        </p:txBody>
+      </p:sp>
+      <p:sp>
+        <p:nvSpPr>
+          <p:cNvPr id="64" name="사각형: 둥근 모서리 63">
+            <a:extLst>
+              <a:ext uri="{FF2B5EF4-FFF2-40B4-BE49-F238E27FC236}">
+                <a16:creationId xmlns:a16="http://schemas.microsoft.com/office/drawing/2014/main" id="{1026B2EC-0043-4B74-BE8F-01F697BE955A}"/>
+              </a:ext>
+            </a:extLst>
+          </p:cNvPr>
+          <p:cNvSpPr/>
+          <p:nvPr/>
+        </p:nvSpPr>
+        <p:spPr>
+          <a:xfrm>
+            <a:off x="6376415" y="3512536"/>
+            <a:ext cx="1224362" cy="363838"/>
+          </a:xfrm>
+          <a:prstGeom prst="roundRect">
+            <a:avLst>
+              <a:gd name="adj" fmla="val 15232"/>
+            </a:avLst>
+          </a:prstGeom>
+          <a:ln w="19050"/>
+        </p:spPr>
+        <p:style>
+          <a:lnRef idx="2">
+            <a:schemeClr val="dk1"/>
+          </a:lnRef>
+          <a:fillRef idx="1">
+            <a:schemeClr val="lt1"/>
+          </a:fillRef>
+          <a:effectRef idx="0">
+            <a:schemeClr val="dk1"/>
+          </a:effectRef>
+          <a:fontRef idx="minor">
+            <a:schemeClr val="dk1"/>
+          </a:fontRef>
+        </p:style>
+        <p:txBody>
+          <a:bodyPr rtlCol="0" anchor="ctr"/>
+          <a:lstStyle/>
+          <a:p>
+            <a:pPr algn="ctr"/>
+            <a:r>
+              <a:rPr lang="en-US" altLang="ko-KR" sz="1000"/>
+              <a:t>AWS EBS</a:t>
+            </a:r>
+          </a:p>
+        </p:txBody>
+      </p:sp>
+      <p:sp>
+        <p:nvSpPr>
+          <p:cNvPr id="65" name="사각형: 둥근 모서리 64">
+            <a:extLst>
+              <a:ext uri="{FF2B5EF4-FFF2-40B4-BE49-F238E27FC236}">
+                <a16:creationId xmlns:a16="http://schemas.microsoft.com/office/drawing/2014/main" id="{8C1A2750-F5EC-4E1B-939E-67A7CA0B39A0}"/>
+              </a:ext>
+            </a:extLst>
+          </p:cNvPr>
+          <p:cNvSpPr/>
+          <p:nvPr/>
+        </p:nvSpPr>
+        <p:spPr>
+          <a:xfrm>
+            <a:off x="7860609" y="2541776"/>
+            <a:ext cx="1217090" cy="363838"/>
+          </a:xfrm>
+          <a:prstGeom prst="roundRect">
+            <a:avLst>
+              <a:gd name="adj" fmla="val 15232"/>
+            </a:avLst>
+          </a:prstGeom>
+          <a:ln w="19050"/>
+        </p:spPr>
+        <p:style>
+          <a:lnRef idx="2">
+            <a:schemeClr val="dk1"/>
+          </a:lnRef>
+          <a:fillRef idx="1">
+            <a:schemeClr val="lt1"/>
+          </a:fillRef>
+          <a:effectRef idx="0">
+            <a:schemeClr val="dk1"/>
+          </a:effectRef>
+          <a:fontRef idx="minor">
+            <a:schemeClr val="dk1"/>
+          </a:fontRef>
+        </p:style>
+        <p:txBody>
+          <a:bodyPr rtlCol="0" anchor="ctr"/>
+          <a:lstStyle/>
+          <a:p>
+            <a:pPr algn="ctr"/>
+            <a:r>
+              <a:rPr lang="en-US" altLang="ko-KR" sz="1100" b="1"/>
+              <a:t>Github</a:t>
+            </a:r>
+          </a:p>
+        </p:txBody>
+      </p:sp>
+      <p:sp>
+        <p:nvSpPr>
+          <p:cNvPr id="66" name="사각형: 둥근 모서리 65">
+            <a:extLst>
+              <a:ext uri="{FF2B5EF4-FFF2-40B4-BE49-F238E27FC236}">
+                <a16:creationId xmlns:a16="http://schemas.microsoft.com/office/drawing/2014/main" id="{F26B7428-78D3-4560-819D-1A21B521AB17}"/>
+              </a:ext>
+            </a:extLst>
+          </p:cNvPr>
+          <p:cNvSpPr/>
+          <p:nvPr/>
+        </p:nvSpPr>
+        <p:spPr>
+          <a:xfrm>
+            <a:off x="2601082" y="1126092"/>
+            <a:ext cx="5133774" cy="568021"/>
+          </a:xfrm>
+          <a:prstGeom prst="roundRect">
+            <a:avLst>
+              <a:gd name="adj" fmla="val 12037"/>
+            </a:avLst>
+          </a:prstGeom>
+          <a:noFill/>
+          <a:ln w="12700">
+            <a:prstDash val="dash"/>
+          </a:ln>
+        </p:spPr>
+        <p:style>
+          <a:lnRef idx="2">
+            <a:schemeClr val="dk1"/>
+          </a:lnRef>
+          <a:fillRef idx="1">
+            <a:schemeClr val="lt1"/>
+          </a:fillRef>
+          <a:effectRef idx="0">
+            <a:schemeClr val="dk1"/>
+          </a:effectRef>
+          <a:fontRef idx="minor">
+            <a:schemeClr val="dk1"/>
+          </a:fontRef>
+        </p:style>
+        <p:txBody>
+          <a:bodyPr rtlCol="0" anchor="ctr"/>
+          <a:lstStyle/>
+          <a:p>
+            <a:r>
+              <a:rPr lang="en-US" altLang="ko-KR" sz="1100" b="1"/>
+              <a:t>Services</a:t>
+            </a:r>
+          </a:p>
+        </p:txBody>
+      </p:sp>
+      <p:sp>
+        <p:nvSpPr>
+          <p:cNvPr id="67" name="사각형: 둥근 모서리 66">
+            <a:extLst>
+              <a:ext uri="{FF2B5EF4-FFF2-40B4-BE49-F238E27FC236}">
+                <a16:creationId xmlns:a16="http://schemas.microsoft.com/office/drawing/2014/main" id="{23C4E96A-7668-4F5F-AEB7-81E66E4D1208}"/>
+              </a:ext>
+            </a:extLst>
+          </p:cNvPr>
+          <p:cNvSpPr/>
+          <p:nvPr/>
+        </p:nvSpPr>
+        <p:spPr>
+          <a:xfrm>
+            <a:off x="3932254" y="1228183"/>
+            <a:ext cx="504056" cy="363838"/>
+          </a:xfrm>
+          <a:prstGeom prst="roundRect">
+            <a:avLst>
+              <a:gd name="adj" fmla="val 15232"/>
+            </a:avLst>
+          </a:prstGeom>
+          <a:ln w="19050"/>
+        </p:spPr>
+        <p:style>
+          <a:lnRef idx="2">
+            <a:schemeClr val="dk1"/>
+          </a:lnRef>
+          <a:fillRef idx="1">
+            <a:schemeClr val="lt1"/>
+          </a:fillRef>
+          <a:effectRef idx="0">
+            <a:schemeClr val="dk1"/>
+          </a:effectRef>
+          <a:fontRef idx="minor">
+            <a:schemeClr val="dk1"/>
+          </a:fontRef>
+        </p:style>
+        <p:txBody>
+          <a:bodyPr rtlCol="0" anchor="ctr"/>
+          <a:lstStyle/>
+          <a:p>
+            <a:pPr algn="ctr"/>
+            <a:r>
+              <a:rPr lang="en-US" altLang="ko-KR" sz="1000"/>
+              <a:t>Web</a:t>
+            </a:r>
+          </a:p>
+        </p:txBody>
+      </p:sp>
+      <p:sp>
+        <p:nvSpPr>
+          <p:cNvPr id="68" name="사각형: 둥근 모서리 67">
+            <a:extLst>
+              <a:ext uri="{FF2B5EF4-FFF2-40B4-BE49-F238E27FC236}">
+                <a16:creationId xmlns:a16="http://schemas.microsoft.com/office/drawing/2014/main" id="{B6149686-F921-46D3-8BFA-292F3EE1F948}"/>
+              </a:ext>
+            </a:extLst>
+          </p:cNvPr>
+          <p:cNvSpPr/>
+          <p:nvPr/>
+        </p:nvSpPr>
+        <p:spPr>
+          <a:xfrm>
+            <a:off x="4549275" y="1228183"/>
+            <a:ext cx="504056" cy="363838"/>
+          </a:xfrm>
+          <a:prstGeom prst="roundRect">
+            <a:avLst>
+              <a:gd name="adj" fmla="val 15232"/>
+            </a:avLst>
+          </a:prstGeom>
+          <a:ln w="19050"/>
+        </p:spPr>
+        <p:style>
+          <a:lnRef idx="2">
+            <a:schemeClr val="dk1"/>
+          </a:lnRef>
+          <a:fillRef idx="1">
+            <a:schemeClr val="lt1"/>
+          </a:fillRef>
+          <a:effectRef idx="0">
+            <a:schemeClr val="dk1"/>
+          </a:effectRef>
+          <a:fontRef idx="minor">
+            <a:schemeClr val="dk1"/>
+          </a:fontRef>
+        </p:style>
+        <p:txBody>
+          <a:bodyPr rtlCol="0" anchor="ctr"/>
+          <a:lstStyle/>
+          <a:p>
+            <a:pPr algn="ctr"/>
+            <a:r>
+              <a:rPr lang="en-US" altLang="ko-KR" sz="1000"/>
+              <a:t>Auth</a:t>
+            </a:r>
+          </a:p>
+        </p:txBody>
+      </p:sp>
+      <p:sp>
+        <p:nvSpPr>
+          <p:cNvPr id="69" name="사각형: 둥근 모서리 68">
+            <a:extLst>
+              <a:ext uri="{FF2B5EF4-FFF2-40B4-BE49-F238E27FC236}">
+                <a16:creationId xmlns:a16="http://schemas.microsoft.com/office/drawing/2014/main" id="{584E4FF2-9A4B-4E74-8EC8-D7F52DE2181F}"/>
+              </a:ext>
+            </a:extLst>
+          </p:cNvPr>
+          <p:cNvSpPr/>
+          <p:nvPr/>
+        </p:nvSpPr>
+        <p:spPr>
+          <a:xfrm>
+            <a:off x="5171796" y="1228183"/>
+            <a:ext cx="589914" cy="363838"/>
+          </a:xfrm>
+          <a:prstGeom prst="roundRect">
+            <a:avLst>
+              <a:gd name="adj" fmla="val 15232"/>
+            </a:avLst>
+          </a:prstGeom>
+          <a:ln w="19050"/>
+        </p:spPr>
+        <p:style>
+          <a:lnRef idx="2">
+            <a:schemeClr val="dk1"/>
+          </a:lnRef>
+          <a:fillRef idx="1">
+            <a:schemeClr val="lt1"/>
+          </a:fillRef>
+          <a:effectRef idx="0">
+            <a:schemeClr val="dk1"/>
+          </a:effectRef>
+          <a:fontRef idx="minor">
+            <a:schemeClr val="dk1"/>
+          </a:fontRef>
+        </p:style>
+        <p:txBody>
+          <a:bodyPr rtlCol="0" anchor="ctr"/>
+          <a:lstStyle/>
+          <a:p>
+            <a:pPr algn="ctr"/>
+            <a:r>
+              <a:rPr lang="en-US" altLang="ko-KR" sz="1000"/>
+              <a:t>Store</a:t>
+            </a:r>
+          </a:p>
+        </p:txBody>
+      </p:sp>
+      <p:sp>
+        <p:nvSpPr>
+          <p:cNvPr id="70" name="사각형: 둥근 모서리 69">
+            <a:extLst>
+              <a:ext uri="{FF2B5EF4-FFF2-40B4-BE49-F238E27FC236}">
+                <a16:creationId xmlns:a16="http://schemas.microsoft.com/office/drawing/2014/main" id="{43C9362A-DF78-4074-AA72-A32D59D5E080}"/>
+              </a:ext>
+            </a:extLst>
+          </p:cNvPr>
+          <p:cNvSpPr/>
+          <p:nvPr/>
+        </p:nvSpPr>
+        <p:spPr>
+          <a:xfrm>
+            <a:off x="5880175" y="1228183"/>
+            <a:ext cx="589914" cy="363838"/>
+          </a:xfrm>
+          <a:prstGeom prst="roundRect">
+            <a:avLst>
+              <a:gd name="adj" fmla="val 15232"/>
+            </a:avLst>
+          </a:prstGeom>
+          <a:ln w="19050"/>
+        </p:spPr>
+        <p:style>
+          <a:lnRef idx="2">
+            <a:schemeClr val="dk1"/>
+          </a:lnRef>
+          <a:fillRef idx="1">
+            <a:schemeClr val="lt1"/>
+          </a:fillRef>
+          <a:effectRef idx="0">
+            <a:schemeClr val="dk1"/>
+          </a:effectRef>
+          <a:fontRef idx="minor">
+            <a:schemeClr val="dk1"/>
+          </a:fontRef>
+        </p:style>
+        <p:txBody>
+          <a:bodyPr rtlCol="0" anchor="ctr"/>
+          <a:lstStyle/>
+          <a:p>
+            <a:pPr algn="ctr"/>
+            <a:r>
+              <a:rPr lang="en-US" altLang="ko-KR" sz="1000"/>
+              <a:t>Order</a:t>
+            </a:r>
+          </a:p>
+        </p:txBody>
+      </p:sp>
+      <p:sp>
+        <p:nvSpPr>
+          <p:cNvPr id="71" name="사각형: 둥근 모서리 70">
+            <a:extLst>
+              <a:ext uri="{FF2B5EF4-FFF2-40B4-BE49-F238E27FC236}">
+                <a16:creationId xmlns:a16="http://schemas.microsoft.com/office/drawing/2014/main" id="{4778FB68-88F8-4A89-90D7-4B8C52C2965E}"/>
+              </a:ext>
+            </a:extLst>
+          </p:cNvPr>
+          <p:cNvSpPr/>
+          <p:nvPr/>
+        </p:nvSpPr>
+        <p:spPr>
+          <a:xfrm>
+            <a:off x="6588554" y="1228183"/>
+            <a:ext cx="800084" cy="363838"/>
+          </a:xfrm>
+          <a:prstGeom prst="roundRect">
+            <a:avLst>
+              <a:gd name="adj" fmla="val 15232"/>
+            </a:avLst>
+          </a:prstGeom>
+          <a:ln w="19050"/>
+        </p:spPr>
+        <p:style>
+          <a:lnRef idx="2">
+            <a:schemeClr val="dk1"/>
+          </a:lnRef>
+          <a:fillRef idx="1">
+            <a:schemeClr val="lt1"/>
+          </a:fillRef>
+          <a:effectRef idx="0">
+            <a:schemeClr val="dk1"/>
+          </a:effectRef>
+          <a:fontRef idx="minor">
+            <a:schemeClr val="dk1"/>
+          </a:fontRef>
+        </p:style>
+        <p:txBody>
+          <a:bodyPr rtlCol="0" anchor="ctr"/>
+          <a:lstStyle/>
+          <a:p>
+            <a:pPr algn="ctr"/>
+            <a:r>
+              <a:rPr lang="en-US" altLang="ko-KR" sz="1000"/>
+              <a:t>Payment</a:t>
+            </a:r>
+          </a:p>
+        </p:txBody>
+      </p:sp>
+      <p:sp>
+        <p:nvSpPr>
+          <p:cNvPr id="74" name="사각형: 둥근 모서리 73">
+            <a:extLst>
+              <a:ext uri="{FF2B5EF4-FFF2-40B4-BE49-F238E27FC236}">
+                <a16:creationId xmlns:a16="http://schemas.microsoft.com/office/drawing/2014/main" id="{EA919948-B87C-49E2-AE16-098BC8F3D191}"/>
+              </a:ext>
+            </a:extLst>
+          </p:cNvPr>
+          <p:cNvSpPr/>
+          <p:nvPr/>
+        </p:nvSpPr>
+        <p:spPr>
+          <a:xfrm>
+            <a:off x="5202192" y="2745192"/>
+            <a:ext cx="722097" cy="363838"/>
+          </a:xfrm>
+          <a:prstGeom prst="roundRect">
+            <a:avLst>
+              <a:gd name="adj" fmla="val 15232"/>
+            </a:avLst>
+          </a:prstGeom>
+          <a:ln w="19050"/>
+        </p:spPr>
+        <p:style>
+          <a:lnRef idx="2">
+            <a:schemeClr val="dk1"/>
+          </a:lnRef>
+          <a:fillRef idx="1">
+            <a:schemeClr val="lt1"/>
+          </a:fillRef>
+          <a:effectRef idx="0">
+            <a:schemeClr val="dk1"/>
+          </a:effectRef>
+          <a:fontRef idx="minor">
+            <a:schemeClr val="dk1"/>
+          </a:fontRef>
+        </p:style>
+        <p:txBody>
+          <a:bodyPr rtlCol="0" anchor="ctr"/>
+          <a:lstStyle/>
+          <a:p>
+            <a:pPr algn="ctr"/>
+            <a:r>
+              <a:rPr lang="en-US" altLang="ko-KR" sz="1000"/>
+              <a:t>Redis</a:t>
+            </a:r>
+          </a:p>
+        </p:txBody>
+      </p:sp>
+      <p:sp>
+        <p:nvSpPr>
+          <p:cNvPr id="75" name="사각형: 둥근 모서리 74">
+            <a:extLst>
+              <a:ext uri="{FF2B5EF4-FFF2-40B4-BE49-F238E27FC236}">
+                <a16:creationId xmlns:a16="http://schemas.microsoft.com/office/drawing/2014/main" id="{42AD184E-4D6C-402F-8F70-398F03E52A28}"/>
+              </a:ext>
+            </a:extLst>
+          </p:cNvPr>
+          <p:cNvSpPr/>
+          <p:nvPr/>
+        </p:nvSpPr>
+        <p:spPr>
+          <a:xfrm>
+            <a:off x="72651" y="2212001"/>
+            <a:ext cx="1096920" cy="1754692"/>
+          </a:xfrm>
+          <a:prstGeom prst="roundRect">
+            <a:avLst>
+              <a:gd name="adj" fmla="val 5707"/>
+            </a:avLst>
+          </a:prstGeom>
+          <a:noFill/>
+          <a:ln w="12700">
+            <a:prstDash val="dash"/>
+          </a:ln>
+        </p:spPr>
+        <p:style>
+          <a:lnRef idx="2">
+            <a:schemeClr val="dk1"/>
+          </a:lnRef>
+          <a:fillRef idx="1">
+            <a:schemeClr val="lt1"/>
+          </a:fillRef>
+          <a:effectRef idx="0">
+            <a:schemeClr val="dk1"/>
+          </a:effectRef>
+          <a:fontRef idx="minor">
+            <a:schemeClr val="dk1"/>
+          </a:fontRef>
+        </p:style>
+        <p:txBody>
+          <a:bodyPr rtlCol="0" anchor="t"/>
+          <a:lstStyle/>
+          <a:p>
+            <a:pPr algn="ctr"/>
+            <a:r>
+              <a:rPr lang="en-US" altLang="ko-KR" sz="1100" b="1"/>
+              <a:t>Metric</a:t>
+            </a:r>
+          </a:p>
+        </p:txBody>
+      </p:sp>
+      <p:sp>
+        <p:nvSpPr>
+          <p:cNvPr id="76" name="사각형: 둥근 모서리 75">
+            <a:extLst>
+              <a:ext uri="{FF2B5EF4-FFF2-40B4-BE49-F238E27FC236}">
+                <a16:creationId xmlns:a16="http://schemas.microsoft.com/office/drawing/2014/main" id="{C288B123-B73D-4003-A0AA-FDB731C687D3}"/>
+              </a:ext>
+            </a:extLst>
+          </p:cNvPr>
+          <p:cNvSpPr/>
+          <p:nvPr/>
+        </p:nvSpPr>
+        <p:spPr>
+          <a:xfrm>
+            <a:off x="1313169" y="2212001"/>
+            <a:ext cx="1143504" cy="1754692"/>
+          </a:xfrm>
+          <a:prstGeom prst="roundRect">
+            <a:avLst>
+              <a:gd name="adj" fmla="val 5707"/>
+            </a:avLst>
+          </a:prstGeom>
+          <a:noFill/>
+          <a:ln w="12700">
+            <a:prstDash val="dash"/>
+          </a:ln>
+        </p:spPr>
+        <p:style>
+          <a:lnRef idx="2">
+            <a:schemeClr val="dk1"/>
+          </a:lnRef>
+          <a:fillRef idx="1">
+            <a:schemeClr val="lt1"/>
+          </a:fillRef>
+          <a:effectRef idx="0">
+            <a:schemeClr val="dk1"/>
+          </a:effectRef>
+          <a:fontRef idx="minor">
+            <a:schemeClr val="dk1"/>
+          </a:fontRef>
+        </p:style>
+        <p:txBody>
+          <a:bodyPr rtlCol="0" anchor="t"/>
+          <a:lstStyle/>
+          <a:p>
+            <a:pPr algn="ctr"/>
+            <a:r>
+              <a:rPr lang="en-US" altLang="ko-KR" sz="1100" b="1"/>
+              <a:t>Log</a:t>
+            </a:r>
+          </a:p>
+        </p:txBody>
+      </p:sp>
+      <p:sp>
+        <p:nvSpPr>
+          <p:cNvPr id="77" name="사각형: 둥근 모서리 76">
+            <a:extLst>
+              <a:ext uri="{FF2B5EF4-FFF2-40B4-BE49-F238E27FC236}">
+                <a16:creationId xmlns:a16="http://schemas.microsoft.com/office/drawing/2014/main" id="{AAB33B38-C090-417D-AE88-523EAEE7EBB1}"/>
+              </a:ext>
+            </a:extLst>
+          </p:cNvPr>
+          <p:cNvSpPr/>
+          <p:nvPr/>
+        </p:nvSpPr>
+        <p:spPr>
+          <a:xfrm>
+            <a:off x="5316204" y="1887264"/>
+            <a:ext cx="2418651" cy="568021"/>
+          </a:xfrm>
+          <a:prstGeom prst="roundRect">
+            <a:avLst>
+              <a:gd name="adj" fmla="val 12037"/>
+            </a:avLst>
+          </a:prstGeom>
+          <a:noFill/>
+          <a:ln w="12700">
+            <a:prstDash val="dash"/>
+          </a:ln>
+        </p:spPr>
+        <p:style>
+          <a:lnRef idx="2">
+            <a:schemeClr val="dk1"/>
+          </a:lnRef>
+          <a:fillRef idx="1">
+            <a:schemeClr val="lt1"/>
+          </a:fillRef>
+          <a:effectRef idx="0">
+            <a:schemeClr val="dk1"/>
+          </a:effectRef>
+          <a:fontRef idx="minor">
+            <a:schemeClr val="dk1"/>
+          </a:fontRef>
+        </p:style>
+        <p:txBody>
+          <a:bodyPr rtlCol="0" anchor="ctr"/>
+          <a:lstStyle/>
+          <a:p>
+            <a:r>
+              <a:rPr lang="en-US" altLang="ko-KR" sz="1100" b="1"/>
+              <a:t>CD</a:t>
+            </a:r>
+          </a:p>
+        </p:txBody>
+      </p:sp>
+      <p:sp>
+        <p:nvSpPr>
+          <p:cNvPr id="78" name="사각형: 둥근 모서리 77">
+            <a:extLst>
+              <a:ext uri="{FF2B5EF4-FFF2-40B4-BE49-F238E27FC236}">
+                <a16:creationId xmlns:a16="http://schemas.microsoft.com/office/drawing/2014/main" id="{98AB12F5-920B-48F3-92C7-66D37AFEED93}"/>
+              </a:ext>
+            </a:extLst>
+          </p:cNvPr>
+          <p:cNvSpPr/>
+          <p:nvPr/>
+        </p:nvSpPr>
+        <p:spPr>
+          <a:xfrm>
+            <a:off x="5671037" y="1989355"/>
+            <a:ext cx="688392" cy="363838"/>
+          </a:xfrm>
+          <a:prstGeom prst="roundRect">
+            <a:avLst>
+              <a:gd name="adj" fmla="val 15232"/>
+            </a:avLst>
+          </a:prstGeom>
+          <a:ln w="19050"/>
+        </p:spPr>
+        <p:style>
+          <a:lnRef idx="2">
+            <a:schemeClr val="dk1"/>
+          </a:lnRef>
+          <a:fillRef idx="1">
+            <a:schemeClr val="lt1"/>
+          </a:fillRef>
+          <a:effectRef idx="0">
+            <a:schemeClr val="dk1"/>
+          </a:effectRef>
+          <a:fontRef idx="minor">
+            <a:schemeClr val="dk1"/>
+          </a:fontRef>
+        </p:style>
+        <p:txBody>
+          <a:bodyPr rtlCol="0" anchor="ctr"/>
+          <a:lstStyle/>
+          <a:p>
+            <a:pPr algn="ctr"/>
+            <a:r>
+              <a:rPr lang="en-US" altLang="ko-KR" sz="1000"/>
+              <a:t>ArgoCD</a:t>
+            </a:r>
+          </a:p>
+        </p:txBody>
+      </p:sp>
+      <p:sp>
+        <p:nvSpPr>
+          <p:cNvPr id="79" name="사각형: 둥근 모서리 78">
+            <a:extLst>
+              <a:ext uri="{FF2B5EF4-FFF2-40B4-BE49-F238E27FC236}">
+                <a16:creationId xmlns:a16="http://schemas.microsoft.com/office/drawing/2014/main" id="{F47455CF-4265-4F81-853B-6651CB1C88BE}"/>
+              </a:ext>
+            </a:extLst>
+          </p:cNvPr>
+          <p:cNvSpPr/>
+          <p:nvPr/>
+        </p:nvSpPr>
+        <p:spPr>
+          <a:xfrm>
+            <a:off x="6470089" y="1989355"/>
+            <a:ext cx="1142408" cy="363838"/>
+          </a:xfrm>
+          <a:prstGeom prst="roundRect">
+            <a:avLst>
+              <a:gd name="adj" fmla="val 15232"/>
+            </a:avLst>
+          </a:prstGeom>
+          <a:ln w="19050"/>
+        </p:spPr>
+        <p:style>
+          <a:lnRef idx="2">
+            <a:schemeClr val="dk1"/>
+          </a:lnRef>
+          <a:fillRef idx="1">
+            <a:schemeClr val="lt1"/>
+          </a:fillRef>
+          <a:effectRef idx="0">
+            <a:schemeClr val="dk1"/>
+          </a:effectRef>
+          <a:fontRef idx="minor">
+            <a:schemeClr val="dk1"/>
+          </a:fontRef>
+        </p:style>
+        <p:txBody>
+          <a:bodyPr rtlCol="0" anchor="ctr"/>
+          <a:lstStyle/>
+          <a:p>
+            <a:pPr algn="ctr"/>
+            <a:r>
+              <a:rPr lang="en-US" altLang="ko-KR" sz="1000"/>
+              <a:t>ArgoCD Image Updater</a:t>
+            </a:r>
+          </a:p>
+        </p:txBody>
+      </p:sp>
+      <p:sp>
+        <p:nvSpPr>
+          <p:cNvPr id="80" name="사각형: 둥근 모서리 79">
+            <a:extLst>
+              <a:ext uri="{FF2B5EF4-FFF2-40B4-BE49-F238E27FC236}">
+                <a16:creationId xmlns:a16="http://schemas.microsoft.com/office/drawing/2014/main" id="{AE498B0E-66CA-4857-AB09-451A00179BE7}"/>
+              </a:ext>
+            </a:extLst>
+          </p:cNvPr>
+          <p:cNvSpPr/>
+          <p:nvPr/>
+        </p:nvSpPr>
+        <p:spPr>
+          <a:xfrm>
+            <a:off x="7991864" y="1989355"/>
+            <a:ext cx="944174" cy="363838"/>
+          </a:xfrm>
+          <a:prstGeom prst="roundRect">
+            <a:avLst>
+              <a:gd name="adj" fmla="val 15232"/>
+            </a:avLst>
+          </a:prstGeom>
+          <a:ln w="19050"/>
+        </p:spPr>
+        <p:style>
+          <a:lnRef idx="2">
+            <a:schemeClr val="dk1"/>
+          </a:lnRef>
+          <a:fillRef idx="1">
+            <a:schemeClr val="lt1"/>
+          </a:fillRef>
+          <a:effectRef idx="0">
+            <a:schemeClr val="dk1"/>
+          </a:effectRef>
+          <a:fontRef idx="minor">
+            <a:schemeClr val="dk1"/>
+          </a:fontRef>
+        </p:style>
+        <p:txBody>
+          <a:bodyPr rtlCol="0" anchor="ctr"/>
+          <a:lstStyle/>
+          <a:p>
+            <a:pPr algn="ctr"/>
+            <a:r>
+              <a:rPr lang="en-US" altLang="ko-KR" sz="1000"/>
+              <a:t>Github </a:t>
+            </a:r>
+          </a:p>
+          <a:p>
+            <a:pPr algn="ctr"/>
+            <a:r>
+              <a:rPr lang="en-US" altLang="ko-KR" sz="1000"/>
+              <a:t>Action</a:t>
+            </a:r>
+          </a:p>
+        </p:txBody>
+      </p:sp>
+      <p:sp>
+        <p:nvSpPr>
+          <p:cNvPr id="81" name="사각형: 둥근 모서리 80">
+            <a:extLst>
+              <a:ext uri="{FF2B5EF4-FFF2-40B4-BE49-F238E27FC236}">
+                <a16:creationId xmlns:a16="http://schemas.microsoft.com/office/drawing/2014/main" id="{0DD3926B-CC5E-4954-8EB6-E97E130B96C6}"/>
+              </a:ext>
+            </a:extLst>
+          </p:cNvPr>
+          <p:cNvSpPr/>
+          <p:nvPr/>
+        </p:nvSpPr>
+        <p:spPr>
+          <a:xfrm>
+            <a:off x="7860609" y="1690889"/>
+            <a:ext cx="1206684" cy="761172"/>
+          </a:xfrm>
+          <a:prstGeom prst="roundRect">
+            <a:avLst>
+              <a:gd name="adj" fmla="val 12037"/>
+            </a:avLst>
+          </a:prstGeom>
+          <a:noFill/>
+          <a:ln w="12700">
+            <a:prstDash val="dash"/>
+          </a:ln>
+        </p:spPr>
+        <p:style>
+          <a:lnRef idx="2">
+            <a:schemeClr val="dk1"/>
+          </a:lnRef>
+          <a:fillRef idx="1">
+            <a:schemeClr val="lt1"/>
+          </a:fillRef>
+          <a:effectRef idx="0">
+            <a:schemeClr val="dk1"/>
+          </a:effectRef>
+          <a:fontRef idx="minor">
+            <a:schemeClr val="dk1"/>
+          </a:fontRef>
+        </p:style>
+        <p:txBody>
+          <a:bodyPr rtlCol="0" anchor="t"/>
+          <a:lstStyle/>
+          <a:p>
+            <a:pPr algn="ctr"/>
+            <a:r>
+              <a:rPr lang="en-US" altLang="ko-KR" sz="1100" b="1"/>
+              <a:t>CI</a:t>
+            </a:r>
+          </a:p>
+        </p:txBody>
+      </p:sp>
+    </p:spTree>
+    <p:extLst>
+      <p:ext uri="{BB962C8B-B14F-4D97-AF65-F5344CB8AC3E}">
+        <p14:creationId xmlns:p14="http://schemas.microsoft.com/office/powerpoint/2010/main" val="1105712950"/>
+      </p:ext>
+    </p:extLst>
+  </p:cSld>
+  <p:clrMapOvr>
+    <a:masterClrMapping/>
+  </p:clrMapOvr>
+</p:sld>
+</file>
+
+<file path=ppt/slides/slide5.xml><?xml version="1.0" encoding="utf-8"?>
+<p:sld xmlns:a="http://schemas.openxmlformats.org/drawingml/2006/main" xmlns:r="http://schemas.openxmlformats.org/officeDocument/2006/relationships" xmlns:p="http://schemas.openxmlformats.org/presentationml/2006/main">
+  <p:cSld>
+    <p:spTree>
+      <p:nvGrpSpPr>
+        <p:cNvPr id="1" name=""/>
+        <p:cNvGrpSpPr/>
+        <p:nvPr/>
+      </p:nvGrpSpPr>
+      <p:grpSpPr>
+        <a:xfrm>
+          <a:off x="0" y="0"/>
+          <a:ext cx="0" cy="0"/>
+          <a:chOff x="0" y="0"/>
+          <a:chExt cx="0" cy="0"/>
+        </a:xfrm>
+      </p:grpSpPr>
+      <p:sp>
+        <p:nvSpPr>
+          <p:cNvPr id="2" name="제목 1"/>
+          <p:cNvSpPr>
+            <a:spLocks noGrp="1"/>
+          </p:cNvSpPr>
+          <p:nvPr>
+            <p:ph type="title"/>
+          </p:nvPr>
+        </p:nvSpPr>
+        <p:spPr>
+          <a:xfrm>
+            <a:off x="457200" y="-20538"/>
+            <a:ext cx="8229600" cy="720080"/>
+          </a:xfrm>
+        </p:spPr>
+        <p:txBody>
+          <a:bodyPr>
+            <a:normAutofit/>
+          </a:bodyPr>
+          <a:lstStyle/>
+          <a:p>
+            <a:r>
+              <a:rPr lang="en-US" altLang="ko-KR" sz="3600"/>
+              <a:t>msa-event-market component stack</a:t>
+            </a:r>
+            <a:endParaRPr lang="ko-KR" altLang="en-US" sz="3600" dirty="0"/>
+          </a:p>
+        </p:txBody>
+      </p:sp>
+      <p:sp>
+        <p:nvSpPr>
+          <p:cNvPr id="41" name="사각형: 둥근 모서리 40">
+            <a:extLst>
+              <a:ext uri="{FF2B5EF4-FFF2-40B4-BE49-F238E27FC236}">
+                <a16:creationId xmlns:a16="http://schemas.microsoft.com/office/drawing/2014/main" id="{13D2E8C9-7C43-4F02-B53E-F6C900D502CA}"/>
+              </a:ext>
+            </a:extLst>
+          </p:cNvPr>
+          <p:cNvSpPr/>
+          <p:nvPr/>
+        </p:nvSpPr>
+        <p:spPr>
+          <a:xfrm>
+            <a:off x="49132" y="4083918"/>
+            <a:ext cx="7685724" cy="363838"/>
+          </a:xfrm>
+          <a:prstGeom prst="roundRect">
+            <a:avLst>
+              <a:gd name="adj" fmla="val 15232"/>
+            </a:avLst>
+          </a:prstGeom>
+          <a:ln w="19050"/>
+        </p:spPr>
+        <p:style>
+          <a:lnRef idx="2">
+            <a:schemeClr val="dk1"/>
+          </a:lnRef>
+          <a:fillRef idx="1">
+            <a:schemeClr val="lt1"/>
+          </a:fillRef>
+          <a:effectRef idx="0">
+            <a:schemeClr val="dk1"/>
+          </a:effectRef>
+          <a:fontRef idx="minor">
+            <a:schemeClr val="dk1"/>
+          </a:fontRef>
+        </p:style>
+        <p:txBody>
+          <a:bodyPr rtlCol="0" anchor="ctr"/>
+          <a:lstStyle/>
+          <a:p>
+            <a:pPr algn="ctr"/>
+            <a:r>
+              <a:rPr lang="en-US" altLang="ko-KR" sz="1100" b="1"/>
               <a:t>EKS Cluster</a:t>
             </a:r>
           </a:p>
@@ -8710,7 +10413,7 @@
 </p:sld>
 </file>
 
-<file path=ppt/slides/slide5.xml><?xml version="1.0" encoding="utf-8"?>
+<file path=ppt/slides/slide6.xml><?xml version="1.0" encoding="utf-8"?>
 <p:sld xmlns:a="http://schemas.openxmlformats.org/drawingml/2006/main" xmlns:r="http://schemas.openxmlformats.org/officeDocument/2006/relationships" xmlns:p="http://schemas.openxmlformats.org/presentationml/2006/main">
   <p:cSld>
     <p:spTree>
